--- a/Week01/Xcode & Swift Basics Week01.pptx
+++ b/Week01/Xcode & Swift Basics Week01.pptx
@@ -5,27 +5,28 @@
     <p:sldMasterId id="2147483648" r:id="rId1"/>
   </p:sldMasterIdLst>
   <p:notesMasterIdLst>
-    <p:notesMasterId r:id="rId18"/>
+    <p:notesMasterId r:id="rId6"/>
   </p:notesMasterIdLst>
   <p:handoutMasterIdLst>
-    <p:handoutMasterId r:id="rId19"/>
+    <p:handoutMasterId r:id="rId20"/>
   </p:handoutMasterIdLst>
   <p:sldIdLst>
     <p:sldId id="257" r:id="rId3"/>
     <p:sldId id="295" r:id="rId4"/>
-    <p:sldId id="296" r:id="rId5"/>
-    <p:sldId id="297" r:id="rId6"/>
-    <p:sldId id="298" r:id="rId7"/>
-    <p:sldId id="299" r:id="rId8"/>
-    <p:sldId id="300" r:id="rId9"/>
-    <p:sldId id="301" r:id="rId10"/>
-    <p:sldId id="302" r:id="rId11"/>
-    <p:sldId id="303" r:id="rId12"/>
-    <p:sldId id="304" r:id="rId13"/>
-    <p:sldId id="305" r:id="rId14"/>
-    <p:sldId id="306" r:id="rId15"/>
-    <p:sldId id="307" r:id="rId16"/>
-    <p:sldId id="308" r:id="rId17"/>
+    <p:sldId id="309" r:id="rId5"/>
+    <p:sldId id="296" r:id="rId7"/>
+    <p:sldId id="297" r:id="rId8"/>
+    <p:sldId id="298" r:id="rId9"/>
+    <p:sldId id="299" r:id="rId10"/>
+    <p:sldId id="300" r:id="rId11"/>
+    <p:sldId id="301" r:id="rId12"/>
+    <p:sldId id="302" r:id="rId13"/>
+    <p:sldId id="303" r:id="rId14"/>
+    <p:sldId id="304" r:id="rId15"/>
+    <p:sldId id="305" r:id="rId16"/>
+    <p:sldId id="306" r:id="rId17"/>
+    <p:sldId id="307" r:id="rId18"/>
+    <p:sldId id="308" r:id="rId19"/>
   </p:sldIdLst>
   <p:sldSz cx="12192000" cy="6858000"/>
   <p:notesSz cx="6858000" cy="9144000"/>
@@ -225,12 +226,12 @@
   <p:extLst>
     <p:ext uri="{EFAFB233-063F-42B5-8137-9DF3F51BA10A}">
       <p15:sldGuideLst xmlns:p15="http://schemas.microsoft.com/office/powerpoint/2012/main">
-        <p15:guide id="1" orient="horz" pos="2160" userDrawn="1">
+        <p15:guide id="1" orient="horz" pos="2122" userDrawn="1">
           <p15:clr>
             <a:srgbClr val="A4A3A4"/>
           </p15:clr>
         </p15:guide>
-        <p15:guide id="2" pos="3840" userDrawn="1">
+        <p15:guide id="2" pos="3823" userDrawn="1">
           <p15:clr>
             <a:srgbClr val="A4A3A4"/>
           </p15:clr>
@@ -1133,6 +1134,54 @@
     </a:lvl9pPr>
   </p:notesStyle>
 </p:notesMaster>
+</file>
+
+<file path=ppt/notesSlides/notesSlide1.xml><?xml version="1.0" encoding="utf-8"?>
+<p:notes xmlns:a="http://schemas.openxmlformats.org/drawingml/2006/main" xmlns:r="http://schemas.openxmlformats.org/officeDocument/2006/relationships" xmlns:p="http://schemas.openxmlformats.org/presentationml/2006/main">
+  <p:cSld>
+    <p:spTree>
+      <p:nvGrpSpPr>
+        <p:cNvPr id="1" name=""/>
+        <p:cNvGrpSpPr/>
+        <p:nvPr/>
+      </p:nvGrpSpPr>
+      <p:grpSpPr/>
+      <p:sp>
+        <p:nvSpPr>
+          <p:cNvPr id="2" name="Slide Image Placeholder 1"/>
+          <p:cNvSpPr>
+            <a:spLocks noGrp="1"/>
+          </p:cNvSpPr>
+          <p:nvPr>
+            <p:ph type="sldImg" idx="2"/>
+          </p:nvPr>
+        </p:nvSpPr>
+        <p:spPr/>
+      </p:sp>
+      <p:sp>
+        <p:nvSpPr>
+          <p:cNvPr id="3" name="Text Placeholder 2"/>
+          <p:cNvSpPr>
+            <a:spLocks noGrp="1"/>
+          </p:cNvSpPr>
+          <p:nvPr>
+            <p:ph type="body" idx="3"/>
+          </p:nvPr>
+        </p:nvSpPr>
+        <p:spPr/>
+        <p:txBody>
+          <a:bodyPr/>
+          <a:p>
+            <a:endParaRPr lang="en-US"/>
+          </a:p>
+        </p:txBody>
+      </p:sp>
+    </p:spTree>
+  </p:cSld>
+  <p:clrMapOvr>
+    <a:masterClrMapping/>
+  </p:clrMapOvr>
+</p:notes>
 </file>
 
 <file path=ppt/slideLayouts/slideLayout1.xml><?xml version="1.0" encoding="utf-8"?>
@@ -5480,7 +5529,7 @@
                 <a:ea typeface="quote-cjk-patch"/>
                 <a:cs typeface="Microsoft YaHei" charset="0"/>
               </a:rPr>
-              <a:t>Control Flow - Making Decisions</a:t>
+              <a:t>Operators</a:t>
             </a:r>
             <a:endParaRPr lang="en-US" altLang="en-US" sz="2400" b="0" i="0">
               <a:solidFill>
@@ -5531,7 +5580,97 @@
                 <a:ea typeface="quote-cjk-patch"/>
                 <a:sym typeface="+mn-ea"/>
               </a:rPr>
-              <a:t>Use if, else if, and else statements to run code based on conditions.</a:t>
+              <a:t>Assignment: = (Assigns a value)</a:t>
+            </a:r>
+            <a:endParaRPr lang="en-US" altLang="en-US" sz="1600">
+              <a:solidFill>
+                <a:srgbClr val="F8FAFF"/>
+              </a:solidFill>
+              <a:latin typeface="quote-cjk-patch"/>
+              <a:ea typeface="quote-cjk-patch"/>
+              <a:sym typeface="+mn-ea"/>
+            </a:endParaRPr>
+          </a:p>
+          <a:p>
+            <a:pPr marL="285750" lvl="0" indent="-285750" algn="l">
+              <a:lnSpc>
+                <a:spcPct val="200000"/>
+              </a:lnSpc>
+              <a:buClrTx/>
+              <a:buSzTx/>
+              <a:buFont typeface="Wingdings" panose="05000000000000000000" charset="0"/>
+              <a:buChar char=""/>
+            </a:pPr>
+            <a:r>
+              <a:rPr lang="en-US" altLang="en-US" sz="1600">
+                <a:solidFill>
+                  <a:srgbClr val="F8FAFF"/>
+                </a:solidFill>
+                <a:latin typeface="quote-cjk-patch"/>
+                <a:ea typeface="quote-cjk-patch"/>
+                <a:sym typeface="+mn-ea"/>
+              </a:rPr>
+              <a:t>Arithmetic: +, -, *, /</a:t>
+            </a:r>
+            <a:endParaRPr lang="en-US" altLang="en-US" sz="1600">
+              <a:solidFill>
+                <a:srgbClr val="F8FAFF"/>
+              </a:solidFill>
+              <a:latin typeface="quote-cjk-patch"/>
+              <a:ea typeface="quote-cjk-patch"/>
+              <a:sym typeface="+mn-ea"/>
+            </a:endParaRPr>
+          </a:p>
+          <a:p>
+            <a:pPr marL="285750" lvl="0" indent="-285750" algn="l">
+              <a:lnSpc>
+                <a:spcPct val="200000"/>
+              </a:lnSpc>
+              <a:buClrTx/>
+              <a:buSzTx/>
+              <a:buFont typeface="Wingdings" panose="05000000000000000000" charset="0"/>
+              <a:buChar char=""/>
+            </a:pPr>
+            <a:r>
+              <a:rPr lang="en-US" altLang="en-US" sz="1600">
+                <a:solidFill>
+                  <a:srgbClr val="F8FAFF"/>
+                </a:solidFill>
+                <a:latin typeface="quote-cjk-patch"/>
+                <a:ea typeface="quote-cjk-patch"/>
+                <a:sym typeface="+mn-ea"/>
+              </a:rPr>
+              <a:t>Compound Assignment: +=, -=</a:t>
+            </a:r>
+            <a:endParaRPr lang="en-US" altLang="en-US" sz="1600">
+              <a:solidFill>
+                <a:srgbClr val="F8FAFF"/>
+              </a:solidFill>
+              <a:latin typeface="quote-cjk-patch"/>
+              <a:ea typeface="quote-cjk-patch"/>
+              <a:sym typeface="+mn-ea"/>
+            </a:endParaRPr>
+          </a:p>
+          <a:p>
+            <a:pPr marL="285750" lvl="0" indent="-285750" algn="l">
+              <a:lnSpc>
+                <a:spcPct val="200000"/>
+              </a:lnSpc>
+              <a:buClrTx/>
+              <a:buSzTx/>
+              <a:buFont typeface="Wingdings" panose="05000000000000000000" charset="0"/>
+              <a:buChar char=""/>
+            </a:pPr>
+            <a:r>
+              <a:rPr lang="en-US" altLang="en-US" sz="1600">
+                <a:solidFill>
+                  <a:srgbClr val="F8FAFF"/>
+                </a:solidFill>
+                <a:latin typeface="quote-cjk-patch"/>
+                <a:ea typeface="quote-cjk-patch"/>
+                <a:sym typeface="+mn-ea"/>
+              </a:rPr>
+              <a:t>Comparison: == (equal to), != (not equal to), &gt;, &lt;, &gt;=, &lt;=</a:t>
             </a:r>
             <a:endParaRPr lang="en-US" altLang="en-US" sz="1600">
               <a:solidFill>
@@ -5546,14 +5685,14 @@
       </p:sp>
       <p:sp>
         <p:nvSpPr>
-          <p:cNvPr id="4" name="Text Box 3"/>
+          <p:cNvPr id="5" name="Text Box 4"/>
           <p:cNvSpPr txBox="1"/>
           <p:nvPr/>
         </p:nvSpPr>
         <p:spPr>
           <a:xfrm>
-            <a:off x="6165215" y="1525905"/>
-            <a:ext cx="5080000" cy="4523105"/>
+            <a:off x="6096000" y="2004378"/>
+            <a:ext cx="5080000" cy="1753235"/>
           </a:xfrm>
           <a:prstGeom prst="rect">
             <a:avLst/>
@@ -5564,11 +5703,6 @@
             <a:spAutoFit/>
           </a:bodyPr>
           <a:p>
-            <a:pPr>
-              <a:lnSpc>
-                <a:spcPct val="200000"/>
-              </a:lnSpc>
-            </a:pPr>
             <a:r>
               <a:rPr lang="en-US" altLang="zh-CN" sz="1800">
                 <a:solidFill>
@@ -5583,7 +5717,7 @@
                   <a:srgbClr val="42B8E0"/>
                 </a:solidFill>
               </a:rPr>
-              <a:t>temperature</a:t>
+              <a:t>a</a:t>
             </a:r>
             <a:r>
               <a:rPr lang="en-US" altLang="zh-CN" sz="1800">
@@ -5599,7 +5733,7 @@
                   <a:srgbClr val="D0BC56"/>
                 </a:solidFill>
               </a:rPr>
-              <a:t>70</a:t>
+              <a:t>10</a:t>
             </a:r>
             <a:endParaRPr lang="en-US" altLang="zh-CN" sz="1800">
               <a:solidFill>
@@ -5608,18 +5742,68 @@
             </a:endParaRPr>
           </a:p>
           <a:p>
-            <a:pPr>
-              <a:lnSpc>
-                <a:spcPct val="200000"/>
-              </a:lnSpc>
-            </a:pPr>
             <a:r>
               <a:rPr lang="en-US" altLang="zh-CN" sz="1800">
                 <a:solidFill>
                   <a:srgbClr val="FC6BAA"/>
                 </a:solidFill>
               </a:rPr>
-              <a:t>if </a:t>
+              <a:t>let </a:t>
+            </a:r>
+            <a:r>
+              <a:rPr lang="en-US" altLang="zh-CN" sz="1800">
+                <a:solidFill>
+                  <a:srgbClr val="42B8E0"/>
+                </a:solidFill>
+              </a:rPr>
+              <a:t>b</a:t>
+            </a:r>
+            <a:r>
+              <a:rPr lang="en-US" altLang="zh-CN" sz="1800">
+                <a:solidFill>
+                  <a:srgbClr val="FFFFFF"/>
+                </a:solidFill>
+              </a:rPr>
+              <a:t> = </a:t>
+            </a:r>
+            <a:r>
+              <a:rPr lang="en-US" altLang="zh-CN" sz="1800">
+                <a:solidFill>
+                  <a:srgbClr val="D0BC56"/>
+                </a:solidFill>
+              </a:rPr>
+              <a:t>3</a:t>
+            </a:r>
+            <a:endParaRPr lang="en-US" altLang="zh-CN" sz="1800">
+              <a:solidFill>
+                <a:srgbClr val="D0BC56"/>
+              </a:solidFill>
+            </a:endParaRPr>
+          </a:p>
+          <a:p>
+            <a:r>
+              <a:rPr lang="en-US" altLang="zh-CN" sz="1800">
+                <a:solidFill>
+                  <a:srgbClr val="FC6BAA"/>
+                </a:solidFill>
+              </a:rPr>
+              <a:t>let </a:t>
+            </a:r>
+            <a:r>
+              <a:rPr lang="en-US" altLang="zh-CN" sz="1800">
+                <a:solidFill>
+                  <a:srgbClr val="42B8E0"/>
+                </a:solidFill>
+              </a:rPr>
+              <a:t>sum</a:t>
+            </a:r>
+            <a:r>
+              <a:rPr lang="en-US" altLang="zh-CN" sz="1800">
+                <a:solidFill>
+                  <a:srgbClr val="FFFFFF"/>
+                </a:solidFill>
+              </a:rPr>
+              <a:t> = </a:t>
             </a:r>
             <a:r>
               <a:rPr lang="en-US" altLang="zh-CN" sz="1800">
@@ -5627,7 +5811,7 @@
                   <a:srgbClr val="72BFAE"/>
                 </a:solidFill>
               </a:rPr>
-              <a:t>temperature</a:t>
+              <a:t>a</a:t>
             </a:r>
             <a:r>
               <a:rPr lang="en-US" altLang="zh-CN" sz="1800">
@@ -5635,15 +5819,140 @@
                   <a:srgbClr val="FFFFFF"/>
                 </a:solidFill>
               </a:rPr>
+              <a:t> + </a:t>
+            </a:r>
+            <a:r>
+              <a:rPr lang="en-US" altLang="zh-CN" sz="1800">
+                <a:solidFill>
+                  <a:srgbClr val="72BFAE"/>
+                </a:solidFill>
+              </a:rPr>
+              <a:t>b</a:t>
+            </a:r>
+            <a:r>
+              <a:rPr lang="en-US" altLang="zh-CN" sz="1800">
+                <a:solidFill>
+                  <a:srgbClr val="7CB554"/>
+                </a:solidFill>
+              </a:rPr>
+              <a:t>// 13</a:t>
+            </a:r>
+            <a:endParaRPr lang="en-US" altLang="zh-CN" sz="1800">
+              <a:solidFill>
+                <a:srgbClr val="7CB554"/>
+              </a:solidFill>
+            </a:endParaRPr>
+          </a:p>
+          <a:p>
+            <a:r>
+              <a:rPr lang="en-US" altLang="zh-CN" sz="1800">
+                <a:solidFill>
+                  <a:srgbClr val="FC6BAA"/>
+                </a:solidFill>
+              </a:rPr>
+              <a:t>let </a:t>
+            </a:r>
+            <a:r>
+              <a:rPr lang="en-US" altLang="zh-CN" sz="1800">
+                <a:solidFill>
+                  <a:srgbClr val="42B8E0"/>
+                </a:solidFill>
+              </a:rPr>
+              <a:t>isGreater</a:t>
+            </a:r>
+            <a:r>
+              <a:rPr lang="en-US" altLang="zh-CN" sz="1800">
+                <a:solidFill>
+                  <a:srgbClr val="FFFFFF"/>
+                </a:solidFill>
+              </a:rPr>
+              <a:t> = </a:t>
+            </a:r>
+            <a:r>
+              <a:rPr lang="en-US" altLang="zh-CN" sz="1800">
+                <a:solidFill>
+                  <a:srgbClr val="72BFAE"/>
+                </a:solidFill>
+              </a:rPr>
+              <a:t>a</a:t>
+            </a:r>
+            <a:r>
+              <a:rPr lang="en-US" altLang="zh-CN" sz="1800">
+                <a:solidFill>
+                  <a:srgbClr val="FFFFFF"/>
+                </a:solidFill>
+              </a:rPr>
               <a:t> &gt; </a:t>
             </a:r>
             <a:r>
               <a:rPr lang="en-US" altLang="zh-CN" sz="1800">
                 <a:solidFill>
+                  <a:srgbClr val="72BFAE"/>
+                </a:solidFill>
+              </a:rPr>
+              <a:t>b</a:t>
+            </a:r>
+            <a:r>
+              <a:rPr lang="en-US" altLang="zh-CN" sz="1800">
+                <a:solidFill>
+                  <a:srgbClr val="7CB554"/>
+                </a:solidFill>
+              </a:rPr>
+              <a:t>// true</a:t>
+            </a:r>
+            <a:endParaRPr lang="en-US" altLang="zh-CN" sz="1800">
+              <a:solidFill>
+                <a:srgbClr val="7CB554"/>
+              </a:solidFill>
+            </a:endParaRPr>
+          </a:p>
+          <a:p>
+            <a:r>
+              <a:rPr lang="en-US" altLang="zh-CN" sz="1800">
+                <a:solidFill>
+                  <a:srgbClr val="FC6BAA"/>
+                </a:solidFill>
+              </a:rPr>
+              <a:t>var </a:t>
+            </a:r>
+            <a:r>
+              <a:rPr lang="en-US" altLang="zh-CN" sz="1800">
+                <a:solidFill>
+                  <a:srgbClr val="42B8E0"/>
+                </a:solidFill>
+              </a:rPr>
+              <a:t>counter</a:t>
+            </a:r>
+            <a:r>
+              <a:rPr lang="en-US" altLang="zh-CN" sz="1800">
+                <a:solidFill>
+                  <a:srgbClr val="FFFFFF"/>
+                </a:solidFill>
+              </a:rPr>
+              <a:t> = </a:t>
+            </a:r>
+            <a:r>
+              <a:rPr lang="en-US" altLang="zh-CN" sz="1800">
+                <a:solidFill>
                   <a:srgbClr val="D0BC56"/>
                 </a:solidFill>
               </a:rPr>
-              <a:t>80</a:t>
+              <a:t>0</a:t>
+            </a:r>
+            <a:endParaRPr lang="en-US" altLang="zh-CN" sz="1800">
+              <a:solidFill>
+                <a:srgbClr val="D0BC56"/>
+              </a:solidFill>
+            </a:endParaRPr>
+          </a:p>
+          <a:p>
+            <a:r>
+              <a:rPr lang="en-US" altLang="zh-CN" sz="1800">
+                <a:solidFill>
+                  <a:srgbClr val="72BFAE"/>
+                </a:solidFill>
+              </a:rPr>
+              <a:t>counter</a:t>
             </a:r>
             <a:r>
               <a:rPr lang="en-US" altLang="zh-CN" sz="1800">
@@ -5651,275 +5960,27 @@
                   <a:srgbClr val="FFFFFF"/>
                 </a:solidFill>
               </a:rPr>
-              <a:t> {</a:t>
+              <a:t> += </a:t>
+            </a:r>
+            <a:r>
+              <a:rPr lang="en-US" altLang="zh-CN" sz="1800">
+                <a:solidFill>
+                  <a:srgbClr val="D0BC56"/>
+                </a:solidFill>
+              </a:rPr>
+              <a:t>1</a:t>
+            </a:r>
+            <a:r>
+              <a:rPr lang="en-US" altLang="zh-CN" sz="1800">
+                <a:solidFill>
+                  <a:srgbClr val="7CB554"/>
+                </a:solidFill>
+              </a:rPr>
+              <a:t>// counter is now 1</a:t>
             </a:r>
             <a:endParaRPr lang="en-US" altLang="zh-CN" sz="1800">
               <a:solidFill>
-                <a:srgbClr val="FFFFFF"/>
-              </a:solidFill>
-            </a:endParaRPr>
-          </a:p>
-          <a:p>
-            <a:pPr>
-              <a:lnSpc>
-                <a:spcPct val="200000"/>
-              </a:lnSpc>
-            </a:pPr>
-            <a:r>
-              <a:rPr lang="en-US" altLang="zh-CN" sz="1800"/>
-              <a:t>    </a:t>
-            </a:r>
-            <a:r>
-              <a:rPr lang="en-US" altLang="zh-CN" sz="1800">
-                <a:solidFill>
-                  <a:srgbClr val="FFFFFF"/>
-                </a:solidFill>
-              </a:rPr>
-              <a:t>print(</a:t>
-            </a:r>
-            <a:r>
-              <a:rPr lang="en-US" altLang="zh-CN" sz="1800">
-                <a:solidFill>
-                  <a:srgbClr val="FC7467"/>
-                </a:solidFill>
-              </a:rPr>
-              <a:t>"It's hot outside!"</a:t>
-            </a:r>
-            <a:r>
-              <a:rPr lang="en-US" altLang="zh-CN" sz="1800">
-                <a:solidFill>
-                  <a:srgbClr val="FFFFFF"/>
-                </a:solidFill>
-              </a:rPr>
-              <a:t>) </a:t>
-            </a:r>
-            <a:r>
-              <a:rPr lang="en-US" altLang="zh-CN" sz="1800">
-                <a:solidFill>
-                  <a:srgbClr val="7CB554"/>
-                </a:solidFill>
-              </a:rPr>
-              <a:t>// This won't run</a:t>
-            </a:r>
-            <a:endParaRPr lang="en-US" altLang="zh-CN" sz="1800">
-              <a:solidFill>
                 <a:srgbClr val="7CB554"/>
-              </a:solidFill>
-            </a:endParaRPr>
-          </a:p>
-          <a:p>
-            <a:pPr>
-              <a:lnSpc>
-                <a:spcPct val="200000"/>
-              </a:lnSpc>
-            </a:pPr>
-            <a:r>
-              <a:rPr lang="en-US" altLang="zh-CN" sz="1800">
-                <a:solidFill>
-                  <a:srgbClr val="FFFFFF"/>
-                </a:solidFill>
-              </a:rPr>
-              <a:t>} </a:t>
-            </a:r>
-            <a:r>
-              <a:rPr lang="en-US" altLang="zh-CN" sz="1800">
-                <a:solidFill>
-                  <a:srgbClr val="FC6BAA"/>
-                </a:solidFill>
-              </a:rPr>
-              <a:t>else if </a:t>
-            </a:r>
-            <a:r>
-              <a:rPr lang="en-US" altLang="zh-CN" sz="1800">
-                <a:solidFill>
-                  <a:srgbClr val="72BFAE"/>
-                </a:solidFill>
-              </a:rPr>
-              <a:t>temperature</a:t>
-            </a:r>
-            <a:r>
-              <a:rPr lang="en-US" altLang="zh-CN" sz="1800">
-                <a:solidFill>
-                  <a:srgbClr val="FFFFFF"/>
-                </a:solidFill>
-              </a:rPr>
-              <a:t> &gt; </a:t>
-            </a:r>
-            <a:r>
-              <a:rPr lang="en-US" altLang="zh-CN" sz="1800">
-                <a:solidFill>
-                  <a:srgbClr val="D0BC56"/>
-                </a:solidFill>
-              </a:rPr>
-              <a:t>60</a:t>
-            </a:r>
-            <a:r>
-              <a:rPr lang="en-US" altLang="zh-CN" sz="1800">
-                <a:solidFill>
-                  <a:srgbClr val="FFFFFF"/>
-                </a:solidFill>
-              </a:rPr>
-              <a:t> {</a:t>
-            </a:r>
-            <a:endParaRPr lang="en-US" altLang="zh-CN" sz="1800">
-              <a:solidFill>
-                <a:srgbClr val="FFFFFF"/>
-              </a:solidFill>
-            </a:endParaRPr>
-          </a:p>
-          <a:p>
-            <a:pPr>
-              <a:lnSpc>
-                <a:spcPct val="200000"/>
-              </a:lnSpc>
-            </a:pPr>
-            <a:r>
-              <a:rPr lang="en-US" altLang="zh-CN" sz="1800"/>
-              <a:t>    </a:t>
-            </a:r>
-            <a:r>
-              <a:rPr lang="en-US" altLang="zh-CN" sz="1800">
-                <a:solidFill>
-                  <a:srgbClr val="FFFFFF"/>
-                </a:solidFill>
-              </a:rPr>
-              <a:t>print(</a:t>
-            </a:r>
-            <a:r>
-              <a:rPr lang="en-US" altLang="zh-CN" sz="1800">
-                <a:solidFill>
-                  <a:srgbClr val="FC7467"/>
-                </a:solidFill>
-              </a:rPr>
-              <a:t>"It's nice outside!"</a:t>
-            </a:r>
-            <a:r>
-              <a:rPr lang="en-US" altLang="zh-CN" sz="1800">
-                <a:solidFill>
-                  <a:srgbClr val="FFFFFF"/>
-                </a:solidFill>
-              </a:rPr>
-              <a:t>) </a:t>
-            </a:r>
-            <a:r>
-              <a:rPr lang="en-US" altLang="zh-CN" sz="1800">
-                <a:solidFill>
-                  <a:srgbClr val="7CB554"/>
-                </a:solidFill>
-              </a:rPr>
-              <a:t>// This WILL run</a:t>
-            </a:r>
-            <a:endParaRPr lang="en-US" altLang="zh-CN" sz="1800">
-              <a:solidFill>
-                <a:srgbClr val="7CB554"/>
-              </a:solidFill>
-            </a:endParaRPr>
-          </a:p>
-          <a:p>
-            <a:pPr marL="0" indent="0">
-              <a:lnSpc>
-                <a:spcPct val="200000"/>
-              </a:lnSpc>
-              <a:spcBef>
-                <a:spcPct val="0"/>
-              </a:spcBef>
-              <a:spcAft>
-                <a:spcPct val="0"/>
-              </a:spcAft>
-            </a:pPr>
-            <a:r>
-              <a:rPr lang="en-US" altLang="zh-CN" sz="1800">
-                <a:solidFill>
-                  <a:srgbClr val="FFFFFF"/>
-                </a:solidFill>
-              </a:rPr>
-              <a:t>} </a:t>
-            </a:r>
-            <a:r>
-              <a:rPr lang="en-US" altLang="zh-CN" sz="1800">
-                <a:solidFill>
-                  <a:srgbClr val="FC6BAA"/>
-                </a:solidFill>
-              </a:rPr>
-              <a:t>else</a:t>
-            </a:r>
-            <a:r>
-              <a:rPr lang="en-US" altLang="zh-CN" sz="1800">
-                <a:solidFill>
-                  <a:srgbClr val="FFFFFF"/>
-                </a:solidFill>
-              </a:rPr>
-              <a:t> {</a:t>
-            </a:r>
-            <a:endParaRPr lang="en-US" altLang="zh-CN" sz="1800">
-              <a:solidFill>
-                <a:srgbClr val="FFFFFF"/>
-              </a:solidFill>
-            </a:endParaRPr>
-          </a:p>
-          <a:p>
-            <a:pPr>
-              <a:lnSpc>
-                <a:spcPct val="200000"/>
-              </a:lnSpc>
-            </a:pPr>
-            <a:r>
-              <a:rPr lang="en-US" altLang="zh-CN" sz="1800"/>
-              <a:t>    </a:t>
-            </a:r>
-            <a:r>
-              <a:rPr lang="en-US" altLang="zh-CN" sz="1800">
-                <a:solidFill>
-                  <a:srgbClr val="FFFFFF"/>
-                </a:solidFill>
-              </a:rPr>
-              <a:t>print(</a:t>
-            </a:r>
-            <a:r>
-              <a:rPr lang="en-US" altLang="zh-CN" sz="1800">
-                <a:solidFill>
-                  <a:srgbClr val="FC7467"/>
-                </a:solidFill>
-              </a:rPr>
-              <a:t>"It's a bit chilly."</a:t>
-            </a:r>
-            <a:r>
-              <a:rPr lang="en-US" altLang="zh-CN" sz="1800">
-                <a:solidFill>
-                  <a:srgbClr val="FFFFFF"/>
-                </a:solidFill>
-              </a:rPr>
-              <a:t>)</a:t>
-            </a:r>
-            <a:endParaRPr lang="en-US" altLang="zh-CN" sz="1800">
-              <a:solidFill>
-                <a:srgbClr val="FFFFFF"/>
-              </a:solidFill>
-            </a:endParaRPr>
-          </a:p>
-          <a:p>
-            <a:pPr marL="0" indent="0">
-              <a:lnSpc>
-                <a:spcPct val="200000"/>
-              </a:lnSpc>
-              <a:spcBef>
-                <a:spcPct val="0"/>
-              </a:spcBef>
-              <a:spcAft>
-                <a:spcPct val="0"/>
-              </a:spcAft>
-            </a:pPr>
-            <a:r>
-              <a:rPr lang="en-US" altLang="zh-CN" sz="1800">
-                <a:solidFill>
-                  <a:srgbClr val="FFFFFF"/>
-                </a:solidFill>
-              </a:rPr>
-              <a:t>}</a:t>
-            </a:r>
-            <a:endParaRPr lang="en-US" altLang="zh-CN" sz="1800">
-              <a:solidFill>
-                <a:srgbClr val="FFFFFF"/>
               </a:solidFill>
             </a:endParaRPr>
           </a:p>
@@ -6015,7 +6076,7 @@
                 <a:ea typeface="quote-cjk-patch"/>
                 <a:cs typeface="Microsoft YaHei" charset="0"/>
               </a:rPr>
-              <a:t>In-Class Exercise 1</a:t>
+              <a:t>Control Flow - Making Decisions</a:t>
             </a:r>
             <a:endParaRPr lang="en-US" altLang="en-US" sz="2400" b="0" i="0">
               <a:solidFill>
@@ -6037,7 +6098,7 @@
         <p:spPr>
           <a:xfrm>
             <a:off x="1016000" y="1916430"/>
-            <a:ext cx="7808595" cy="4656455"/>
+            <a:ext cx="5080000" cy="3025140"/>
           </a:xfrm>
           <a:prstGeom prst="rect">
             <a:avLst/>
@@ -6066,7 +6127,7 @@
                 <a:ea typeface="quote-cjk-patch"/>
                 <a:sym typeface="+mn-ea"/>
               </a:rPr>
-              <a:t>Let's code together in our Playground!</a:t>
+              <a:t>Use if, else if, and else statements to run code based on conditions.</a:t>
             </a:r>
             <a:endParaRPr lang="en-US" altLang="en-US" sz="1600">
               <a:solidFill>
@@ -6077,212 +6138,385 @@
               <a:sym typeface="+mn-ea"/>
             </a:endParaRPr>
           </a:p>
-          <a:p>
-            <a:pPr marL="800100" lvl="1" indent="-342900" algn="l">
+        </p:txBody>
+      </p:sp>
+      <p:sp>
+        <p:nvSpPr>
+          <p:cNvPr id="4" name="Text Box 3"/>
+          <p:cNvSpPr txBox="1"/>
+          <p:nvPr/>
+        </p:nvSpPr>
+        <p:spPr>
+          <a:xfrm>
+            <a:off x="6165215" y="1525905"/>
+            <a:ext cx="5080000" cy="4523105"/>
+          </a:xfrm>
+          <a:prstGeom prst="rect">
+            <a:avLst/>
+          </a:prstGeom>
+        </p:spPr>
+        <p:txBody>
+          <a:bodyPr>
+            <a:spAutoFit/>
+          </a:bodyPr>
+          <a:p>
+            <a:pPr>
               <a:lnSpc>
                 <a:spcPct val="200000"/>
               </a:lnSpc>
-              <a:buClrTx/>
-              <a:buSzTx/>
-              <a:buFont typeface="+mj-lt"/>
-              <a:buAutoNum type="arabicPeriod"/>
             </a:pPr>
             <a:r>
-              <a:rPr lang="en-US" altLang="en-US" sz="1600">
-                <a:solidFill>
-                  <a:srgbClr val="F8FAFF"/>
-                </a:solidFill>
-                <a:latin typeface="quote-cjk-patch"/>
-                <a:ea typeface="quote-cjk-patch"/>
-                <a:sym typeface="+mn-ea"/>
-              </a:rPr>
-              <a:t>Create a constant </a:t>
-            </a:r>
-            <a:r>
-              <a:rPr lang="en-US" altLang="en-US" sz="1600" b="1">
-                <a:solidFill>
-                  <a:srgbClr val="FF0000"/>
-                </a:solidFill>
-                <a:latin typeface="quote-cjk-patch"/>
-                <a:ea typeface="quote-cjk-patch"/>
-                <a:sym typeface="+mn-ea"/>
-              </a:rPr>
-              <a:t>name</a:t>
-            </a:r>
-            <a:r>
-              <a:rPr lang="en-US" altLang="en-US" sz="1600">
-                <a:solidFill>
-                  <a:srgbClr val="F8FAFF"/>
-                </a:solidFill>
-                <a:latin typeface="quote-cjk-patch"/>
-                <a:ea typeface="quote-cjk-patch"/>
-                <a:sym typeface="+mn-ea"/>
-              </a:rPr>
-              <a:t> and a variable</a:t>
-            </a:r>
-            <a:r>
-              <a:rPr lang="en-US" altLang="en-US" sz="1600">
-                <a:solidFill>
-                  <a:srgbClr val="FF0000"/>
-                </a:solidFill>
-                <a:latin typeface="quote-cjk-patch"/>
-                <a:ea typeface="quote-cjk-patch"/>
-                <a:sym typeface="+mn-ea"/>
-              </a:rPr>
-              <a:t> </a:t>
-            </a:r>
-            <a:r>
-              <a:rPr lang="en-US" altLang="en-US" sz="1600" b="1">
-                <a:solidFill>
-                  <a:srgbClr val="FF0000"/>
-                </a:solidFill>
-                <a:latin typeface="quote-cjk-patch"/>
-                <a:ea typeface="quote-cjk-patch"/>
-                <a:sym typeface="+mn-ea"/>
-              </a:rPr>
-              <a:t>age</a:t>
-            </a:r>
-            <a:r>
-              <a:rPr lang="en-US" altLang="en-US" sz="1600">
-                <a:solidFill>
-                  <a:srgbClr val="FF0000"/>
-                </a:solidFill>
-                <a:latin typeface="quote-cjk-patch"/>
-                <a:ea typeface="quote-cjk-patch"/>
-                <a:sym typeface="+mn-ea"/>
-              </a:rPr>
-              <a:t>.</a:t>
-            </a:r>
-            <a:endParaRPr lang="en-US" altLang="en-US" sz="1600">
-              <a:solidFill>
-                <a:srgbClr val="F8FAFF"/>
-              </a:solidFill>
-              <a:latin typeface="quote-cjk-patch"/>
-              <a:ea typeface="quote-cjk-patch"/>
-              <a:sym typeface="+mn-ea"/>
-            </a:endParaRPr>
-          </a:p>
-          <a:p>
-            <a:pPr marL="800100" lvl="1" indent="-342900" algn="l">
+              <a:rPr lang="en-US" altLang="zh-CN" sz="1800">
+                <a:solidFill>
+                  <a:srgbClr val="FC6BAA"/>
+                </a:solidFill>
+              </a:rPr>
+              <a:t>let </a:t>
+            </a:r>
+            <a:r>
+              <a:rPr lang="en-US" altLang="zh-CN" sz="1800">
+                <a:solidFill>
+                  <a:srgbClr val="42B8E0"/>
+                </a:solidFill>
+              </a:rPr>
+              <a:t>temperature</a:t>
+            </a:r>
+            <a:r>
+              <a:rPr lang="en-US" altLang="zh-CN" sz="1800">
+                <a:solidFill>
+                  <a:srgbClr val="FFFFFF"/>
+                </a:solidFill>
+              </a:rPr>
+              <a:t> = </a:t>
+            </a:r>
+            <a:r>
+              <a:rPr lang="en-US" altLang="zh-CN" sz="1800">
+                <a:solidFill>
+                  <a:srgbClr val="D0BC56"/>
+                </a:solidFill>
+              </a:rPr>
+              <a:t>70</a:t>
+            </a:r>
+            <a:endParaRPr lang="en-US" altLang="zh-CN" sz="1800">
+              <a:solidFill>
+                <a:srgbClr val="D0BC56"/>
+              </a:solidFill>
+            </a:endParaRPr>
+          </a:p>
+          <a:p>
+            <a:pPr>
               <a:lnSpc>
                 <a:spcPct val="200000"/>
               </a:lnSpc>
-              <a:buClrTx/>
-              <a:buSzTx/>
-              <a:buFont typeface="+mj-lt"/>
-              <a:buAutoNum type="arabicPeriod"/>
             </a:pPr>
             <a:r>
-              <a:rPr lang="en-US" altLang="en-US" sz="1600">
-                <a:solidFill>
-                  <a:srgbClr val="F8FAFF"/>
-                </a:solidFill>
-                <a:latin typeface="quote-cjk-patch"/>
-                <a:ea typeface="quote-cjk-patch"/>
-                <a:sym typeface="+mn-ea"/>
-              </a:rPr>
-              <a:t>Assign them values.</a:t>
-            </a:r>
-            <a:endParaRPr lang="en-US" altLang="en-US" sz="1600">
-              <a:solidFill>
-                <a:srgbClr val="F8FAFF"/>
-              </a:solidFill>
-              <a:latin typeface="quote-cjk-patch"/>
-              <a:ea typeface="quote-cjk-patch"/>
-              <a:sym typeface="+mn-ea"/>
-            </a:endParaRPr>
-          </a:p>
-          <a:p>
-            <a:pPr marL="800100" lvl="1" indent="-342900" algn="l">
+              <a:rPr lang="en-US" altLang="zh-CN" sz="1800">
+                <a:solidFill>
+                  <a:srgbClr val="FC6BAA"/>
+                </a:solidFill>
+              </a:rPr>
+              <a:t>if </a:t>
+            </a:r>
+            <a:r>
+              <a:rPr lang="en-US" altLang="zh-CN" sz="1800">
+                <a:solidFill>
+                  <a:srgbClr val="72BFAE"/>
+                </a:solidFill>
+              </a:rPr>
+              <a:t>temperature</a:t>
+            </a:r>
+            <a:r>
+              <a:rPr lang="en-US" altLang="zh-CN" sz="1800">
+                <a:solidFill>
+                  <a:srgbClr val="FFFFFF"/>
+                </a:solidFill>
+              </a:rPr>
+              <a:t> &gt; </a:t>
+            </a:r>
+            <a:r>
+              <a:rPr lang="en-US" altLang="zh-CN" sz="1800">
+                <a:solidFill>
+                  <a:srgbClr val="D0BC56"/>
+                </a:solidFill>
+              </a:rPr>
+              <a:t>80</a:t>
+            </a:r>
+            <a:r>
+              <a:rPr lang="en-US" altLang="zh-CN" sz="1800">
+                <a:solidFill>
+                  <a:srgbClr val="FFFFFF"/>
+                </a:solidFill>
+              </a:rPr>
+              <a:t> {</a:t>
+            </a:r>
+            <a:endParaRPr lang="en-US" altLang="zh-CN" sz="1800">
+              <a:solidFill>
+                <a:srgbClr val="FFFFFF"/>
+              </a:solidFill>
+            </a:endParaRPr>
+          </a:p>
+          <a:p>
+            <a:pPr>
               <a:lnSpc>
                 <a:spcPct val="200000"/>
               </a:lnSpc>
-              <a:buClrTx/>
-              <a:buSzTx/>
-              <a:buFont typeface="+mj-lt"/>
-              <a:buAutoNum type="arabicPeriod"/>
             </a:pPr>
             <a:r>
-              <a:rPr lang="en-US" altLang="en-US" sz="1600">
-                <a:solidFill>
-                  <a:srgbClr val="F8FAFF"/>
-                </a:solidFill>
-                <a:latin typeface="quote-cjk-patch"/>
-                <a:ea typeface="quote-cjk-patch"/>
-                <a:sym typeface="+mn-ea"/>
-              </a:rPr>
-              <a:t>Print a message that says: "</a:t>
-            </a:r>
-            <a:r>
-              <a:rPr lang="en-US" altLang="en-US" sz="1600">
-                <a:solidFill>
-                  <a:srgbClr val="FF0000"/>
-                </a:solidFill>
-                <a:latin typeface="quote-cjk-patch"/>
-                <a:ea typeface="quote-cjk-patch"/>
-                <a:sym typeface="+mn-ea"/>
-              </a:rPr>
-              <a:t>[name] is [age] years old.</a:t>
-            </a:r>
-            <a:r>
-              <a:rPr lang="en-US" altLang="en-US" sz="1600">
-                <a:solidFill>
-                  <a:srgbClr val="F8FAFF"/>
-                </a:solidFill>
-                <a:latin typeface="quote-cjk-patch"/>
-                <a:ea typeface="quote-cjk-patch"/>
-                <a:sym typeface="+mn-ea"/>
-              </a:rPr>
-              <a:t>"</a:t>
-            </a:r>
-            <a:endParaRPr lang="en-US" altLang="en-US" sz="1600">
-              <a:solidFill>
-                <a:srgbClr val="F8FAFF"/>
-              </a:solidFill>
-              <a:latin typeface="quote-cjk-patch"/>
-              <a:ea typeface="quote-cjk-patch"/>
-              <a:sym typeface="+mn-ea"/>
-            </a:endParaRPr>
-          </a:p>
-          <a:p>
-            <a:pPr marL="800100" lvl="1" indent="-342900" algn="l">
+              <a:rPr lang="en-US" altLang="zh-CN" sz="1800"/>
+              <a:t>    </a:t>
+            </a:r>
+            <a:r>
+              <a:rPr lang="en-US" altLang="zh-CN" sz="1800">
+                <a:solidFill>
+                  <a:srgbClr val="FFFFFF"/>
+                </a:solidFill>
+              </a:rPr>
+              <a:t>print(</a:t>
+            </a:r>
+            <a:r>
+              <a:rPr lang="en-US" altLang="zh-CN" sz="1800">
+                <a:solidFill>
+                  <a:srgbClr val="FC7467"/>
+                </a:solidFill>
+              </a:rPr>
+              <a:t>"It's hot outside!"</a:t>
+            </a:r>
+            <a:r>
+              <a:rPr lang="en-US" altLang="zh-CN" sz="1800">
+                <a:solidFill>
+                  <a:srgbClr val="FFFFFF"/>
+                </a:solidFill>
+              </a:rPr>
+              <a:t>) </a:t>
+            </a:r>
+            <a:r>
+              <a:rPr lang="en-US" altLang="zh-CN" sz="1800">
+                <a:solidFill>
+                  <a:srgbClr val="7CB554"/>
+                </a:solidFill>
+              </a:rPr>
+              <a:t>// This won't run</a:t>
+            </a:r>
+            <a:endParaRPr lang="en-US" altLang="zh-CN" sz="1800">
+              <a:solidFill>
+                <a:srgbClr val="7CB554"/>
+              </a:solidFill>
+            </a:endParaRPr>
+          </a:p>
+          <a:p>
+            <a:pPr>
               <a:lnSpc>
                 <a:spcPct val="200000"/>
               </a:lnSpc>
-              <a:buClrTx/>
-              <a:buSzTx/>
-              <a:buFont typeface="+mj-lt"/>
-              <a:buAutoNum type="arabicPeriod"/>
             </a:pPr>
             <a:r>
-              <a:rPr lang="en-US" altLang="en-US" sz="1600">
-                <a:solidFill>
-                  <a:srgbClr val="F8FAFF"/>
-                </a:solidFill>
-                <a:latin typeface="quote-cjk-patch"/>
-                <a:ea typeface="quote-cjk-patch"/>
-                <a:sym typeface="+mn-ea"/>
-              </a:rPr>
-              <a:t>Write an if statement that checks if the person </a:t>
-            </a:r>
-            <a:r>
-              <a:rPr lang="en-US" altLang="en-US" sz="1600">
-                <a:solidFill>
-                  <a:srgbClr val="FF0000"/>
-                </a:solidFill>
-                <a:latin typeface="quote-cjk-patch"/>
-                <a:ea typeface="quote-cjk-patch"/>
-                <a:sym typeface="+mn-ea"/>
-              </a:rPr>
-              <a:t>can vote (age &gt;= 18) and prints "Can vote" or "Can't vote".</a:t>
-            </a:r>
-            <a:endParaRPr lang="en-US" altLang="en-US" sz="1600">
-              <a:solidFill>
-                <a:srgbClr val="FF0000"/>
-              </a:solidFill>
-              <a:latin typeface="quote-cjk-patch"/>
-              <a:ea typeface="quote-cjk-patch"/>
-              <a:sym typeface="+mn-ea"/>
+              <a:rPr lang="en-US" altLang="zh-CN" sz="1800">
+                <a:solidFill>
+                  <a:srgbClr val="FFFFFF"/>
+                </a:solidFill>
+              </a:rPr>
+              <a:t>} </a:t>
+            </a:r>
+            <a:r>
+              <a:rPr lang="en-US" altLang="zh-CN" sz="1800">
+                <a:solidFill>
+                  <a:srgbClr val="FC6BAA"/>
+                </a:solidFill>
+              </a:rPr>
+              <a:t>else if </a:t>
+            </a:r>
+            <a:r>
+              <a:rPr lang="en-US" altLang="zh-CN" sz="1800">
+                <a:solidFill>
+                  <a:srgbClr val="72BFAE"/>
+                </a:solidFill>
+              </a:rPr>
+              <a:t>temperature</a:t>
+            </a:r>
+            <a:r>
+              <a:rPr lang="en-US" altLang="zh-CN" sz="1800">
+                <a:solidFill>
+                  <a:srgbClr val="FFFFFF"/>
+                </a:solidFill>
+              </a:rPr>
+              <a:t> &gt; </a:t>
+            </a:r>
+            <a:r>
+              <a:rPr lang="en-US" altLang="zh-CN" sz="1800">
+                <a:solidFill>
+                  <a:srgbClr val="D0BC56"/>
+                </a:solidFill>
+              </a:rPr>
+              <a:t>60</a:t>
+            </a:r>
+            <a:r>
+              <a:rPr lang="en-US" altLang="zh-CN" sz="1800">
+                <a:solidFill>
+                  <a:srgbClr val="FFFFFF"/>
+                </a:solidFill>
+              </a:rPr>
+              <a:t> {</a:t>
+            </a:r>
+            <a:endParaRPr lang="en-US" altLang="zh-CN" sz="1800">
+              <a:solidFill>
+                <a:srgbClr val="FFFFFF"/>
+              </a:solidFill>
+            </a:endParaRPr>
+          </a:p>
+          <a:p>
+            <a:pPr>
+              <a:lnSpc>
+                <a:spcPct val="200000"/>
+              </a:lnSpc>
+            </a:pPr>
+            <a:r>
+              <a:rPr lang="en-US" altLang="zh-CN" sz="1800"/>
+              <a:t>    </a:t>
+            </a:r>
+            <a:r>
+              <a:rPr lang="en-US" altLang="zh-CN" sz="1800">
+                <a:solidFill>
+                  <a:srgbClr val="FFFFFF"/>
+                </a:solidFill>
+              </a:rPr>
+              <a:t>print(</a:t>
+            </a:r>
+            <a:r>
+              <a:rPr lang="en-US" altLang="zh-CN" sz="1800">
+                <a:solidFill>
+                  <a:srgbClr val="FC7467"/>
+                </a:solidFill>
+              </a:rPr>
+              <a:t>"It's nice outside!"</a:t>
+            </a:r>
+            <a:r>
+              <a:rPr lang="en-US" altLang="zh-CN" sz="1800">
+                <a:solidFill>
+                  <a:srgbClr val="FFFFFF"/>
+                </a:solidFill>
+              </a:rPr>
+              <a:t>) </a:t>
+            </a:r>
+            <a:r>
+              <a:rPr lang="en-US" altLang="zh-CN" sz="1800">
+                <a:solidFill>
+                  <a:srgbClr val="7CB554"/>
+                </a:solidFill>
+              </a:rPr>
+              <a:t>// This WILL run</a:t>
+            </a:r>
+            <a:endParaRPr lang="en-US" altLang="zh-CN" sz="1800">
+              <a:solidFill>
+                <a:srgbClr val="7CB554"/>
+              </a:solidFill>
+            </a:endParaRPr>
+          </a:p>
+          <a:p>
+            <a:pPr marL="0" indent="0">
+              <a:lnSpc>
+                <a:spcPct val="200000"/>
+              </a:lnSpc>
+              <a:spcBef>
+                <a:spcPct val="0"/>
+              </a:spcBef>
+              <a:spcAft>
+                <a:spcPct val="0"/>
+              </a:spcAft>
+            </a:pPr>
+            <a:r>
+              <a:rPr lang="en-US" altLang="zh-CN" sz="1800">
+                <a:solidFill>
+                  <a:srgbClr val="FFFFFF"/>
+                </a:solidFill>
+              </a:rPr>
+              <a:t>} </a:t>
+            </a:r>
+            <a:r>
+              <a:rPr lang="en-US" altLang="zh-CN" sz="1800">
+                <a:solidFill>
+                  <a:srgbClr val="FC6BAA"/>
+                </a:solidFill>
+              </a:rPr>
+              <a:t>else</a:t>
+            </a:r>
+            <a:r>
+              <a:rPr lang="en-US" altLang="zh-CN" sz="1800">
+                <a:solidFill>
+                  <a:srgbClr val="FFFFFF"/>
+                </a:solidFill>
+              </a:rPr>
+              <a:t> {</a:t>
+            </a:r>
+            <a:endParaRPr lang="en-US" altLang="zh-CN" sz="1800">
+              <a:solidFill>
+                <a:srgbClr val="FFFFFF"/>
+              </a:solidFill>
+            </a:endParaRPr>
+          </a:p>
+          <a:p>
+            <a:pPr>
+              <a:lnSpc>
+                <a:spcPct val="200000"/>
+              </a:lnSpc>
+            </a:pPr>
+            <a:r>
+              <a:rPr lang="en-US" altLang="zh-CN" sz="1800"/>
+              <a:t>    </a:t>
+            </a:r>
+            <a:r>
+              <a:rPr lang="en-US" altLang="zh-CN" sz="1800">
+                <a:solidFill>
+                  <a:srgbClr val="FFFFFF"/>
+                </a:solidFill>
+              </a:rPr>
+              <a:t>print(</a:t>
+            </a:r>
+            <a:r>
+              <a:rPr lang="en-US" altLang="zh-CN" sz="1800">
+                <a:solidFill>
+                  <a:srgbClr val="FC7467"/>
+                </a:solidFill>
+              </a:rPr>
+              <a:t>"It's a bit chilly."</a:t>
+            </a:r>
+            <a:r>
+              <a:rPr lang="en-US" altLang="zh-CN" sz="1800">
+                <a:solidFill>
+                  <a:srgbClr val="FFFFFF"/>
+                </a:solidFill>
+              </a:rPr>
+              <a:t>)</a:t>
+            </a:r>
+            <a:endParaRPr lang="en-US" altLang="zh-CN" sz="1800">
+              <a:solidFill>
+                <a:srgbClr val="FFFFFF"/>
+              </a:solidFill>
+            </a:endParaRPr>
+          </a:p>
+          <a:p>
+            <a:pPr marL="0" indent="0">
+              <a:lnSpc>
+                <a:spcPct val="200000"/>
+              </a:lnSpc>
+              <a:spcBef>
+                <a:spcPct val="0"/>
+              </a:spcBef>
+              <a:spcAft>
+                <a:spcPct val="0"/>
+              </a:spcAft>
+            </a:pPr>
+            <a:r>
+              <a:rPr lang="en-US" altLang="zh-CN" sz="1800">
+                <a:solidFill>
+                  <a:srgbClr val="FFFFFF"/>
+                </a:solidFill>
+              </a:rPr>
+              <a:t>}</a:t>
+            </a:r>
+            <a:endParaRPr lang="en-US" altLang="zh-CN" sz="1800">
+              <a:solidFill>
+                <a:srgbClr val="FFFFFF"/>
+              </a:solidFill>
             </a:endParaRPr>
           </a:p>
         </p:txBody>
@@ -6377,7 +6611,7 @@
                 <a:ea typeface="quote-cjk-patch"/>
                 <a:cs typeface="Microsoft YaHei" charset="0"/>
               </a:rPr>
-              <a:t> Solution to Exercise 1</a:t>
+              <a:t>In-Class Exercise 1</a:t>
             </a:r>
             <a:endParaRPr lang="en-US" altLang="en-US" sz="2400" b="0" i="0">
               <a:solidFill>
@@ -6392,435 +6626,259 @@
       </p:sp>
       <p:sp>
         <p:nvSpPr>
-          <p:cNvPr id="4" name="Text Box 3"/>
+          <p:cNvPr id="2" name="Text Box 1"/>
           <p:cNvSpPr txBox="1"/>
           <p:nvPr/>
         </p:nvSpPr>
         <p:spPr>
           <a:xfrm>
-            <a:off x="1016000" y="1488440"/>
-            <a:ext cx="8863965" cy="4930140"/>
+            <a:off x="1016000" y="1916430"/>
+            <a:ext cx="7808595" cy="4656455"/>
           </a:xfrm>
           <a:prstGeom prst="rect">
             <a:avLst/>
           </a:prstGeom>
         </p:spPr>
         <p:txBody>
-          <a:bodyPr wrap="square">
+          <a:bodyPr>
             <a:noAutofit/>
           </a:bodyPr>
           <a:p>
-            <a:pPr>
+            <a:pPr marL="285750" lvl="0" indent="-285750" algn="l">
               <a:lnSpc>
                 <a:spcPct val="200000"/>
               </a:lnSpc>
+              <a:buClrTx/>
+              <a:buSzTx/>
+              <a:buFont typeface="Wingdings" panose="05000000000000000000" charset="0"/>
+              <a:buChar char=""/>
             </a:pPr>
             <a:r>
-              <a:rPr lang="en-US" altLang="zh-CN" sz="1800">
-                <a:solidFill>
-                  <a:srgbClr val="FC6BAA"/>
-                </a:solidFill>
-              </a:rPr>
-              <a:t>let </a:t>
-            </a:r>
-            <a:r>
-              <a:rPr lang="en-US" altLang="zh-CN" sz="1800">
-                <a:solidFill>
-                  <a:srgbClr val="42B8E0"/>
-                </a:solidFill>
-              </a:rPr>
-              <a:t>name</a:t>
-            </a:r>
-            <a:r>
-              <a:rPr lang="en-US" altLang="zh-CN" sz="1800">
-                <a:solidFill>
-                  <a:srgbClr val="FFFFFF"/>
-                </a:solidFill>
-              </a:rPr>
-              <a:t> = </a:t>
-            </a:r>
-            <a:r>
-              <a:rPr lang="en-US" altLang="zh-CN" sz="1800">
-                <a:solidFill>
-                  <a:srgbClr val="FC7467"/>
-                </a:solidFill>
-              </a:rPr>
-              <a:t>"Borey"</a:t>
-            </a:r>
-            <a:endParaRPr lang="en-US" altLang="zh-CN" sz="1800">
-              <a:solidFill>
-                <a:srgbClr val="FC7467"/>
-              </a:solidFill>
-            </a:endParaRPr>
-          </a:p>
-          <a:p>
-            <a:pPr>
+              <a:rPr lang="en-US" altLang="en-US" sz="1600">
+                <a:solidFill>
+                  <a:srgbClr val="F8FAFF"/>
+                </a:solidFill>
+                <a:latin typeface="quote-cjk-patch"/>
+                <a:ea typeface="quote-cjk-patch"/>
+                <a:sym typeface="+mn-ea"/>
+              </a:rPr>
+              <a:t>Let's code together in our Playground!</a:t>
+            </a:r>
+            <a:endParaRPr lang="en-US" altLang="en-US" sz="1600">
+              <a:solidFill>
+                <a:srgbClr val="F8FAFF"/>
+              </a:solidFill>
+              <a:latin typeface="quote-cjk-patch"/>
+              <a:ea typeface="quote-cjk-patch"/>
+              <a:sym typeface="+mn-ea"/>
+            </a:endParaRPr>
+          </a:p>
+          <a:p>
+            <a:pPr marL="800100" lvl="1" indent="-342900" algn="l">
               <a:lnSpc>
                 <a:spcPct val="200000"/>
               </a:lnSpc>
+              <a:buClrTx/>
+              <a:buSzTx/>
+              <a:buFont typeface="+mj-lt"/>
+              <a:buAutoNum type="arabicPeriod"/>
             </a:pPr>
             <a:r>
-              <a:rPr lang="en-US" altLang="zh-CN" sz="1800">
-                <a:solidFill>
-                  <a:srgbClr val="FC6BAA"/>
-                </a:solidFill>
-              </a:rPr>
-              <a:t>var </a:t>
-            </a:r>
-            <a:r>
-              <a:rPr lang="en-US" altLang="zh-CN" sz="1800">
-                <a:solidFill>
-                  <a:srgbClr val="42B8E0"/>
-                </a:solidFill>
+              <a:rPr lang="en-US" altLang="en-US" sz="1600">
+                <a:solidFill>
+                  <a:srgbClr val="F8FAFF"/>
+                </a:solidFill>
+                <a:latin typeface="quote-cjk-patch"/>
+                <a:ea typeface="quote-cjk-patch"/>
+                <a:sym typeface="+mn-ea"/>
+              </a:rPr>
+              <a:t>Create a constant </a:t>
+            </a:r>
+            <a:r>
+              <a:rPr lang="en-US" altLang="en-US" sz="1600" b="1">
+                <a:solidFill>
+                  <a:srgbClr val="FF0000"/>
+                </a:solidFill>
+                <a:latin typeface="quote-cjk-patch"/>
+                <a:ea typeface="quote-cjk-patch"/>
+                <a:sym typeface="+mn-ea"/>
+              </a:rPr>
+              <a:t>name</a:t>
+            </a:r>
+            <a:r>
+              <a:rPr lang="en-US" altLang="en-US" sz="1600">
+                <a:solidFill>
+                  <a:srgbClr val="F8FAFF"/>
+                </a:solidFill>
+                <a:latin typeface="quote-cjk-patch"/>
+                <a:ea typeface="quote-cjk-patch"/>
+                <a:sym typeface="+mn-ea"/>
+              </a:rPr>
+              <a:t> and a variable</a:t>
+            </a:r>
+            <a:r>
+              <a:rPr lang="en-US" altLang="en-US" sz="1600">
+                <a:solidFill>
+                  <a:srgbClr val="FF0000"/>
+                </a:solidFill>
+                <a:latin typeface="quote-cjk-patch"/>
+                <a:ea typeface="quote-cjk-patch"/>
+                <a:sym typeface="+mn-ea"/>
+              </a:rPr>
+              <a:t> </a:t>
+            </a:r>
+            <a:r>
+              <a:rPr lang="en-US" altLang="en-US" sz="1600" b="1">
+                <a:solidFill>
+                  <a:srgbClr val="FF0000"/>
+                </a:solidFill>
+                <a:latin typeface="quote-cjk-patch"/>
+                <a:ea typeface="quote-cjk-patch"/>
+                <a:sym typeface="+mn-ea"/>
               </a:rPr>
               <a:t>age</a:t>
             </a:r>
             <a:r>
-              <a:rPr lang="en-US" altLang="zh-CN" sz="1800">
-                <a:solidFill>
-                  <a:srgbClr val="FFFFFF"/>
-                </a:solidFill>
-              </a:rPr>
-              <a:t> = </a:t>
-            </a:r>
-            <a:r>
-              <a:rPr lang="en-US" altLang="zh-CN" sz="1800">
-                <a:solidFill>
-                  <a:srgbClr val="D0BC56"/>
-                </a:solidFill>
-              </a:rPr>
-              <a:t>27</a:t>
-            </a:r>
-            <a:endParaRPr lang="en-US" altLang="zh-CN" sz="1800">
-              <a:solidFill>
-                <a:srgbClr val="D0BC56"/>
-              </a:solidFill>
-            </a:endParaRPr>
-          </a:p>
-          <a:p>
-            <a:pPr>
+              <a:rPr lang="en-US" altLang="en-US" sz="1600">
+                <a:solidFill>
+                  <a:srgbClr val="FF0000"/>
+                </a:solidFill>
+                <a:latin typeface="quote-cjk-patch"/>
+                <a:ea typeface="quote-cjk-patch"/>
+                <a:sym typeface="+mn-ea"/>
+              </a:rPr>
+              <a:t>.</a:t>
+            </a:r>
+            <a:endParaRPr lang="en-US" altLang="en-US" sz="1600">
+              <a:solidFill>
+                <a:srgbClr val="F8FAFF"/>
+              </a:solidFill>
+              <a:latin typeface="quote-cjk-patch"/>
+              <a:ea typeface="quote-cjk-patch"/>
+              <a:sym typeface="+mn-ea"/>
+            </a:endParaRPr>
+          </a:p>
+          <a:p>
+            <a:pPr marL="800100" lvl="1" indent="-342900" algn="l">
               <a:lnSpc>
                 <a:spcPct val="200000"/>
               </a:lnSpc>
+              <a:buClrTx/>
+              <a:buSzTx/>
+              <a:buFont typeface="+mj-lt"/>
+              <a:buAutoNum type="arabicPeriod"/>
             </a:pPr>
             <a:r>
-              <a:rPr lang="en-US" altLang="zh-CN" sz="1800">
-                <a:solidFill>
-                  <a:srgbClr val="FFFFFF"/>
-                </a:solidFill>
-              </a:rPr>
-              <a:t>print(</a:t>
-            </a:r>
-            <a:r>
-              <a:rPr lang="en-US" altLang="zh-CN" sz="1800">
-                <a:solidFill>
-                  <a:srgbClr val="FC7467"/>
-                </a:solidFill>
-              </a:rPr>
-              <a:t>"</a:t>
-            </a:r>
-            <a:r>
-              <a:rPr lang="en-US" altLang="zh-CN" sz="1800">
-                <a:solidFill>
-                  <a:srgbClr val="FFFFFF"/>
-                </a:solidFill>
-              </a:rPr>
-              <a:t>\(</a:t>
-            </a:r>
-            <a:r>
-              <a:rPr lang="en-US" altLang="zh-CN" sz="1800">
-                <a:solidFill>
-                  <a:srgbClr val="72BFAE"/>
-                </a:solidFill>
-              </a:rPr>
-              <a:t>name</a:t>
-            </a:r>
-            <a:r>
-              <a:rPr lang="en-US" altLang="zh-CN" sz="1800">
-                <a:solidFill>
-                  <a:srgbClr val="FFFFFF"/>
-                </a:solidFill>
-              </a:rPr>
-              <a:t>)</a:t>
-            </a:r>
-            <a:r>
-              <a:rPr lang="en-US" altLang="zh-CN" sz="1800">
-                <a:solidFill>
-                  <a:srgbClr val="FC7467"/>
-                </a:solidFill>
-              </a:rPr>
-              <a:t> is </a:t>
-            </a:r>
-            <a:r>
-              <a:rPr lang="en-US" altLang="zh-CN" sz="1800">
-                <a:solidFill>
-                  <a:srgbClr val="FFFFFF"/>
-                </a:solidFill>
-              </a:rPr>
-              <a:t>\(</a:t>
-            </a:r>
-            <a:r>
-              <a:rPr lang="en-US" altLang="zh-CN" sz="1800">
-                <a:solidFill>
-                  <a:srgbClr val="72BFAE"/>
-                </a:solidFill>
-              </a:rPr>
-              <a:t>age</a:t>
-            </a:r>
-            <a:r>
-              <a:rPr lang="en-US" altLang="zh-CN" sz="1800">
-                <a:solidFill>
-                  <a:srgbClr val="FFFFFF"/>
-                </a:solidFill>
-              </a:rPr>
-              <a:t>)</a:t>
-            </a:r>
-            <a:r>
-              <a:rPr lang="en-US" altLang="zh-CN" sz="1800">
-                <a:solidFill>
-                  <a:srgbClr val="FC7467"/>
-                </a:solidFill>
-              </a:rPr>
-              <a:t> years old."</a:t>
-            </a:r>
-            <a:r>
-              <a:rPr lang="en-US" altLang="zh-CN" sz="1800">
-                <a:solidFill>
-                  <a:srgbClr val="FFFFFF"/>
-                </a:solidFill>
-              </a:rPr>
-              <a:t>)</a:t>
-            </a:r>
-            <a:endParaRPr lang="en-US" altLang="zh-CN" sz="1800">
-              <a:solidFill>
-                <a:srgbClr val="FFFFFF"/>
-              </a:solidFill>
-            </a:endParaRPr>
-          </a:p>
-          <a:p>
-            <a:pPr marL="0" indent="0">
+              <a:rPr lang="en-US" altLang="en-US" sz="1600">
+                <a:solidFill>
+                  <a:srgbClr val="F8FAFF"/>
+                </a:solidFill>
+                <a:latin typeface="quote-cjk-patch"/>
+                <a:ea typeface="quote-cjk-patch"/>
+                <a:sym typeface="+mn-ea"/>
+              </a:rPr>
+              <a:t>Assign them values.</a:t>
+            </a:r>
+            <a:endParaRPr lang="en-US" altLang="en-US" sz="1600">
+              <a:solidFill>
+                <a:srgbClr val="F8FAFF"/>
+              </a:solidFill>
+              <a:latin typeface="quote-cjk-patch"/>
+              <a:ea typeface="quote-cjk-patch"/>
+              <a:sym typeface="+mn-ea"/>
+            </a:endParaRPr>
+          </a:p>
+          <a:p>
+            <a:pPr marL="800100" lvl="1" indent="-342900" algn="l">
               <a:lnSpc>
                 <a:spcPct val="200000"/>
               </a:lnSpc>
-              <a:spcBef>
-                <a:spcPct val="0"/>
-              </a:spcBef>
-              <a:spcAft>
-                <a:spcPct val="0"/>
-              </a:spcAft>
+              <a:buClrTx/>
+              <a:buSzTx/>
+              <a:buFont typeface="+mj-lt"/>
+              <a:buAutoNum type="arabicPeriod"/>
             </a:pPr>
             <a:r>
-              <a:rPr lang="en-US" altLang="zh-CN" sz="1800">
-                <a:solidFill>
-                  <a:srgbClr val="7CB554"/>
-                </a:solidFill>
-              </a:rPr>
-              <a:t>// This is called string interpolation. It lets you put variables inside strings.</a:t>
-            </a:r>
-            <a:endParaRPr lang="en-US" altLang="zh-CN" sz="1800">
-              <a:solidFill>
-                <a:srgbClr val="7CB554"/>
-              </a:solidFill>
-            </a:endParaRPr>
-          </a:p>
-          <a:p>
-            <a:pPr>
+              <a:rPr lang="en-US" altLang="en-US" sz="1600">
+                <a:solidFill>
+                  <a:srgbClr val="F8FAFF"/>
+                </a:solidFill>
+                <a:latin typeface="quote-cjk-patch"/>
+                <a:ea typeface="quote-cjk-patch"/>
+                <a:sym typeface="+mn-ea"/>
+              </a:rPr>
+              <a:t>Print a message that says: "</a:t>
+            </a:r>
+            <a:r>
+              <a:rPr lang="en-US" altLang="en-US" sz="1600">
+                <a:solidFill>
+                  <a:srgbClr val="FF0000"/>
+                </a:solidFill>
+                <a:latin typeface="quote-cjk-patch"/>
+                <a:ea typeface="quote-cjk-patch"/>
+                <a:sym typeface="+mn-ea"/>
+              </a:rPr>
+              <a:t>[name] is [age] years old.</a:t>
+            </a:r>
+            <a:r>
+              <a:rPr lang="en-US" altLang="en-US" sz="1600">
+                <a:solidFill>
+                  <a:srgbClr val="F8FAFF"/>
+                </a:solidFill>
+                <a:latin typeface="quote-cjk-patch"/>
+                <a:ea typeface="quote-cjk-patch"/>
+                <a:sym typeface="+mn-ea"/>
+              </a:rPr>
+              <a:t>"</a:t>
+            </a:r>
+            <a:endParaRPr lang="en-US" altLang="en-US" sz="1600">
+              <a:solidFill>
+                <a:srgbClr val="F8FAFF"/>
+              </a:solidFill>
+              <a:latin typeface="quote-cjk-patch"/>
+              <a:ea typeface="quote-cjk-patch"/>
+              <a:sym typeface="+mn-ea"/>
+            </a:endParaRPr>
+          </a:p>
+          <a:p>
+            <a:pPr marL="800100" lvl="1" indent="-342900" algn="l">
               <a:lnSpc>
                 <a:spcPct val="200000"/>
               </a:lnSpc>
+              <a:buClrTx/>
+              <a:buSzTx/>
+              <a:buFont typeface="+mj-lt"/>
+              <a:buAutoNum type="arabicPeriod"/>
             </a:pPr>
             <a:r>
-              <a:rPr lang="en-US" altLang="zh-CN" sz="1800">
-                <a:solidFill>
-                  <a:srgbClr val="FC6BAA"/>
-                </a:solidFill>
-              </a:rPr>
-              <a:t>if </a:t>
-            </a:r>
-            <a:r>
-              <a:rPr lang="en-US" altLang="zh-CN" sz="1800">
-                <a:solidFill>
-                  <a:srgbClr val="72BFAE"/>
-                </a:solidFill>
-              </a:rPr>
-              <a:t>age</a:t>
-            </a:r>
-            <a:r>
-              <a:rPr lang="en-US" altLang="zh-CN" sz="1800">
-                <a:solidFill>
-                  <a:srgbClr val="FFFFFF"/>
-                </a:solidFill>
-              </a:rPr>
-              <a:t> &gt;= </a:t>
-            </a:r>
-            <a:r>
-              <a:rPr lang="en-US" altLang="zh-CN" sz="1800">
-                <a:solidFill>
-                  <a:srgbClr val="D0BC56"/>
-                </a:solidFill>
-              </a:rPr>
-              <a:t>18</a:t>
-            </a:r>
-            <a:r>
-              <a:rPr lang="en-US" altLang="zh-CN" sz="1800">
-                <a:solidFill>
-                  <a:srgbClr val="FFFFFF"/>
-                </a:solidFill>
-              </a:rPr>
-              <a:t> {</a:t>
-            </a:r>
-            <a:endParaRPr lang="en-US" altLang="zh-CN" sz="1800">
-              <a:solidFill>
-                <a:srgbClr val="FFFFFF"/>
-              </a:solidFill>
-            </a:endParaRPr>
-          </a:p>
-          <a:p>
-            <a:pPr>
-              <a:lnSpc>
-                <a:spcPct val="200000"/>
-              </a:lnSpc>
-            </a:pPr>
-            <a:r>
-              <a:rPr lang="en-US" altLang="zh-CN" sz="1800"/>
-              <a:t>    </a:t>
-            </a:r>
-            <a:r>
-              <a:rPr lang="en-US" altLang="zh-CN" sz="1800">
-                <a:solidFill>
-                  <a:srgbClr val="FFFFFF"/>
-                </a:solidFill>
-              </a:rPr>
-              <a:t>print(</a:t>
-            </a:r>
-            <a:r>
-              <a:rPr lang="en-US" altLang="zh-CN" sz="1800">
-                <a:solidFill>
-                  <a:srgbClr val="FC7467"/>
-                </a:solidFill>
-              </a:rPr>
-              <a:t>"Can vote"</a:t>
-            </a:r>
-            <a:r>
-              <a:rPr lang="en-US" altLang="zh-CN" sz="1800">
-                <a:solidFill>
-                  <a:srgbClr val="FFFFFF"/>
-                </a:solidFill>
-              </a:rPr>
-              <a:t>)</a:t>
-            </a:r>
-            <a:endParaRPr lang="en-US" altLang="zh-CN" sz="1800">
-              <a:solidFill>
-                <a:srgbClr val="FFFFFF"/>
-              </a:solidFill>
-            </a:endParaRPr>
-          </a:p>
-          <a:p>
-            <a:pPr marL="0" indent="0">
-              <a:lnSpc>
-                <a:spcPct val="200000"/>
-              </a:lnSpc>
-              <a:spcBef>
-                <a:spcPct val="0"/>
-              </a:spcBef>
-              <a:spcAft>
-                <a:spcPct val="0"/>
-              </a:spcAft>
-            </a:pPr>
-            <a:r>
-              <a:rPr lang="en-US" altLang="zh-CN" sz="1800">
-                <a:solidFill>
-                  <a:srgbClr val="FFFFFF"/>
-                </a:solidFill>
-              </a:rPr>
-              <a:t>} </a:t>
-            </a:r>
-            <a:r>
-              <a:rPr lang="en-US" altLang="zh-CN" sz="1800">
-                <a:solidFill>
-                  <a:srgbClr val="FC6BAA"/>
-                </a:solidFill>
-              </a:rPr>
-              <a:t>else</a:t>
-            </a:r>
-            <a:r>
-              <a:rPr lang="en-US" altLang="zh-CN" sz="1800">
-                <a:solidFill>
-                  <a:srgbClr val="FFFFFF"/>
-                </a:solidFill>
-              </a:rPr>
-              <a:t> {</a:t>
-            </a:r>
-            <a:endParaRPr lang="en-US" altLang="zh-CN" sz="1800">
-              <a:solidFill>
-                <a:srgbClr val="FFFFFF"/>
-              </a:solidFill>
-            </a:endParaRPr>
-          </a:p>
-          <a:p>
-            <a:pPr>
-              <a:lnSpc>
-                <a:spcPct val="200000"/>
-              </a:lnSpc>
-            </a:pPr>
-            <a:r>
-              <a:rPr lang="en-US" altLang="zh-CN" sz="1800"/>
-              <a:t>    </a:t>
-            </a:r>
-            <a:r>
-              <a:rPr lang="en-US" altLang="zh-CN" sz="1800">
-                <a:solidFill>
-                  <a:srgbClr val="FFFFFF"/>
-                </a:solidFill>
-              </a:rPr>
-              <a:t>print(</a:t>
-            </a:r>
-            <a:r>
-              <a:rPr lang="en-US" altLang="zh-CN" sz="1800">
-                <a:solidFill>
-                  <a:srgbClr val="FC7467"/>
-                </a:solidFill>
-              </a:rPr>
-              <a:t>"Can't vote"</a:t>
-            </a:r>
-            <a:r>
-              <a:rPr lang="en-US" altLang="zh-CN" sz="1800">
-                <a:solidFill>
-                  <a:srgbClr val="FFFFFF"/>
-                </a:solidFill>
-              </a:rPr>
-              <a:t>)</a:t>
-            </a:r>
-            <a:endParaRPr lang="en-US" altLang="zh-CN" sz="1800">
-              <a:solidFill>
-                <a:srgbClr val="FFFFFF"/>
-              </a:solidFill>
-            </a:endParaRPr>
-          </a:p>
-          <a:p>
-            <a:pPr marL="0" indent="0">
-              <a:lnSpc>
-                <a:spcPct val="200000"/>
-              </a:lnSpc>
-              <a:spcBef>
-                <a:spcPct val="0"/>
-              </a:spcBef>
-              <a:spcAft>
-                <a:spcPct val="0"/>
-              </a:spcAft>
-            </a:pPr>
-            <a:r>
-              <a:rPr lang="en-US" altLang="zh-CN" sz="1800">
-                <a:solidFill>
-                  <a:srgbClr val="FFFFFF"/>
-                </a:solidFill>
-              </a:rPr>
-              <a:t>}</a:t>
-            </a:r>
-            <a:endParaRPr lang="en-US" altLang="zh-CN" sz="1800">
-              <a:solidFill>
-                <a:srgbClr val="FFFFFF"/>
-              </a:solidFill>
+              <a:rPr lang="en-US" altLang="en-US" sz="1600">
+                <a:solidFill>
+                  <a:srgbClr val="F8FAFF"/>
+                </a:solidFill>
+                <a:latin typeface="quote-cjk-patch"/>
+                <a:ea typeface="quote-cjk-patch"/>
+                <a:sym typeface="+mn-ea"/>
+              </a:rPr>
+              <a:t>Write an if statement that checks if the person </a:t>
+            </a:r>
+            <a:r>
+              <a:rPr lang="en-US" altLang="en-US" sz="1600">
+                <a:solidFill>
+                  <a:srgbClr val="FF0000"/>
+                </a:solidFill>
+                <a:latin typeface="quote-cjk-patch"/>
+                <a:ea typeface="quote-cjk-patch"/>
+                <a:sym typeface="+mn-ea"/>
+              </a:rPr>
+              <a:t>can vote (age &gt;= 18) and prints "Can vote" or "Can't vote".</a:t>
+            </a:r>
+            <a:endParaRPr lang="en-US" altLang="en-US" sz="1600">
+              <a:solidFill>
+                <a:srgbClr val="FF0000"/>
+              </a:solidFill>
+              <a:latin typeface="quote-cjk-patch"/>
+              <a:ea typeface="quote-cjk-patch"/>
+              <a:sym typeface="+mn-ea"/>
             </a:endParaRPr>
           </a:p>
         </p:txBody>
@@ -6915,7 +6973,7 @@
                 <a:ea typeface="quote-cjk-patch"/>
                 <a:cs typeface="Microsoft YaHei" charset="0"/>
               </a:rPr>
-              <a:t>What's Next? UIKit vs. SwiftUI</a:t>
+              <a:t> Solution to Exercise 1</a:t>
             </a:r>
             <a:endParaRPr lang="en-US" altLang="en-US" sz="2400" b="0" i="0">
               <a:solidFill>
@@ -6948,98 +7006,414 @@
             <a:noAutofit/>
           </a:bodyPr>
           <a:p>
-            <a:pPr marL="285750" indent="-285750">
+            <a:pPr>
               <a:lnSpc>
                 <a:spcPct val="200000"/>
               </a:lnSpc>
-              <a:buFont typeface="Wingdings" panose="05000000000000000000" charset="0"/>
-              <a:buChar char=""/>
             </a:pPr>
             <a:r>
-              <a:rPr lang="en-US" altLang="en-US" sz="1800">
+              <a:rPr lang="en-US" altLang="zh-CN" sz="1800">
+                <a:solidFill>
+                  <a:srgbClr val="FC6BAA"/>
+                </a:solidFill>
+              </a:rPr>
+              <a:t>let </a:t>
+            </a:r>
+            <a:r>
+              <a:rPr lang="en-US" altLang="zh-CN" sz="1800">
+                <a:solidFill>
+                  <a:srgbClr val="42B8E0"/>
+                </a:solidFill>
+              </a:rPr>
+              <a:t>name</a:t>
+            </a:r>
+            <a:r>
+              <a:rPr lang="en-US" altLang="zh-CN" sz="1800">
                 <a:solidFill>
                   <a:srgbClr val="FFFFFF"/>
                 </a:solidFill>
               </a:rPr>
-              <a:t>UIKit </a:t>
-            </a:r>
-            <a:r>
-              <a:rPr lang="en-US" altLang="en-US" sz="1800" b="1">
-                <a:solidFill>
-                  <a:srgbClr val="FFFFFF"/>
-                </a:solidFill>
-              </a:rPr>
-              <a:t>(The Original Way):</a:t>
-            </a:r>
-            <a:r>
-              <a:rPr lang="en-US" altLang="en-US" sz="1800">
-                <a:solidFill>
-                  <a:srgbClr val="FFFFFF"/>
-                </a:solidFill>
-              </a:rPr>
-              <a:t> Uses Storyboards and ViewControllers. More code, but shows you how everything works.</a:t>
-            </a:r>
-            <a:endParaRPr lang="en-US" altLang="en-US" sz="1800">
-              <a:solidFill>
-                <a:srgbClr val="FFFFFF"/>
-              </a:solidFill>
-            </a:endParaRPr>
-          </a:p>
-          <a:p>
-            <a:pPr marL="285750" indent="-285750">
+              <a:t> = </a:t>
+            </a:r>
+            <a:r>
+              <a:rPr lang="en-US" altLang="zh-CN" sz="1800">
+                <a:solidFill>
+                  <a:srgbClr val="FC7467"/>
+                </a:solidFill>
+              </a:rPr>
+              <a:t>"Borey"</a:t>
+            </a:r>
+            <a:endParaRPr lang="en-US" altLang="zh-CN" sz="1800">
+              <a:solidFill>
+                <a:srgbClr val="FC7467"/>
+              </a:solidFill>
+            </a:endParaRPr>
+          </a:p>
+          <a:p>
+            <a:pPr>
               <a:lnSpc>
                 <a:spcPct val="200000"/>
               </a:lnSpc>
-              <a:buFont typeface="Wingdings" panose="05000000000000000000" charset="0"/>
-              <a:buChar char=""/>
             </a:pPr>
             <a:r>
-              <a:rPr lang="en-US" altLang="en-US" sz="1800">
+              <a:rPr lang="en-US" altLang="zh-CN" sz="1800">
+                <a:solidFill>
+                  <a:srgbClr val="FC6BAA"/>
+                </a:solidFill>
+              </a:rPr>
+              <a:t>var </a:t>
+            </a:r>
+            <a:r>
+              <a:rPr lang="en-US" altLang="zh-CN" sz="1800">
+                <a:solidFill>
+                  <a:srgbClr val="42B8E0"/>
+                </a:solidFill>
+              </a:rPr>
+              <a:t>age</a:t>
+            </a:r>
+            <a:r>
+              <a:rPr lang="en-US" altLang="zh-CN" sz="1800">
                 <a:solidFill>
                   <a:srgbClr val="FFFFFF"/>
                 </a:solidFill>
               </a:rPr>
-              <a:t>SwiftUI</a:t>
-            </a:r>
-            <a:r>
-              <a:rPr lang="en-US" altLang="en-US" sz="1800" b="1">
-                <a:solidFill>
-                  <a:srgbClr val="FFFFFF"/>
-                </a:solidFill>
-              </a:rPr>
-              <a:t> (The New Way)</a:t>
-            </a:r>
-            <a:r>
-              <a:rPr lang="en-US" altLang="en-US" sz="1800">
-                <a:solidFill>
-                  <a:srgbClr val="FFFFFF"/>
-                </a:solidFill>
-              </a:rPr>
-              <a:t>: Write what you want the UI to look like. Less code, very powerful.</a:t>
-            </a:r>
-            <a:endParaRPr lang="en-US" altLang="en-US" sz="1800">
-              <a:solidFill>
-                <a:srgbClr val="FFFFFF"/>
-              </a:solidFill>
-            </a:endParaRPr>
-          </a:p>
-          <a:p>
-            <a:pPr marL="285750" indent="-285750">
+              <a:t> = </a:t>
+            </a:r>
+            <a:r>
+              <a:rPr lang="en-US" altLang="zh-CN" sz="1800">
+                <a:solidFill>
+                  <a:srgbClr val="D0BC56"/>
+                </a:solidFill>
+              </a:rPr>
+              <a:t>27</a:t>
+            </a:r>
+            <a:endParaRPr lang="en-US" altLang="zh-CN" sz="1800">
+              <a:solidFill>
+                <a:srgbClr val="D0BC56"/>
+              </a:solidFill>
+            </a:endParaRPr>
+          </a:p>
+          <a:p>
+            <a:pPr>
               <a:lnSpc>
                 <a:spcPct val="200000"/>
               </a:lnSpc>
-              <a:buFont typeface="Wingdings" panose="05000000000000000000" charset="0"/>
-              <a:buChar char=""/>
             </a:pPr>
             <a:r>
-              <a:rPr lang="en-US" altLang="en-US" sz="1800">
+              <a:rPr lang="en-US" altLang="zh-CN" sz="1800">
                 <a:solidFill>
                   <a:srgbClr val="FFFFFF"/>
                 </a:solidFill>
               </a:rPr>
-              <a:t>Our Plan: We'll learn the basics of UIKit first to understand the fundamentals, then switch to the modern SwiftUI.</a:t>
-            </a:r>
-            <a:endParaRPr lang="en-US" altLang="en-US" sz="1800">
+              <a:t>print(</a:t>
+            </a:r>
+            <a:r>
+              <a:rPr lang="en-US" altLang="zh-CN" sz="1800">
+                <a:solidFill>
+                  <a:srgbClr val="FC7467"/>
+                </a:solidFill>
+              </a:rPr>
+              <a:t>"</a:t>
+            </a:r>
+            <a:r>
+              <a:rPr lang="en-US" altLang="zh-CN" sz="1800">
+                <a:solidFill>
+                  <a:srgbClr val="FFFFFF"/>
+                </a:solidFill>
+              </a:rPr>
+              <a:t>\(</a:t>
+            </a:r>
+            <a:r>
+              <a:rPr lang="en-US" altLang="zh-CN" sz="1800">
+                <a:solidFill>
+                  <a:srgbClr val="72BFAE"/>
+                </a:solidFill>
+              </a:rPr>
+              <a:t>name</a:t>
+            </a:r>
+            <a:r>
+              <a:rPr lang="en-US" altLang="zh-CN" sz="1800">
+                <a:solidFill>
+                  <a:srgbClr val="FFFFFF"/>
+                </a:solidFill>
+              </a:rPr>
+              <a:t>)</a:t>
+            </a:r>
+            <a:r>
+              <a:rPr lang="en-US" altLang="zh-CN" sz="1800">
+                <a:solidFill>
+                  <a:srgbClr val="FC7467"/>
+                </a:solidFill>
+              </a:rPr>
+              <a:t> is </a:t>
+            </a:r>
+            <a:r>
+              <a:rPr lang="en-US" altLang="zh-CN" sz="1800">
+                <a:solidFill>
+                  <a:srgbClr val="FFFFFF"/>
+                </a:solidFill>
+              </a:rPr>
+              <a:t>\(</a:t>
+            </a:r>
+            <a:r>
+              <a:rPr lang="en-US" altLang="zh-CN" sz="1800">
+                <a:solidFill>
+                  <a:srgbClr val="72BFAE"/>
+                </a:solidFill>
+              </a:rPr>
+              <a:t>age</a:t>
+            </a:r>
+            <a:r>
+              <a:rPr lang="en-US" altLang="zh-CN" sz="1800">
+                <a:solidFill>
+                  <a:srgbClr val="FFFFFF"/>
+                </a:solidFill>
+              </a:rPr>
+              <a:t>)</a:t>
+            </a:r>
+            <a:r>
+              <a:rPr lang="en-US" altLang="zh-CN" sz="1800">
+                <a:solidFill>
+                  <a:srgbClr val="FC7467"/>
+                </a:solidFill>
+              </a:rPr>
+              <a:t> years old."</a:t>
+            </a:r>
+            <a:r>
+              <a:rPr lang="en-US" altLang="zh-CN" sz="1800">
+                <a:solidFill>
+                  <a:srgbClr val="FFFFFF"/>
+                </a:solidFill>
+              </a:rPr>
+              <a:t>)</a:t>
+            </a:r>
+            <a:endParaRPr lang="en-US" altLang="zh-CN" sz="1800">
+              <a:solidFill>
+                <a:srgbClr val="FFFFFF"/>
+              </a:solidFill>
+            </a:endParaRPr>
+          </a:p>
+          <a:p>
+            <a:pPr marL="0" indent="0">
+              <a:lnSpc>
+                <a:spcPct val="200000"/>
+              </a:lnSpc>
+              <a:spcBef>
+                <a:spcPct val="0"/>
+              </a:spcBef>
+              <a:spcAft>
+                <a:spcPct val="0"/>
+              </a:spcAft>
+            </a:pPr>
+            <a:r>
+              <a:rPr lang="en-US" altLang="zh-CN" sz="1800">
+                <a:solidFill>
+                  <a:srgbClr val="7CB554"/>
+                </a:solidFill>
+              </a:rPr>
+              <a:t>// This is called string interpolation. It lets you put variables inside strings.</a:t>
+            </a:r>
+            <a:endParaRPr lang="en-US" altLang="zh-CN" sz="1800">
+              <a:solidFill>
+                <a:srgbClr val="7CB554"/>
+              </a:solidFill>
+            </a:endParaRPr>
+          </a:p>
+          <a:p>
+            <a:pPr>
+              <a:lnSpc>
+                <a:spcPct val="200000"/>
+              </a:lnSpc>
+            </a:pPr>
+            <a:r>
+              <a:rPr lang="en-US" altLang="zh-CN" sz="1800">
+                <a:solidFill>
+                  <a:srgbClr val="FC6BAA"/>
+                </a:solidFill>
+              </a:rPr>
+              <a:t>if </a:t>
+            </a:r>
+            <a:r>
+              <a:rPr lang="en-US" altLang="zh-CN" sz="1800">
+                <a:solidFill>
+                  <a:srgbClr val="72BFAE"/>
+                </a:solidFill>
+              </a:rPr>
+              <a:t>age</a:t>
+            </a:r>
+            <a:r>
+              <a:rPr lang="en-US" altLang="zh-CN" sz="1800">
+                <a:solidFill>
+                  <a:srgbClr val="FFFFFF"/>
+                </a:solidFill>
+              </a:rPr>
+              <a:t> &gt;= </a:t>
+            </a:r>
+            <a:r>
+              <a:rPr lang="en-US" altLang="zh-CN" sz="1800">
+                <a:solidFill>
+                  <a:srgbClr val="D0BC56"/>
+                </a:solidFill>
+              </a:rPr>
+              <a:t>18</a:t>
+            </a:r>
+            <a:r>
+              <a:rPr lang="en-US" altLang="zh-CN" sz="1800">
+                <a:solidFill>
+                  <a:srgbClr val="FFFFFF"/>
+                </a:solidFill>
+              </a:rPr>
+              <a:t> {</a:t>
+            </a:r>
+            <a:endParaRPr lang="en-US" altLang="zh-CN" sz="1800">
+              <a:solidFill>
+                <a:srgbClr val="FFFFFF"/>
+              </a:solidFill>
+            </a:endParaRPr>
+          </a:p>
+          <a:p>
+            <a:pPr>
+              <a:lnSpc>
+                <a:spcPct val="200000"/>
+              </a:lnSpc>
+            </a:pPr>
+            <a:r>
+              <a:rPr lang="en-US" altLang="zh-CN" sz="1800"/>
+              <a:t>    </a:t>
+            </a:r>
+            <a:r>
+              <a:rPr lang="en-US" altLang="zh-CN" sz="1800">
+                <a:solidFill>
+                  <a:srgbClr val="FFFFFF"/>
+                </a:solidFill>
+              </a:rPr>
+              <a:t>print(</a:t>
+            </a:r>
+            <a:r>
+              <a:rPr lang="en-US" altLang="zh-CN" sz="1800">
+                <a:solidFill>
+                  <a:srgbClr val="FC7467"/>
+                </a:solidFill>
+              </a:rPr>
+              <a:t>"Can vote"</a:t>
+            </a:r>
+            <a:r>
+              <a:rPr lang="en-US" altLang="zh-CN" sz="1800">
+                <a:solidFill>
+                  <a:srgbClr val="FFFFFF"/>
+                </a:solidFill>
+              </a:rPr>
+              <a:t>)</a:t>
+            </a:r>
+            <a:endParaRPr lang="en-US" altLang="zh-CN" sz="1800">
+              <a:solidFill>
+                <a:srgbClr val="FFFFFF"/>
+              </a:solidFill>
+            </a:endParaRPr>
+          </a:p>
+          <a:p>
+            <a:pPr marL="0" indent="0">
+              <a:lnSpc>
+                <a:spcPct val="200000"/>
+              </a:lnSpc>
+              <a:spcBef>
+                <a:spcPct val="0"/>
+              </a:spcBef>
+              <a:spcAft>
+                <a:spcPct val="0"/>
+              </a:spcAft>
+            </a:pPr>
+            <a:r>
+              <a:rPr lang="en-US" altLang="zh-CN" sz="1800">
+                <a:solidFill>
+                  <a:srgbClr val="FFFFFF"/>
+                </a:solidFill>
+              </a:rPr>
+              <a:t>} </a:t>
+            </a:r>
+            <a:r>
+              <a:rPr lang="en-US" altLang="zh-CN" sz="1800">
+                <a:solidFill>
+                  <a:srgbClr val="FC6BAA"/>
+                </a:solidFill>
+              </a:rPr>
+              <a:t>else</a:t>
+            </a:r>
+            <a:r>
+              <a:rPr lang="en-US" altLang="zh-CN" sz="1800">
+                <a:solidFill>
+                  <a:srgbClr val="FFFFFF"/>
+                </a:solidFill>
+              </a:rPr>
+              <a:t> {</a:t>
+            </a:r>
+            <a:endParaRPr lang="en-US" altLang="zh-CN" sz="1800">
+              <a:solidFill>
+                <a:srgbClr val="FFFFFF"/>
+              </a:solidFill>
+            </a:endParaRPr>
+          </a:p>
+          <a:p>
+            <a:pPr>
+              <a:lnSpc>
+                <a:spcPct val="200000"/>
+              </a:lnSpc>
+            </a:pPr>
+            <a:r>
+              <a:rPr lang="en-US" altLang="zh-CN" sz="1800"/>
+              <a:t>    </a:t>
+            </a:r>
+            <a:r>
+              <a:rPr lang="en-US" altLang="zh-CN" sz="1800">
+                <a:solidFill>
+                  <a:srgbClr val="FFFFFF"/>
+                </a:solidFill>
+              </a:rPr>
+              <a:t>print(</a:t>
+            </a:r>
+            <a:r>
+              <a:rPr lang="en-US" altLang="zh-CN" sz="1800">
+                <a:solidFill>
+                  <a:srgbClr val="FC7467"/>
+                </a:solidFill>
+              </a:rPr>
+              <a:t>"Can't vote"</a:t>
+            </a:r>
+            <a:r>
+              <a:rPr lang="en-US" altLang="zh-CN" sz="1800">
+                <a:solidFill>
+                  <a:srgbClr val="FFFFFF"/>
+                </a:solidFill>
+              </a:rPr>
+              <a:t>)</a:t>
+            </a:r>
+            <a:endParaRPr lang="en-US" altLang="zh-CN" sz="1800">
+              <a:solidFill>
+                <a:srgbClr val="FFFFFF"/>
+              </a:solidFill>
+            </a:endParaRPr>
+          </a:p>
+          <a:p>
+            <a:pPr marL="0" indent="0">
+              <a:lnSpc>
+                <a:spcPct val="200000"/>
+              </a:lnSpc>
+              <a:spcBef>
+                <a:spcPct val="0"/>
+              </a:spcBef>
+              <a:spcAft>
+                <a:spcPct val="0"/>
+              </a:spcAft>
+            </a:pPr>
+            <a:r>
+              <a:rPr lang="en-US" altLang="zh-CN" sz="1800">
+                <a:solidFill>
+                  <a:srgbClr val="FFFFFF"/>
+                </a:solidFill>
+              </a:rPr>
+              <a:t>}</a:t>
+            </a:r>
+            <a:endParaRPr lang="en-US" altLang="zh-CN" sz="1800">
               <a:solidFill>
                 <a:srgbClr val="FFFFFF"/>
               </a:solidFill>
@@ -7137,7 +7511,7 @@
                 <a:ea typeface="quote-cjk-patch"/>
                 <a:cs typeface="Microsoft YaHei" charset="0"/>
               </a:rPr>
-              <a:t>Homework Assignment</a:t>
+              <a:t>What's Next? UIKit vs. SwiftUI</a:t>
             </a:r>
             <a:endParaRPr lang="en-US" altLang="en-US" sz="2400" b="0" i="0">
               <a:solidFill>
@@ -7183,7 +7557,23 @@
                   <a:srgbClr val="FFFFFF"/>
                 </a:solidFill>
               </a:rPr>
-              <a:t>Goal: Get comfortable with the basics.</a:t>
+              <a:t>UIKit </a:t>
+            </a:r>
+            <a:r>
+              <a:rPr lang="en-US" altLang="en-US" sz="1800" b="1">
+                <a:solidFill>
+                  <a:srgbClr val="FFFFFF"/>
+                </a:solidFill>
+              </a:rPr>
+              <a:t>(The Original Way):</a:t>
+            </a:r>
+            <a:r>
+              <a:rPr lang="en-US" altLang="en-US" sz="1800">
+                <a:solidFill>
+                  <a:srgbClr val="FFFFFF"/>
+                </a:solidFill>
+              </a:rPr>
+              <a:t> Uses Storyboards and ViewControllers. More code, but shows you how everything works.</a:t>
             </a:r>
             <a:endParaRPr lang="en-US" altLang="en-US" sz="1800">
               <a:solidFill>
@@ -7205,19 +7595,27 @@
                   <a:srgbClr val="FFFFFF"/>
                 </a:solidFill>
               </a:rPr>
-              <a:t>Task 1:</a:t>
+              <a:t>SwiftUI</a:t>
+            </a:r>
+            <a:r>
+              <a:rPr lang="en-US" altLang="en-US" sz="1800" b="1">
+                <a:solidFill>
+                  <a:srgbClr val="FFFFFF"/>
+                </a:solidFill>
+              </a:rPr>
+              <a:t> (The New Way)</a:t>
             </a:r>
             <a:r>
               <a:rPr lang="en-US" altLang="en-US" sz="1800">
                 <a:solidFill>
-                  <a:srgbClr val="FF0000"/>
-                </a:solidFill>
-              </a:rPr>
-              <a:t> In your Playground, create variables for a fictional character (name, age, home planet, favorite color).</a:t>
+                  <a:srgbClr val="FFFFFF"/>
+                </a:solidFill>
+              </a:rPr>
+              <a:t>: Write what you want the UI to look like. Less code, very powerful.</a:t>
             </a:r>
             <a:endParaRPr lang="en-US" altLang="en-US" sz="1800">
               <a:solidFill>
-                <a:srgbClr val="FF0000"/>
+                <a:srgbClr val="FFFFFF"/>
               </a:solidFill>
             </a:endParaRPr>
           </a:p>
@@ -7235,123 +7633,7 @@
                   <a:srgbClr val="FFFFFF"/>
                 </a:solidFill>
               </a:rPr>
-              <a:t>Task 2: </a:t>
-            </a:r>
-            <a:r>
-              <a:rPr lang="en-US" altLang="en-US" sz="1800">
-                <a:solidFill>
-                  <a:srgbClr val="FF0000"/>
-                </a:solidFill>
-              </a:rPr>
-              <a:t>Use string interpolation</a:t>
-            </a:r>
-            <a:r>
-              <a:rPr lang="en-US" altLang="en-US" sz="1800">
-                <a:solidFill>
-                  <a:srgbClr val="FFFFFF"/>
-                </a:solidFill>
-              </a:rPr>
-              <a:t> to print a </a:t>
-            </a:r>
-            <a:r>
-              <a:rPr lang="en-US" altLang="en-US" sz="1800">
-                <a:solidFill>
-                  <a:srgbClr val="FF0000"/>
-                </a:solidFill>
-              </a:rPr>
-              <a:t>paragraph describing </a:t>
-            </a:r>
-            <a:r>
-              <a:rPr lang="en-US" altLang="en-US" sz="1800">
-                <a:solidFill>
-                  <a:srgbClr val="FFFFFF"/>
-                </a:solidFill>
-              </a:rPr>
-              <a:t>them.</a:t>
-            </a:r>
-            <a:endParaRPr lang="en-US" altLang="en-US" sz="1800">
-              <a:solidFill>
-                <a:srgbClr val="FFFFFF"/>
-              </a:solidFill>
-            </a:endParaRPr>
-          </a:p>
-          <a:p>
-            <a:pPr marL="285750" indent="-285750">
-              <a:lnSpc>
-                <a:spcPct val="200000"/>
-              </a:lnSpc>
-              <a:buFont typeface="Wingdings" panose="05000000000000000000" charset="0"/>
-              <a:buChar char=""/>
-            </a:pPr>
-            <a:r>
-              <a:rPr lang="en-US" altLang="en-US" sz="1800">
-                <a:solidFill>
-                  <a:srgbClr val="FFFFFF"/>
-                </a:solidFill>
-              </a:rPr>
-              <a:t>Task 3: Use an if statement to check </a:t>
-            </a:r>
-            <a:r>
-              <a:rPr lang="en-US" altLang="en-US" sz="1800">
-                <a:solidFill>
-                  <a:srgbClr val="FF0000"/>
-                </a:solidFill>
-              </a:rPr>
-              <a:t>if their age is over 500</a:t>
-            </a:r>
-            <a:r>
-              <a:rPr lang="en-US" altLang="en-US" sz="1800">
-                <a:solidFill>
-                  <a:srgbClr val="FFFFFF"/>
-                </a:solidFill>
-              </a:rPr>
-              <a:t> and print "This character is ancient!" or "This character is young.".</a:t>
-            </a:r>
-            <a:endParaRPr lang="en-US" altLang="en-US" sz="1800">
-              <a:solidFill>
-                <a:srgbClr val="FFFFFF"/>
-              </a:solidFill>
-            </a:endParaRPr>
-          </a:p>
-          <a:p>
-            <a:pPr marL="285750" indent="-285750">
-              <a:lnSpc>
-                <a:spcPct val="200000"/>
-              </a:lnSpc>
-              <a:buFont typeface="Wingdings" panose="05000000000000000000" charset="0"/>
-              <a:buChar char=""/>
-            </a:pPr>
-            <a:r>
-              <a:rPr lang="en-US" altLang="en-US" sz="1800">
-                <a:solidFill>
-                  <a:srgbClr val="FFFFFF"/>
-                </a:solidFill>
-              </a:rPr>
-              <a:t>Bonus: Use a B</a:t>
-            </a:r>
-            <a:r>
-              <a:rPr lang="en-US" altLang="en-US" sz="1800">
-                <a:solidFill>
-                  <a:srgbClr val="FF0000"/>
-                </a:solidFill>
-              </a:rPr>
-              <a:t>ool variable </a:t>
-            </a:r>
-            <a:r>
-              <a:rPr lang="en-US" altLang="en-US" sz="1800" b="1">
-                <a:solidFill>
-                  <a:srgbClr val="FF0000"/>
-                </a:solidFill>
-              </a:rPr>
-              <a:t>isJedi</a:t>
-            </a:r>
-            <a:r>
-              <a:rPr lang="en-US" altLang="en-US" sz="1800">
-                <a:solidFill>
-                  <a:srgbClr val="FFFFFF"/>
-                </a:solidFill>
-              </a:rPr>
-              <a:t> and add to your if statement to print "This character is a powerful Jedi" if they are both ancient and a Jedi.</a:t>
+              <a:t>Our Plan: We'll learn the basics of UIKit first to understand the fundamentals, then switch to the modern SwiftUI.</a:t>
             </a:r>
             <a:endParaRPr lang="en-US" altLang="en-US" sz="1800">
               <a:solidFill>
@@ -7373,6 +7655,363 @@
 </file>
 
 <file path=ppt/slides/slide15.xml><?xml version="1.0" encoding="utf-8"?>
+<p:sld xmlns:a="http://schemas.openxmlformats.org/drawingml/2006/main" xmlns:r="http://schemas.openxmlformats.org/officeDocument/2006/relationships" xmlns:p="http://schemas.openxmlformats.org/presentationml/2006/main">
+  <p:cSld>
+    <p:bg>
+      <p:bgPr>
+        <a:blipFill>
+          <a:blip r:embed="rId1"/>
+          <a:stretch>
+            <a:fillRect/>
+          </a:stretch>
+        </a:blipFill>
+        <a:effectLst/>
+      </p:bgPr>
+    </p:bg>
+    <p:spTree>
+      <p:nvGrpSpPr>
+        <p:cNvPr id="1" name=""/>
+        <p:cNvGrpSpPr/>
+        <p:nvPr/>
+      </p:nvGrpSpPr>
+      <p:grpSpPr/>
+      <p:pic>
+        <p:nvPicPr>
+          <p:cNvPr id="5121" name="图片 3"/>
+          <p:cNvPicPr>
+            <a:picLocks noChangeAspect="1"/>
+          </p:cNvPicPr>
+          <p:nvPr/>
+        </p:nvPicPr>
+        <p:blipFill>
+          <a:blip r:embed="rId2"/>
+          <a:stretch>
+            <a:fillRect/>
+          </a:stretch>
+        </p:blipFill>
+        <p:spPr>
+          <a:xfrm>
+            <a:off x="0" y="0"/>
+            <a:ext cx="12192000" cy="6858000"/>
+          </a:xfrm>
+          <a:prstGeom prst="rect">
+            <a:avLst/>
+          </a:prstGeom>
+          <a:noFill/>
+          <a:ln w="9525">
+            <a:noFill/>
+          </a:ln>
+        </p:spPr>
+      </p:pic>
+      <p:sp>
+        <p:nvSpPr>
+          <p:cNvPr id="11" name="Text Box 10"/>
+          <p:cNvSpPr txBox="1"/>
+          <p:nvPr/>
+        </p:nvSpPr>
+        <p:spPr>
+          <a:xfrm>
+            <a:off x="1016000" y="902970"/>
+            <a:ext cx="6060440" cy="460375"/>
+          </a:xfrm>
+          <a:prstGeom prst="rect">
+            <a:avLst/>
+          </a:prstGeom>
+        </p:spPr>
+        <p:txBody>
+          <a:bodyPr wrap="square">
+            <a:spAutoFit/>
+          </a:bodyPr>
+          <a:p>
+            <a:pPr marL="0" indent="0"/>
+            <a:r>
+              <a:rPr lang="en-US" altLang="en-US" sz="2400" b="0" i="0">
+                <a:solidFill>
+                  <a:srgbClr val="F8FAFF"/>
+                </a:solidFill>
+                <a:latin typeface="Microsoft YaHei" charset="0"/>
+                <a:ea typeface="quote-cjk-patch"/>
+                <a:cs typeface="Microsoft YaHei" charset="0"/>
+              </a:rPr>
+              <a:t>Homework Assignment</a:t>
+            </a:r>
+            <a:endParaRPr lang="en-US" altLang="en-US" sz="2400" b="0" i="0">
+              <a:solidFill>
+                <a:srgbClr val="F8FAFF"/>
+              </a:solidFill>
+              <a:latin typeface="Microsoft YaHei" charset="0"/>
+              <a:ea typeface="quote-cjk-patch"/>
+              <a:cs typeface="Microsoft YaHei" charset="0"/>
+            </a:endParaRPr>
+          </a:p>
+        </p:txBody>
+      </p:sp>
+      <p:sp>
+        <p:nvSpPr>
+          <p:cNvPr id="4" name="Text Box 3"/>
+          <p:cNvSpPr txBox="1"/>
+          <p:nvPr/>
+        </p:nvSpPr>
+        <p:spPr>
+          <a:xfrm>
+            <a:off x="1016000" y="1488440"/>
+            <a:ext cx="8863965" cy="4930140"/>
+          </a:xfrm>
+          <a:prstGeom prst="rect">
+            <a:avLst/>
+          </a:prstGeom>
+        </p:spPr>
+        <p:txBody>
+          <a:bodyPr wrap="square">
+            <a:noAutofit/>
+          </a:bodyPr>
+          <a:p>
+            <a:pPr marL="285750" indent="-285750">
+              <a:lnSpc>
+                <a:spcPct val="200000"/>
+              </a:lnSpc>
+              <a:buFont typeface="Wingdings" panose="05000000000000000000" charset="0"/>
+              <a:buChar char=""/>
+            </a:pPr>
+            <a:r>
+              <a:rPr lang="en-US" altLang="en-US" sz="1800">
+                <a:solidFill>
+                  <a:srgbClr val="FFFFFF"/>
+                </a:solidFill>
+              </a:rPr>
+              <a:t>Goal: Get comfortable with the basics.</a:t>
+            </a:r>
+            <a:endParaRPr lang="en-US" altLang="en-US" sz="1800">
+              <a:solidFill>
+                <a:srgbClr val="FFFFFF"/>
+              </a:solidFill>
+            </a:endParaRPr>
+          </a:p>
+          <a:p>
+            <a:pPr marL="285750" indent="-285750">
+              <a:lnSpc>
+                <a:spcPct val="200000"/>
+              </a:lnSpc>
+              <a:buFont typeface="Wingdings" panose="05000000000000000000" charset="0"/>
+              <a:buChar char=""/>
+            </a:pPr>
+            <a:r>
+              <a:rPr lang="en-US" altLang="en-US" sz="1800">
+                <a:solidFill>
+                  <a:srgbClr val="FFFFFF"/>
+                </a:solidFill>
+              </a:rPr>
+              <a:t>Task 1:</a:t>
+            </a:r>
+            <a:r>
+              <a:rPr lang="en-US" altLang="en-US" sz="1800">
+                <a:solidFill>
+                  <a:srgbClr val="FF0000"/>
+                </a:solidFill>
+              </a:rPr>
+              <a:t> In your Playground, create variables for a made-up character (name, age, home planet, favorite color).</a:t>
+            </a:r>
+            <a:endParaRPr lang="en-US" altLang="en-US" sz="1800">
+              <a:solidFill>
+                <a:srgbClr val="FF0000"/>
+              </a:solidFill>
+            </a:endParaRPr>
+          </a:p>
+          <a:p>
+            <a:pPr marL="285750" indent="-285750">
+              <a:lnSpc>
+                <a:spcPct val="200000"/>
+              </a:lnSpc>
+              <a:buFont typeface="Wingdings" panose="05000000000000000000" charset="0"/>
+              <a:buChar char=""/>
+            </a:pPr>
+            <a:r>
+              <a:rPr lang="en-US" altLang="en-US" sz="1800">
+                <a:solidFill>
+                  <a:srgbClr val="FFFFFF"/>
+                </a:solidFill>
+              </a:rPr>
+              <a:t>Task 2: </a:t>
+            </a:r>
+            <a:r>
+              <a:rPr lang="en-US" altLang="en-US" sz="1800">
+                <a:solidFill>
+                  <a:srgbClr val="FF0000"/>
+                </a:solidFill>
+              </a:rPr>
+              <a:t>Use string interpolation</a:t>
+            </a:r>
+            <a:r>
+              <a:rPr lang="en-US" altLang="en-US" sz="1800">
+                <a:solidFill>
+                  <a:srgbClr val="FFFFFF"/>
+                </a:solidFill>
+              </a:rPr>
+              <a:t> to print a </a:t>
+            </a:r>
+            <a:r>
+              <a:rPr lang="en-US" altLang="en-US" sz="1800">
+                <a:solidFill>
+                  <a:srgbClr val="FF0000"/>
+                </a:solidFill>
+              </a:rPr>
+              <a:t>paragraph describing </a:t>
+            </a:r>
+            <a:r>
+              <a:rPr lang="en-US" altLang="en-US" sz="1800">
+                <a:solidFill>
+                  <a:srgbClr val="FFFFFF"/>
+                </a:solidFill>
+              </a:rPr>
+              <a:t>them.</a:t>
+            </a:r>
+            <a:endParaRPr lang="en-US" altLang="en-US" sz="1800">
+              <a:solidFill>
+                <a:srgbClr val="FFFFFF"/>
+              </a:solidFill>
+            </a:endParaRPr>
+          </a:p>
+          <a:p>
+            <a:pPr marL="285750" indent="-285750">
+              <a:lnSpc>
+                <a:spcPct val="200000"/>
+              </a:lnSpc>
+              <a:buFont typeface="Wingdings" panose="05000000000000000000" charset="0"/>
+              <a:buChar char=""/>
+            </a:pPr>
+            <a:r>
+              <a:rPr lang="en-US" altLang="en-US" sz="1800">
+                <a:solidFill>
+                  <a:srgbClr val="FFFFFF"/>
+                </a:solidFill>
+              </a:rPr>
+              <a:t>Task 3: Use an if statement to check </a:t>
+            </a:r>
+            <a:r>
+              <a:rPr lang="en-US" altLang="en-US" sz="1800">
+                <a:solidFill>
+                  <a:srgbClr val="FF0000"/>
+                </a:solidFill>
+              </a:rPr>
+              <a:t>if their age is over 500</a:t>
+            </a:r>
+            <a:r>
+              <a:rPr lang="en-US" altLang="en-US" sz="1800">
+                <a:solidFill>
+                  <a:srgbClr val="FFFFFF"/>
+                </a:solidFill>
+              </a:rPr>
+              <a:t> and print "This character is ancient!" or "This character is young.".</a:t>
+            </a:r>
+            <a:endParaRPr lang="en-US" altLang="en-US" sz="1800">
+              <a:solidFill>
+                <a:srgbClr val="FFFFFF"/>
+              </a:solidFill>
+            </a:endParaRPr>
+          </a:p>
+          <a:p>
+            <a:pPr marL="285750" indent="-285750">
+              <a:lnSpc>
+                <a:spcPct val="200000"/>
+              </a:lnSpc>
+              <a:buFont typeface="Wingdings" panose="05000000000000000000" charset="0"/>
+              <a:buChar char=""/>
+            </a:pPr>
+            <a:r>
+              <a:rPr lang="en-US" altLang="en-US" sz="1800">
+                <a:solidFill>
+                  <a:srgbClr val="FFFFFF"/>
+                </a:solidFill>
+              </a:rPr>
+              <a:t>Bonus: Use a </a:t>
+            </a:r>
+            <a:r>
+              <a:rPr lang="en-US" altLang="en-US" sz="1800">
+                <a:solidFill>
+                  <a:srgbClr val="FF0000"/>
+                </a:solidFill>
+              </a:rPr>
+              <a:t>Bool variable </a:t>
+            </a:r>
+            <a:r>
+              <a:rPr lang="en-US" altLang="en-US" sz="1800" b="1">
+                <a:solidFill>
+                  <a:srgbClr val="FF0000"/>
+                </a:solidFill>
+              </a:rPr>
+              <a:t>isJedi</a:t>
+            </a:r>
+            <a:r>
+              <a:rPr lang="en-US" altLang="en-US" sz="1800">
+                <a:solidFill>
+                  <a:srgbClr val="FFFFFF"/>
+                </a:solidFill>
+              </a:rPr>
+              <a:t> and add to your if statement to print "This character is a powerful Jedi" if they are both ancient and a Jedi.</a:t>
+            </a:r>
+            <a:endParaRPr lang="en-US" altLang="en-US" sz="1800">
+              <a:solidFill>
+                <a:srgbClr val="FFFFFF"/>
+              </a:solidFill>
+            </a:endParaRPr>
+          </a:p>
+        </p:txBody>
+      </p:sp>
+      <p:sp>
+        <p:nvSpPr>
+          <p:cNvPr id="2" name="Text Box 1"/>
+          <p:cNvSpPr txBox="1"/>
+          <p:nvPr/>
+        </p:nvSpPr>
+        <p:spPr>
+          <a:xfrm>
+            <a:off x="911225" y="6247765"/>
+            <a:ext cx="10516870" cy="368300"/>
+          </a:xfrm>
+          <a:prstGeom prst="rect">
+            <a:avLst/>
+          </a:prstGeom>
+        </p:spPr>
+        <p:txBody>
+          <a:bodyPr wrap="square">
+            <a:spAutoFit/>
+          </a:bodyPr>
+          <a:p>
+            <a:pPr marL="0" indent="0"/>
+            <a:r>
+              <a:rPr lang="en-US" altLang="en-US" sz="1800" b="0" i="0">
+                <a:solidFill>
+                  <a:srgbClr val="FF0000"/>
+                </a:solidFill>
+                <a:latin typeface="Microsoft YaHei" charset="0"/>
+                <a:ea typeface="quote-cjk-patch"/>
+                <a:cs typeface="Microsoft YaHei" charset="0"/>
+              </a:rPr>
+              <a:t>** Kindly create GitHub repositories for this assignment and send me the links via email.</a:t>
+            </a:r>
+            <a:endParaRPr lang="en-US" altLang="en-US" sz="1800" b="0" i="0">
+              <a:solidFill>
+                <a:srgbClr val="FF0000"/>
+              </a:solidFill>
+              <a:latin typeface="Microsoft YaHei" charset="0"/>
+              <a:ea typeface="quote-cjk-patch"/>
+              <a:cs typeface="Microsoft YaHei" charset="0"/>
+            </a:endParaRPr>
+          </a:p>
+        </p:txBody>
+      </p:sp>
+    </p:spTree>
+  </p:cSld>
+  <p:clrMapOvr>
+    <a:masterClrMapping/>
+  </p:clrMapOvr>
+  <p:transition spd="slow">
+    <p:wipe/>
+  </p:transition>
+</p:sld>
+</file>
+
+<file path=ppt/slides/slide16.xml><?xml version="1.0" encoding="utf-8"?>
 <p:sld xmlns:a="http://schemas.openxmlformats.org/drawingml/2006/main" xmlns:r="http://schemas.openxmlformats.org/officeDocument/2006/relationships" xmlns:p="http://schemas.openxmlformats.org/presentationml/2006/main">
   <p:cSld>
     <p:bg>
@@ -8140,7 +8779,7 @@
                 <a:ea typeface="quote-cjk-patch"/>
                 <a:cs typeface="Microsoft YaHei" charset="0"/>
               </a:rPr>
-              <a:t>What is Xcode?</a:t>
+              <a:t>Prerequisites:</a:t>
             </a:r>
             <a:endParaRPr lang="en-US" altLang="en-US" sz="2400" b="0" i="0">
               <a:solidFill>
@@ -8161,8 +8800,8 @@
         </p:nvSpPr>
         <p:spPr>
           <a:xfrm>
-            <a:off x="989330" y="1328420"/>
-            <a:ext cx="5792470" cy="5528945"/>
+            <a:off x="1057910" y="1328420"/>
+            <a:ext cx="5514340" cy="3800475"/>
           </a:xfrm>
           <a:prstGeom prst="rect">
             <a:avLst/>
@@ -8173,7 +8812,7 @@
             <a:noAutofit/>
           </a:bodyPr>
           <a:p>
-            <a:pPr marL="285750" indent="-285750">
+            <a:pPr marL="342900" indent="-342900">
               <a:lnSpc>
                 <a:spcPct val="200000"/>
               </a:lnSpc>
@@ -8183,8 +8822,8 @@
               <a:spcAft>
                 <a:spcPct val="0"/>
               </a:spcAft>
-              <a:buFont typeface="Wingdings" panose="05000000000000000000" charset="0"/>
-              <a:buChar char=""/>
+              <a:buFont typeface="+mj-lt"/>
+              <a:buAutoNum type="arabicPeriod"/>
             </a:pPr>
             <a:r>
               <a:rPr lang="en-US" altLang="en-US" sz="1600" b="0" i="0">
@@ -8194,7 +8833,7 @@
                 <a:latin typeface="quote-cjk-patch"/>
                 <a:ea typeface="quote-cjk-patch"/>
               </a:rPr>
-              <a:t>Xcode is... Apple's Integrated Development Environment (IDE).</a:t>
+              <a:t>Basic programming knowledge:</a:t>
             </a:r>
             <a:endParaRPr lang="en-US" altLang="en-US" sz="1600" b="0" i="0">
               <a:solidFill>
@@ -8205,7 +8844,7 @@
             </a:endParaRPr>
           </a:p>
           <a:p>
-            <a:pPr marL="285750" indent="-285750">
+            <a:pPr marL="342900" indent="-342900">
               <a:lnSpc>
                 <a:spcPct val="200000"/>
               </a:lnSpc>
@@ -8215,8 +8854,8 @@
               <a:spcAft>
                 <a:spcPct val="0"/>
               </a:spcAft>
-              <a:buFont typeface="Wingdings" panose="05000000000000000000" charset="0"/>
-              <a:buChar char=""/>
+              <a:buFont typeface="+mj-lt"/>
+              <a:buAutoNum type="arabicPeriod"/>
             </a:pPr>
             <a:r>
               <a:rPr lang="en-US" altLang="en-US" sz="1600" b="0" i="0">
@@ -8226,7 +8865,7 @@
                 <a:latin typeface="quote-cjk-patch"/>
                 <a:ea typeface="quote-cjk-patch"/>
               </a:rPr>
-              <a:t>It's your workshop: Everything you need to build apps for Apple platforms (iPhone, iPad, Mac, Apple Watch, Apple TV).</a:t>
+              <a:t> MacOS computer for Xcode development</a:t>
             </a:r>
             <a:endParaRPr lang="en-US" altLang="en-US" sz="1600" b="0" i="0">
               <a:solidFill>
@@ -8237,9 +8876,9 @@
             </a:endParaRPr>
           </a:p>
           <a:p>
-            <a:pPr marL="285750" indent="-285750">
+            <a:pPr marL="342900" indent="-342900">
               <a:lnSpc>
-                <a:spcPts val="2860"/>
+                <a:spcPct val="200000"/>
               </a:lnSpc>
               <a:spcBef>
                 <a:spcPct val="0"/>
@@ -8247,8 +8886,8 @@
               <a:spcAft>
                 <a:spcPct val="0"/>
               </a:spcAft>
-              <a:buFont typeface="Wingdings" panose="05000000000000000000" charset="0"/>
-              <a:buChar char=""/>
+              <a:buFont typeface="+mj-lt"/>
+              <a:buAutoNum type="arabicPeriod"/>
             </a:pPr>
             <a:r>
               <a:rPr lang="en-US" altLang="en-US" sz="1600" b="0" i="0">
@@ -8258,7 +8897,7 @@
                 <a:latin typeface="quote-cjk-patch"/>
                 <a:ea typeface="quote-cjk-patch"/>
               </a:rPr>
-              <a:t>It includes:</a:t>
+              <a:t> iPhone or iPad for testing (simulator available)</a:t>
             </a:r>
             <a:endParaRPr lang="en-US" altLang="en-US" sz="1600" b="0" i="0">
               <a:solidFill>
@@ -8269,9 +8908,9 @@
             </a:endParaRPr>
           </a:p>
           <a:p>
-            <a:pPr marL="742950" lvl="1" indent="-285750">
+            <a:pPr marL="342900" indent="-342900">
               <a:lnSpc>
-                <a:spcPts val="2860"/>
+                <a:spcPct val="200000"/>
               </a:lnSpc>
               <a:spcBef>
                 <a:spcPct val="0"/>
@@ -8279,8 +8918,8 @@
               <a:spcAft>
                 <a:spcPct val="0"/>
               </a:spcAft>
-              <a:buFont typeface="Wingdings" panose="05000000000000000000" charset="0"/>
-              <a:buChar char=""/>
+              <a:buFont typeface="+mj-lt"/>
+              <a:buAutoNum type="arabicPeriod"/>
             </a:pPr>
             <a:r>
               <a:rPr lang="en-US" altLang="en-US" sz="1600" b="0" i="0">
@@ -8290,135 +8929,7 @@
                 <a:latin typeface="quote-cjk-patch"/>
                 <a:ea typeface="quote-cjk-patch"/>
               </a:rPr>
-              <a:t>A code editor</a:t>
-            </a:r>
-            <a:endParaRPr lang="en-US" altLang="en-US" sz="1600" b="0" i="0">
-              <a:solidFill>
-                <a:srgbClr val="F8FAFF"/>
-              </a:solidFill>
-              <a:latin typeface="quote-cjk-patch"/>
-              <a:ea typeface="quote-cjk-patch"/>
-            </a:endParaRPr>
-          </a:p>
-          <a:p>
-            <a:pPr marL="742950" lvl="1" indent="-285750">
-              <a:lnSpc>
-                <a:spcPts val="2860"/>
-              </a:lnSpc>
-              <a:spcBef>
-                <a:spcPct val="0"/>
-              </a:spcBef>
-              <a:spcAft>
-                <a:spcPct val="0"/>
-              </a:spcAft>
-              <a:buFont typeface="Wingdings" panose="05000000000000000000" charset="0"/>
-              <a:buChar char=""/>
-            </a:pPr>
-            <a:r>
-              <a:rPr lang="en-US" altLang="en-US" sz="1600" b="0" i="0">
-                <a:solidFill>
-                  <a:srgbClr val="F8FAFF"/>
-                </a:solidFill>
-                <a:latin typeface="quote-cjk-patch"/>
-                <a:ea typeface="quote-cjk-patch"/>
-              </a:rPr>
-              <a:t>A visual UI editor (Storyboards &amp; SwiftUI Canvas)</a:t>
-            </a:r>
-            <a:endParaRPr lang="en-US" altLang="en-US" sz="1600" b="0" i="0">
-              <a:solidFill>
-                <a:srgbClr val="F8FAFF"/>
-              </a:solidFill>
-              <a:latin typeface="quote-cjk-patch"/>
-              <a:ea typeface="quote-cjk-patch"/>
-            </a:endParaRPr>
-          </a:p>
-          <a:p>
-            <a:pPr marL="742950" lvl="1" indent="-285750">
-              <a:lnSpc>
-                <a:spcPts val="2860"/>
-              </a:lnSpc>
-              <a:spcBef>
-                <a:spcPct val="0"/>
-              </a:spcBef>
-              <a:spcAft>
-                <a:spcPct val="0"/>
-              </a:spcAft>
-              <a:buFont typeface="Wingdings" panose="05000000000000000000" charset="0"/>
-              <a:buChar char=""/>
-            </a:pPr>
-            <a:r>
-              <a:rPr lang="en-US" altLang="en-US" sz="1600" b="0" i="0">
-                <a:solidFill>
-                  <a:srgbClr val="F8FAFF"/>
-                </a:solidFill>
-                <a:latin typeface="quote-cjk-patch"/>
-                <a:ea typeface="quote-cjk-patch"/>
-              </a:rPr>
-              <a:t>A debugger</a:t>
-            </a:r>
-            <a:endParaRPr lang="en-US" altLang="en-US" sz="1600" b="0" i="0">
-              <a:solidFill>
-                <a:srgbClr val="F8FAFF"/>
-              </a:solidFill>
-              <a:latin typeface="quote-cjk-patch"/>
-              <a:ea typeface="quote-cjk-patch"/>
-            </a:endParaRPr>
-          </a:p>
-          <a:p>
-            <a:pPr marL="742950" lvl="1" indent="-285750">
-              <a:lnSpc>
-                <a:spcPts val="2860"/>
-              </a:lnSpc>
-              <a:spcBef>
-                <a:spcPct val="0"/>
-              </a:spcBef>
-              <a:spcAft>
-                <a:spcPct val="0"/>
-              </a:spcAft>
-              <a:buFont typeface="Wingdings" panose="05000000000000000000" charset="0"/>
-              <a:buChar char=""/>
-            </a:pPr>
-            <a:r>
-              <a:rPr lang="en-US" altLang="en-US" sz="1600" b="0" i="0">
-                <a:solidFill>
-                  <a:srgbClr val="F8FAFF"/>
-                </a:solidFill>
-                <a:latin typeface="quote-cjk-patch"/>
-                <a:ea typeface="quote-cjk-patch"/>
-              </a:rPr>
-              <a:t>The iOS Simulator</a:t>
-            </a:r>
-            <a:endParaRPr lang="en-US" altLang="en-US" sz="1600" b="0" i="0">
-              <a:solidFill>
-                <a:srgbClr val="F8FAFF"/>
-              </a:solidFill>
-              <a:latin typeface="quote-cjk-patch"/>
-              <a:ea typeface="quote-cjk-patch"/>
-            </a:endParaRPr>
-          </a:p>
-          <a:p>
-            <a:pPr marL="742950" lvl="1" indent="-285750">
-              <a:lnSpc>
-                <a:spcPts val="2860"/>
-              </a:lnSpc>
-              <a:spcBef>
-                <a:spcPct val="0"/>
-              </a:spcBef>
-              <a:spcAft>
-                <a:spcPct val="0"/>
-              </a:spcAft>
-              <a:buFont typeface="Wingdings" panose="05000000000000000000" charset="0"/>
-              <a:buChar char=""/>
-            </a:pPr>
-            <a:r>
-              <a:rPr lang="en-US" altLang="en-US" sz="1600" b="0" i="0">
-                <a:solidFill>
-                  <a:srgbClr val="F8FAFF"/>
-                </a:solidFill>
-                <a:latin typeface="quote-cjk-patch"/>
-                <a:ea typeface="quote-cjk-patch"/>
-              </a:rPr>
-              <a:t>And much more!</a:t>
+              <a:t> Having an Apple ID is recommended.</a:t>
             </a:r>
             <a:endParaRPr lang="en-US" altLang="en-US" sz="1600" b="0" i="0">
               <a:solidFill>
@@ -8433,21 +8944,20 @@
       <p:pic>
         <p:nvPicPr>
           <p:cNvPr id="2" name="Picture 1"/>
-          <p:cNvPicPr>
-            <a:picLocks noChangeAspect="1"/>
-          </p:cNvPicPr>
+          <p:cNvPicPr/>
           <p:nvPr/>
         </p:nvPicPr>
         <p:blipFill>
-          <a:blip r:embed="rId3"/>
+          <a:blip r:embed="rId1"/>
+          <a:srcRect l="6453" t="15265" r="6334" b="10932"/>
           <a:stretch>
             <a:fillRect/>
           </a:stretch>
         </p:blipFill>
         <p:spPr>
           <a:xfrm>
-            <a:off x="6781800" y="1647190"/>
-            <a:ext cx="5300345" cy="3309620"/>
+            <a:off x="6572250" y="1263650"/>
+            <a:ext cx="4848225" cy="3827145"/>
           </a:xfrm>
           <a:prstGeom prst="rect">
             <a:avLst/>
@@ -8544,7 +9054,7 @@
                 <a:ea typeface="quote-cjk-patch"/>
                 <a:cs typeface="Microsoft YaHei" charset="0"/>
               </a:rPr>
-              <a:t>Create Your First Playground</a:t>
+              <a:t>What is Xcode?</a:t>
             </a:r>
             <a:endParaRPr lang="en-US" altLang="en-US" sz="2400" b="0" i="0">
               <a:solidFill>
@@ -8565,7 +9075,7 @@
         </p:nvSpPr>
         <p:spPr>
           <a:xfrm>
-            <a:off x="912495" y="1263650"/>
+            <a:off x="989330" y="1328420"/>
             <a:ext cx="5792470" cy="5528945"/>
           </a:xfrm>
           <a:prstGeom prst="rect">
@@ -8598,7 +9108,7 @@
                 <a:latin typeface="quote-cjk-patch"/>
                 <a:ea typeface="quote-cjk-patch"/>
               </a:rPr>
-              <a:t>Playgrounds are perfect for learning Swift.</a:t>
+              <a:t>Xcode is... Apple's Integrated Development Environment (IDE).</a:t>
             </a:r>
             <a:endParaRPr lang="en-US" altLang="en-US" sz="1600" b="0" i="0">
               <a:solidFill>
@@ -8630,7 +9140,7 @@
                 <a:latin typeface="quote-cjk-patch"/>
                 <a:ea typeface="quote-cjk-patch"/>
               </a:rPr>
-              <a:t>They let you write code and see the results immediately, without building a full app.</a:t>
+              <a:t>It's your workshop: Everything you need to build apps for Apple platforms (iPhone, iPad, Mac, Apple Watch, Apple TV).</a:t>
             </a:r>
             <a:endParaRPr lang="en-US" altLang="en-US" sz="1600" b="0" i="0">
               <a:solidFill>
@@ -8643,7 +9153,7 @@
           <a:p>
             <a:pPr marL="285750" indent="-285750">
               <a:lnSpc>
-                <a:spcPct val="200000"/>
+                <a:spcPts val="2860"/>
               </a:lnSpc>
               <a:spcBef>
                 <a:spcPct val="0"/>
@@ -8662,7 +9172,7 @@
                 <a:latin typeface="quote-cjk-patch"/>
                 <a:ea typeface="quote-cjk-patch"/>
               </a:rPr>
-              <a:t>Let's open Xcode:</a:t>
+              <a:t>It includes:</a:t>
             </a:r>
             <a:endParaRPr lang="en-US" altLang="en-US" sz="1600" b="0" i="0">
               <a:solidFill>
@@ -8675,7 +9185,7 @@
           <a:p>
             <a:pPr marL="742950" lvl="1" indent="-285750">
               <a:lnSpc>
-                <a:spcPct val="200000"/>
+                <a:spcPts val="2860"/>
               </a:lnSpc>
               <a:spcBef>
                 <a:spcPct val="0"/>
@@ -8694,7 +9204,7 @@
                 <a:latin typeface="quote-cjk-patch"/>
                 <a:ea typeface="quote-cjk-patch"/>
               </a:rPr>
-              <a:t>"Get started with a playground"</a:t>
+              <a:t>A code editor</a:t>
             </a:r>
             <a:endParaRPr lang="en-US" altLang="en-US" sz="1600" b="0" i="0">
               <a:solidFill>
@@ -8707,7 +9217,7 @@
           <a:p>
             <a:pPr marL="742950" lvl="1" indent="-285750">
               <a:lnSpc>
-                <a:spcPct val="200000"/>
+                <a:spcPts val="2860"/>
               </a:lnSpc>
               <a:spcBef>
                 <a:spcPct val="0"/>
@@ -8726,7 +9236,7 @@
                 <a:latin typeface="quote-cjk-patch"/>
                 <a:ea typeface="quote-cjk-patch"/>
               </a:rPr>
-              <a:t>Choose "iOS" -&gt; "Blank" template.</a:t>
+              <a:t>A visual UI editor (Storyboards &amp; SwiftUI Canvas)</a:t>
             </a:r>
             <a:endParaRPr lang="en-US" altLang="en-US" sz="1600" b="0" i="0">
               <a:solidFill>
@@ -8739,7 +9249,7 @@
           <a:p>
             <a:pPr marL="742950" lvl="1" indent="-285750">
               <a:lnSpc>
-                <a:spcPct val="200000"/>
+                <a:spcPts val="2860"/>
               </a:lnSpc>
               <a:spcBef>
                 <a:spcPct val="0"/>
@@ -8758,7 +9268,71 @@
                 <a:latin typeface="quote-cjk-patch"/>
                 <a:ea typeface="quote-cjk-patch"/>
               </a:rPr>
-              <a:t>Name it "Week1.playground".</a:t>
+              <a:t>A debugger</a:t>
+            </a:r>
+            <a:endParaRPr lang="en-US" altLang="en-US" sz="1600" b="0" i="0">
+              <a:solidFill>
+                <a:srgbClr val="F8FAFF"/>
+              </a:solidFill>
+              <a:latin typeface="quote-cjk-patch"/>
+              <a:ea typeface="quote-cjk-patch"/>
+            </a:endParaRPr>
+          </a:p>
+          <a:p>
+            <a:pPr marL="742950" lvl="1" indent="-285750">
+              <a:lnSpc>
+                <a:spcPts val="2860"/>
+              </a:lnSpc>
+              <a:spcBef>
+                <a:spcPct val="0"/>
+              </a:spcBef>
+              <a:spcAft>
+                <a:spcPct val="0"/>
+              </a:spcAft>
+              <a:buFont typeface="Wingdings" panose="05000000000000000000" charset="0"/>
+              <a:buChar char=""/>
+            </a:pPr>
+            <a:r>
+              <a:rPr lang="en-US" altLang="en-US" sz="1600" b="0" i="0">
+                <a:solidFill>
+                  <a:srgbClr val="F8FAFF"/>
+                </a:solidFill>
+                <a:latin typeface="quote-cjk-patch"/>
+                <a:ea typeface="quote-cjk-patch"/>
+              </a:rPr>
+              <a:t>The iOS Simulator</a:t>
+            </a:r>
+            <a:endParaRPr lang="en-US" altLang="en-US" sz="1600" b="0" i="0">
+              <a:solidFill>
+                <a:srgbClr val="F8FAFF"/>
+              </a:solidFill>
+              <a:latin typeface="quote-cjk-patch"/>
+              <a:ea typeface="quote-cjk-patch"/>
+            </a:endParaRPr>
+          </a:p>
+          <a:p>
+            <a:pPr marL="742950" lvl="1" indent="-285750">
+              <a:lnSpc>
+                <a:spcPts val="2860"/>
+              </a:lnSpc>
+              <a:spcBef>
+                <a:spcPct val="0"/>
+              </a:spcBef>
+              <a:spcAft>
+                <a:spcPct val="0"/>
+              </a:spcAft>
+              <a:buFont typeface="Wingdings" panose="05000000000000000000" charset="0"/>
+              <a:buChar char=""/>
+            </a:pPr>
+            <a:r>
+              <a:rPr lang="en-US" altLang="en-US" sz="1600" b="0" i="0">
+                <a:solidFill>
+                  <a:srgbClr val="F8FAFF"/>
+                </a:solidFill>
+                <a:latin typeface="quote-cjk-patch"/>
+                <a:ea typeface="quote-cjk-patch"/>
+              </a:rPr>
+              <a:t>And much more!</a:t>
             </a:r>
             <a:endParaRPr lang="en-US" altLang="en-US" sz="1600" b="0" i="0">
               <a:solidFill>
@@ -8772,7 +9346,7 @@
       </p:sp>
       <p:pic>
         <p:nvPicPr>
-          <p:cNvPr id="3" name="Picture 2"/>
+          <p:cNvPr id="2" name="Picture 1"/>
           <p:cNvPicPr>
             <a:picLocks noChangeAspect="1"/>
           </p:cNvPicPr>
@@ -8786,104 +9360,14 @@
         </p:blipFill>
         <p:spPr>
           <a:xfrm>
-            <a:off x="5781040" y="1263650"/>
-            <a:ext cx="6273165" cy="4084955"/>
+            <a:off x="6781800" y="1647190"/>
+            <a:ext cx="5300345" cy="3309620"/>
           </a:xfrm>
           <a:prstGeom prst="rect">
             <a:avLst/>
           </a:prstGeom>
         </p:spPr>
       </p:pic>
-      <p:sp>
-        <p:nvSpPr>
-          <p:cNvPr id="7" name="Rectangles 6"/>
-          <p:cNvSpPr/>
-          <p:nvPr/>
-        </p:nvSpPr>
-        <p:spPr>
-          <a:xfrm>
-            <a:off x="6282690" y="1424940"/>
-            <a:ext cx="2218055" cy="292100"/>
-          </a:xfrm>
-          <a:prstGeom prst="rect">
-            <a:avLst/>
-          </a:prstGeom>
-          <a:noFill/>
-          <a:ln>
-            <a:solidFill>
-              <a:srgbClr val="FF0000"/>
-            </a:solidFill>
-          </a:ln>
-        </p:spPr>
-        <p:style>
-          <a:lnRef idx="2">
-            <a:schemeClr val="accent1">
-              <a:lumMod val="75000"/>
-            </a:schemeClr>
-          </a:lnRef>
-          <a:fillRef idx="1">
-            <a:schemeClr val="accent1"/>
-          </a:fillRef>
-          <a:effectRef idx="0">
-            <a:srgbClr val="FFFFFF"/>
-          </a:effectRef>
-          <a:fontRef idx="minor">
-            <a:schemeClr val="lt1"/>
-          </a:fontRef>
-        </p:style>
-        <p:txBody>
-          <a:bodyPr rtlCol="0" anchor="ctr"/>
-          <a:p>
-            <a:pPr algn="ctr"/>
-            <a:endParaRPr lang="en-US"/>
-          </a:p>
-        </p:txBody>
-      </p:sp>
-      <p:sp>
-        <p:nvSpPr>
-          <p:cNvPr id="8" name="Rectangles 7"/>
-          <p:cNvSpPr/>
-          <p:nvPr/>
-        </p:nvSpPr>
-        <p:spPr>
-          <a:xfrm>
-            <a:off x="8544560" y="2925445"/>
-            <a:ext cx="1851660" cy="292100"/>
-          </a:xfrm>
-          <a:prstGeom prst="rect">
-            <a:avLst/>
-          </a:prstGeom>
-          <a:noFill/>
-          <a:ln>
-            <a:solidFill>
-              <a:srgbClr val="FF0000"/>
-            </a:solidFill>
-          </a:ln>
-        </p:spPr>
-        <p:style>
-          <a:lnRef idx="2">
-            <a:schemeClr val="accent1">
-              <a:lumMod val="75000"/>
-            </a:schemeClr>
-          </a:lnRef>
-          <a:fillRef idx="1">
-            <a:schemeClr val="accent1"/>
-          </a:fillRef>
-          <a:effectRef idx="0">
-            <a:srgbClr val="FFFFFF"/>
-          </a:effectRef>
-          <a:fontRef idx="minor">
-            <a:schemeClr val="lt1"/>
-          </a:fontRef>
-        </p:style>
-        <p:txBody>
-          <a:bodyPr rtlCol="0" anchor="ctr"/>
-          <a:p>
-            <a:pPr algn="ctr"/>
-            <a:endParaRPr lang="en-US"/>
-          </a:p>
-        </p:txBody>
-      </p:sp>
     </p:spTree>
   </p:cSld>
   <p:clrMapOvr>
@@ -8952,15 +9436,15 @@
         </p:nvSpPr>
         <p:spPr>
           <a:xfrm>
-            <a:off x="989330" y="803275"/>
-            <a:ext cx="6060440" cy="460375"/>
+            <a:off x="989330" y="802958"/>
+            <a:ext cx="5080000" cy="460375"/>
           </a:xfrm>
           <a:prstGeom prst="rect">
             <a:avLst/>
           </a:prstGeom>
         </p:spPr>
         <p:txBody>
-          <a:bodyPr wrap="square">
+          <a:bodyPr>
             <a:spAutoFit/>
           </a:bodyPr>
           <a:p>
@@ -8974,7 +9458,7 @@
                 <a:ea typeface="quote-cjk-patch"/>
                 <a:cs typeface="Microsoft YaHei" charset="0"/>
               </a:rPr>
-              <a:t> The Playground Interface - Live Demo</a:t>
+              <a:t>Create Your First Playground</a:t>
             </a:r>
             <a:endParaRPr lang="en-US" altLang="en-US" sz="2400" b="0" i="0">
               <a:solidFill>
@@ -8983,13 +9467,226 @@
               <a:latin typeface="Microsoft YaHei" charset="0"/>
               <a:ea typeface="quote-cjk-patch"/>
               <a:cs typeface="Microsoft YaHei" charset="0"/>
+            </a:endParaRPr>
+          </a:p>
+        </p:txBody>
+      </p:sp>
+      <p:sp>
+        <p:nvSpPr>
+          <p:cNvPr id="13" name="Text Box 12"/>
+          <p:cNvSpPr txBox="1"/>
+          <p:nvPr/>
+        </p:nvSpPr>
+        <p:spPr>
+          <a:xfrm>
+            <a:off x="912495" y="1263650"/>
+            <a:ext cx="5792470" cy="5528945"/>
+          </a:xfrm>
+          <a:prstGeom prst="rect">
+            <a:avLst/>
+          </a:prstGeom>
+        </p:spPr>
+        <p:txBody>
+          <a:bodyPr>
+            <a:noAutofit/>
+          </a:bodyPr>
+          <a:p>
+            <a:pPr marL="285750" indent="-285750">
+              <a:lnSpc>
+                <a:spcPct val="200000"/>
+              </a:lnSpc>
+              <a:spcBef>
+                <a:spcPct val="0"/>
+              </a:spcBef>
+              <a:spcAft>
+                <a:spcPct val="0"/>
+              </a:spcAft>
+              <a:buFont typeface="Wingdings" panose="05000000000000000000" charset="0"/>
+              <a:buChar char=""/>
+            </a:pPr>
+            <a:r>
+              <a:rPr lang="en-US" altLang="en-US" sz="1600" b="0" i="0">
+                <a:solidFill>
+                  <a:srgbClr val="F8FAFF"/>
+                </a:solidFill>
+                <a:latin typeface="quote-cjk-patch"/>
+                <a:ea typeface="quote-cjk-patch"/>
+              </a:rPr>
+              <a:t>Playgrounds are perfect for learning Swift.</a:t>
+            </a:r>
+            <a:endParaRPr lang="en-US" altLang="en-US" sz="1600" b="0" i="0">
+              <a:solidFill>
+                <a:srgbClr val="F8FAFF"/>
+              </a:solidFill>
+              <a:latin typeface="quote-cjk-patch"/>
+              <a:ea typeface="quote-cjk-patch"/>
+            </a:endParaRPr>
+          </a:p>
+          <a:p>
+            <a:pPr marL="285750" indent="-285750">
+              <a:lnSpc>
+                <a:spcPct val="200000"/>
+              </a:lnSpc>
+              <a:spcBef>
+                <a:spcPct val="0"/>
+              </a:spcBef>
+              <a:spcAft>
+                <a:spcPct val="0"/>
+              </a:spcAft>
+              <a:buFont typeface="Wingdings" panose="05000000000000000000" charset="0"/>
+              <a:buChar char=""/>
+            </a:pPr>
+            <a:r>
+              <a:rPr lang="en-US" altLang="en-US" sz="1600" b="0" i="0">
+                <a:solidFill>
+                  <a:srgbClr val="F8FAFF"/>
+                </a:solidFill>
+                <a:latin typeface="quote-cjk-patch"/>
+                <a:ea typeface="quote-cjk-patch"/>
+              </a:rPr>
+              <a:t>They let you write code and see the results immediately, without building a full app.</a:t>
+            </a:r>
+            <a:endParaRPr lang="en-US" altLang="en-US" sz="1600" b="0" i="0">
+              <a:solidFill>
+                <a:srgbClr val="F8FAFF"/>
+              </a:solidFill>
+              <a:latin typeface="quote-cjk-patch"/>
+              <a:ea typeface="quote-cjk-patch"/>
+            </a:endParaRPr>
+          </a:p>
+          <a:p>
+            <a:pPr marL="285750" indent="-285750">
+              <a:lnSpc>
+                <a:spcPct val="200000"/>
+              </a:lnSpc>
+              <a:spcBef>
+                <a:spcPct val="0"/>
+              </a:spcBef>
+              <a:spcAft>
+                <a:spcPct val="0"/>
+              </a:spcAft>
+              <a:buFont typeface="Wingdings" panose="05000000000000000000" charset="0"/>
+              <a:buChar char=""/>
+            </a:pPr>
+            <a:r>
+              <a:rPr lang="en-US" altLang="en-US" sz="1600" b="0" i="0">
+                <a:solidFill>
+                  <a:srgbClr val="F8FAFF"/>
+                </a:solidFill>
+                <a:latin typeface="quote-cjk-patch"/>
+                <a:ea typeface="quote-cjk-patch"/>
+              </a:rPr>
+              <a:t>Let's open Xcode:</a:t>
+            </a:r>
+            <a:endParaRPr lang="en-US" altLang="en-US" sz="1600" b="0" i="0">
+              <a:solidFill>
+                <a:srgbClr val="F8FAFF"/>
+              </a:solidFill>
+              <a:latin typeface="quote-cjk-patch"/>
+              <a:ea typeface="quote-cjk-patch"/>
+            </a:endParaRPr>
+          </a:p>
+          <a:p>
+            <a:pPr marL="742950" lvl="1" indent="-285750">
+              <a:lnSpc>
+                <a:spcPct val="200000"/>
+              </a:lnSpc>
+              <a:spcBef>
+                <a:spcPct val="0"/>
+              </a:spcBef>
+              <a:spcAft>
+                <a:spcPct val="0"/>
+              </a:spcAft>
+              <a:buFont typeface="Wingdings" panose="05000000000000000000" charset="0"/>
+              <a:buChar char=""/>
+            </a:pPr>
+            <a:r>
+              <a:rPr lang="en-US" altLang="en-US" sz="1600" b="0" i="0">
+                <a:solidFill>
+                  <a:srgbClr val="F8FAFF"/>
+                </a:solidFill>
+                <a:latin typeface="quote-cjk-patch"/>
+                <a:ea typeface="quote-cjk-patch"/>
+              </a:rPr>
+              <a:t>"Get started with a playground"</a:t>
+            </a:r>
+            <a:endParaRPr lang="en-US" altLang="en-US" sz="1600" b="0" i="0">
+              <a:solidFill>
+                <a:srgbClr val="F8FAFF"/>
+              </a:solidFill>
+              <a:latin typeface="quote-cjk-patch"/>
+              <a:ea typeface="quote-cjk-patch"/>
+            </a:endParaRPr>
+          </a:p>
+          <a:p>
+            <a:pPr marL="742950" lvl="1" indent="-285750">
+              <a:lnSpc>
+                <a:spcPct val="200000"/>
+              </a:lnSpc>
+              <a:spcBef>
+                <a:spcPct val="0"/>
+              </a:spcBef>
+              <a:spcAft>
+                <a:spcPct val="0"/>
+              </a:spcAft>
+              <a:buFont typeface="Wingdings" panose="05000000000000000000" charset="0"/>
+              <a:buChar char=""/>
+            </a:pPr>
+            <a:r>
+              <a:rPr lang="en-US" altLang="en-US" sz="1600" b="0" i="0">
+                <a:solidFill>
+                  <a:srgbClr val="F8FAFF"/>
+                </a:solidFill>
+                <a:latin typeface="quote-cjk-patch"/>
+                <a:ea typeface="quote-cjk-patch"/>
+              </a:rPr>
+              <a:t>Choose "iOS" -&gt; "Blank" template.</a:t>
+            </a:r>
+            <a:endParaRPr lang="en-US" altLang="en-US" sz="1600" b="0" i="0">
+              <a:solidFill>
+                <a:srgbClr val="F8FAFF"/>
+              </a:solidFill>
+              <a:latin typeface="quote-cjk-patch"/>
+              <a:ea typeface="quote-cjk-patch"/>
+            </a:endParaRPr>
+          </a:p>
+          <a:p>
+            <a:pPr marL="742950" lvl="1" indent="-285750">
+              <a:lnSpc>
+                <a:spcPct val="200000"/>
+              </a:lnSpc>
+              <a:spcBef>
+                <a:spcPct val="0"/>
+              </a:spcBef>
+              <a:spcAft>
+                <a:spcPct val="0"/>
+              </a:spcAft>
+              <a:buFont typeface="Wingdings" panose="05000000000000000000" charset="0"/>
+              <a:buChar char=""/>
+            </a:pPr>
+            <a:r>
+              <a:rPr lang="en-US" altLang="en-US" sz="1600" b="0" i="0">
+                <a:solidFill>
+                  <a:srgbClr val="F8FAFF"/>
+                </a:solidFill>
+                <a:latin typeface="quote-cjk-patch"/>
+                <a:ea typeface="quote-cjk-patch"/>
+              </a:rPr>
+              <a:t>Name it "Week01.playground".</a:t>
+            </a:r>
+            <a:endParaRPr lang="en-US" altLang="en-US" sz="1600" b="0" i="0">
+              <a:solidFill>
+                <a:srgbClr val="F8FAFF"/>
+              </a:solidFill>
+              <a:latin typeface="quote-cjk-patch"/>
+              <a:ea typeface="quote-cjk-patch"/>
             </a:endParaRPr>
           </a:p>
         </p:txBody>
       </p:sp>
       <p:pic>
         <p:nvPicPr>
-          <p:cNvPr id="2" name="Picture 1"/>
+          <p:cNvPr id="3" name="Picture 2"/>
           <p:cNvPicPr>
             <a:picLocks noChangeAspect="1"/>
           </p:cNvPicPr>
@@ -9003,8 +9700,8 @@
         </p:blipFill>
         <p:spPr>
           <a:xfrm>
-            <a:off x="5750560" y="1878330"/>
-            <a:ext cx="6441440" cy="2246630"/>
+            <a:off x="5781040" y="1263650"/>
+            <a:ext cx="6273165" cy="4084955"/>
           </a:xfrm>
           <a:prstGeom prst="rect">
             <a:avLst/>
@@ -9013,163 +9710,14 @@
       </p:pic>
       <p:sp>
         <p:nvSpPr>
-          <p:cNvPr id="13" name="Text Box 12"/>
-          <p:cNvSpPr txBox="1"/>
-          <p:nvPr/>
-        </p:nvSpPr>
-        <p:spPr>
-          <a:xfrm>
-            <a:off x="912495" y="1263650"/>
-            <a:ext cx="4869180" cy="5528945"/>
-          </a:xfrm>
-          <a:prstGeom prst="rect">
-            <a:avLst/>
-          </a:prstGeom>
-        </p:spPr>
-        <p:txBody>
-          <a:bodyPr>
-            <a:noAutofit/>
-          </a:bodyPr>
-          <a:p>
-            <a:pPr marL="285750" indent="-285750">
-              <a:lnSpc>
-                <a:spcPct val="200000"/>
-              </a:lnSpc>
-              <a:spcBef>
-                <a:spcPct val="0"/>
-              </a:spcBef>
-              <a:spcAft>
-                <a:spcPct val="0"/>
-              </a:spcAft>
-              <a:buFont typeface="Wingdings" panose="05000000000000000000" charset="0"/>
-              <a:buChar char=""/>
-            </a:pPr>
-            <a:r>
-              <a:rPr lang="en-US" altLang="en-US" sz="1600" b="0" i="0">
-                <a:solidFill>
-                  <a:srgbClr val="F8FAFF"/>
-                </a:solidFill>
-                <a:latin typeface="quote-cjk-patch"/>
-                <a:ea typeface="quote-cjk-patch"/>
-              </a:rPr>
-              <a:t>Code Editor (Left): Where you write your Swift code.</a:t>
-            </a:r>
-            <a:endParaRPr lang="en-US" altLang="en-US" sz="1600" b="0" i="0">
-              <a:solidFill>
-                <a:srgbClr val="F8FAFF"/>
-              </a:solidFill>
-              <a:latin typeface="quote-cjk-patch"/>
-              <a:ea typeface="quote-cjk-patch"/>
-            </a:endParaRPr>
-          </a:p>
-          <a:p>
-            <a:pPr marL="285750" indent="-285750">
-              <a:lnSpc>
-                <a:spcPct val="200000"/>
-              </a:lnSpc>
-              <a:spcBef>
-                <a:spcPct val="0"/>
-              </a:spcBef>
-              <a:spcAft>
-                <a:spcPct val="0"/>
-              </a:spcAft>
-              <a:buFont typeface="Wingdings" panose="05000000000000000000" charset="0"/>
-              <a:buChar char=""/>
-            </a:pPr>
-            <a:r>
-              <a:rPr lang="en-US" altLang="en-US" sz="1600" b="0" i="0">
-                <a:solidFill>
-                  <a:srgbClr val="F8FAFF"/>
-                </a:solidFill>
-                <a:latin typeface="quote-cjk-patch"/>
-                <a:ea typeface="quote-cjk-patch"/>
-              </a:rPr>
-              <a:t>Results Sidebar (Right): Shows the output of each line of code.</a:t>
-            </a:r>
-            <a:endParaRPr lang="en-US" altLang="en-US" sz="1600" b="0" i="0">
-              <a:solidFill>
-                <a:srgbClr val="F8FAFF"/>
-              </a:solidFill>
-              <a:latin typeface="quote-cjk-patch"/>
-              <a:ea typeface="quote-cjk-patch"/>
-            </a:endParaRPr>
-          </a:p>
-          <a:p>
-            <a:pPr marL="285750" indent="-285750">
-              <a:lnSpc>
-                <a:spcPct val="200000"/>
-              </a:lnSpc>
-              <a:spcBef>
-                <a:spcPct val="0"/>
-              </a:spcBef>
-              <a:spcAft>
-                <a:spcPct val="0"/>
-              </a:spcAft>
-              <a:buFont typeface="Wingdings" panose="05000000000000000000" charset="0"/>
-              <a:buChar char=""/>
-            </a:pPr>
-            <a:r>
-              <a:rPr lang="en-US" altLang="en-US" sz="1600" b="0" i="0">
-                <a:solidFill>
-                  <a:srgbClr val="F8FAFF"/>
-                </a:solidFill>
-                <a:latin typeface="quote-cjk-patch"/>
-                <a:ea typeface="quote-cjk-patch"/>
-              </a:rPr>
-              <a:t>Run Button: Click to execute your code.</a:t>
-            </a:r>
-            <a:endParaRPr lang="en-US" altLang="en-US" sz="1600" b="0" i="0">
-              <a:solidFill>
-                <a:srgbClr val="F8FAFF"/>
-              </a:solidFill>
-              <a:latin typeface="quote-cjk-patch"/>
-              <a:ea typeface="quote-cjk-patch"/>
-            </a:endParaRPr>
-          </a:p>
-          <a:p>
-            <a:pPr marL="285750" indent="-285750">
-              <a:lnSpc>
-                <a:spcPct val="200000"/>
-              </a:lnSpc>
-              <a:spcBef>
-                <a:spcPct val="0"/>
-              </a:spcBef>
-              <a:spcAft>
-                <a:spcPct val="0"/>
-              </a:spcAft>
-              <a:buFont typeface="Wingdings" panose="05000000000000000000" charset="0"/>
-              <a:buChar char=""/>
-            </a:pPr>
-            <a:r>
-              <a:rPr lang="en-US" altLang="en-US" sz="1600" b="0" i="0">
-                <a:solidFill>
-                  <a:srgbClr val="F8FAFF"/>
-                </a:solidFill>
-                <a:latin typeface="quote-cjk-patch"/>
-                <a:ea typeface="quote-cjk-patch"/>
-              </a:rPr>
-              <a:t>Let's open Xcode and do this together!</a:t>
-            </a:r>
-            <a:endParaRPr lang="en-US" altLang="en-US" sz="1600" b="0" i="0">
-              <a:solidFill>
-                <a:srgbClr val="F8FAFF"/>
-              </a:solidFill>
-              <a:latin typeface="quote-cjk-patch"/>
-              <a:ea typeface="quote-cjk-patch"/>
-            </a:endParaRPr>
-          </a:p>
-        </p:txBody>
-      </p:sp>
-      <p:sp>
-        <p:nvSpPr>
           <p:cNvPr id="7" name="Rectangles 6"/>
           <p:cNvSpPr/>
           <p:nvPr/>
         </p:nvSpPr>
         <p:spPr>
           <a:xfrm>
-            <a:off x="6111875" y="2855595"/>
-            <a:ext cx="3010535" cy="292100"/>
+            <a:off x="6282690" y="1424940"/>
+            <a:ext cx="2218055" cy="292100"/>
           </a:xfrm>
           <a:prstGeom prst="rect">
             <a:avLst/>
@@ -9207,14 +9755,14 @@
       </p:sp>
       <p:sp>
         <p:nvSpPr>
-          <p:cNvPr id="4" name="Rectangles 3"/>
+          <p:cNvPr id="8" name="Rectangles 7"/>
           <p:cNvSpPr/>
           <p:nvPr/>
         </p:nvSpPr>
         <p:spPr>
           <a:xfrm>
-            <a:off x="9264650" y="2853055"/>
-            <a:ext cx="2737485" cy="292100"/>
+            <a:off x="8544560" y="2925445"/>
+            <a:ext cx="1851660" cy="292100"/>
           </a:xfrm>
           <a:prstGeom prst="rect">
             <a:avLst/>
@@ -9318,7 +9866,7 @@
         </p:nvSpPr>
         <p:spPr>
           <a:xfrm>
-            <a:off x="989330" y="134620"/>
+            <a:off x="989330" y="803275"/>
             <a:ext cx="6060440" cy="460375"/>
           </a:xfrm>
           <a:prstGeom prst="rect">
@@ -9340,7 +9888,7 @@
                 <a:ea typeface="quote-cjk-patch"/>
                 <a:cs typeface="Microsoft YaHei" charset="0"/>
               </a:rPr>
-              <a:t>The Swift Language</a:t>
+              <a:t> The Playground Interface - Live Demo</a:t>
             </a:r>
             <a:endParaRPr lang="en-US" altLang="en-US" sz="2400" b="0" i="0">
               <a:solidFill>
@@ -9353,6 +9901,30 @@
           </a:p>
         </p:txBody>
       </p:sp>
+      <p:pic>
+        <p:nvPicPr>
+          <p:cNvPr id="2" name="Picture 1"/>
+          <p:cNvPicPr>
+            <a:picLocks noChangeAspect="1"/>
+          </p:cNvPicPr>
+          <p:nvPr/>
+        </p:nvPicPr>
+        <p:blipFill>
+          <a:blip r:embed="rId3"/>
+          <a:stretch>
+            <a:fillRect/>
+          </a:stretch>
+        </p:blipFill>
+        <p:spPr>
+          <a:xfrm>
+            <a:off x="5750560" y="1878330"/>
+            <a:ext cx="6441440" cy="2246630"/>
+          </a:xfrm>
+          <a:prstGeom prst="rect">
+            <a:avLst/>
+          </a:prstGeom>
+        </p:spPr>
+      </p:pic>
       <p:sp>
         <p:nvSpPr>
           <p:cNvPr id="13" name="Text Box 12"/>
@@ -9361,8 +9933,8 @@
         </p:nvSpPr>
         <p:spPr>
           <a:xfrm>
-            <a:off x="989330" y="446405"/>
-            <a:ext cx="10929620" cy="6322060"/>
+            <a:off x="912495" y="1263650"/>
+            <a:ext cx="4869180" cy="5528945"/>
           </a:xfrm>
           <a:prstGeom prst="rect">
             <a:avLst/>
@@ -9394,18 +9966,7 @@
                 <a:latin typeface="quote-cjk-patch"/>
                 <a:ea typeface="quote-cjk-patch"/>
               </a:rPr>
-              <a:t>Swift was created by Chris Lattner for Apple in 2010, with the language first introduced at WWDC 2014. While Apple is responsible for its development, the language is now maintained by the open-source community through. </a:t>
-            </a:r>
-            <a:r>
-              <a:rPr lang="en-US" altLang="en-US" sz="1600" b="0" i="0">
-                <a:solidFill>
-                  <a:srgbClr val="F8FAFF"/>
-                </a:solidFill>
-                <a:latin typeface="quote-cjk-patch"/>
-                <a:ea typeface="quote-cjk-patch"/>
-                <a:hlinkClick r:id="rId3" tooltip="" action="ppaction://hlinkfile"/>
-              </a:rPr>
-              <a:t>Swift.org</a:t>
+              <a:t>Code Editor (Left): Where you write your Swift code.</a:t>
             </a:r>
             <a:endParaRPr lang="en-US" altLang="en-US" sz="1600" b="0" i="0">
               <a:solidFill>
@@ -9437,7 +9998,7 @@
                 <a:latin typeface="quote-cjk-patch"/>
                 <a:ea typeface="quote-cjk-patch"/>
               </a:rPr>
-              <a:t>Swift is... a powerful and intuitive programming language created by Apple.</a:t>
+              <a:t>Results Sidebar (Right): Shows the output of each line of code.</a:t>
             </a:r>
             <a:endParaRPr lang="en-US" altLang="en-US" sz="1600" b="0" i="0">
               <a:solidFill>
@@ -9469,7 +10030,7 @@
                 <a:latin typeface="quote-cjk-patch"/>
                 <a:ea typeface="quote-cjk-patch"/>
               </a:rPr>
-              <a:t>It is: Modern, safe, fast, and easy to read.</a:t>
+              <a:t>Run Button: Click to execute your code.</a:t>
             </a:r>
             <a:endParaRPr lang="en-US" altLang="en-US" sz="1600" b="0" i="0">
               <a:solidFill>
@@ -9501,7 +10062,7 @@
                 <a:latin typeface="quote-cjk-patch"/>
                 <a:ea typeface="quote-cjk-patch"/>
               </a:rPr>
-              <a:t>Key Concept: Swift is strongly typed and uses type inference. This means it's very careful about what kind of data (text, number, etc.) you're working with.</a:t>
+              <a:t>Let's open Xcode and do this together!</a:t>
             </a:r>
             <a:endParaRPr lang="en-US" altLang="en-US" sz="1600" b="0" i="0">
               <a:solidFill>
@@ -9511,37 +10072,95 @@
               <a:ea typeface="quote-cjk-patch"/>
             </a:endParaRPr>
           </a:p>
-          <a:p>
-            <a:pPr marL="285750" indent="-285750">
-              <a:lnSpc>
-                <a:spcPct val="200000"/>
-              </a:lnSpc>
-              <a:spcBef>
-                <a:spcPct val="0"/>
-              </a:spcBef>
-              <a:spcAft>
-                <a:spcPct val="0"/>
-              </a:spcAft>
-              <a:buFont typeface="Wingdings" panose="05000000000000000000" charset="0"/>
-              <a:buChar char=""/>
-            </a:pPr>
-            <a:r>
-              <a:rPr lang="en-US" altLang="en-US" sz="1600" b="0" i="0">
-                <a:solidFill>
-                  <a:srgbClr val="F8FAFF"/>
-                </a:solidFill>
-                <a:latin typeface="quote-cjk-patch"/>
-                <a:ea typeface="quote-cjk-patch"/>
-              </a:rPr>
-              <a:t>Swift has undergone significant versions since its 1.0 release in 2014, with major versions including Swift 1, 2, 3, 4, and 5, followed by the recently released Swift 6 in 2024, each bringing new features and stability improvements. Key milestones include Swift 2.0 in 2015, Swift 3.0 in 2016, Swift 4.0 in 2017, and Swift 5 in 2019, which introduced a stable binary interface on Apple platforms. The most recent version, Swift 6.0, was released in 2024, and further development continues with Swift 6.2 released in 2025. </a:t>
-            </a:r>
-            <a:endParaRPr lang="en-US" altLang="en-US" sz="1600" b="0" i="0">
-              <a:solidFill>
-                <a:srgbClr val="F8FAFF"/>
-              </a:solidFill>
-              <a:latin typeface="quote-cjk-patch"/>
-              <a:ea typeface="quote-cjk-patch"/>
-            </a:endParaRPr>
+        </p:txBody>
+      </p:sp>
+      <p:sp>
+        <p:nvSpPr>
+          <p:cNvPr id="7" name="Rectangles 6"/>
+          <p:cNvSpPr/>
+          <p:nvPr/>
+        </p:nvSpPr>
+        <p:spPr>
+          <a:xfrm>
+            <a:off x="6111875" y="2855595"/>
+            <a:ext cx="3010535" cy="292100"/>
+          </a:xfrm>
+          <a:prstGeom prst="rect">
+            <a:avLst/>
+          </a:prstGeom>
+          <a:noFill/>
+          <a:ln>
+            <a:solidFill>
+              <a:srgbClr val="FF0000"/>
+            </a:solidFill>
+          </a:ln>
+        </p:spPr>
+        <p:style>
+          <a:lnRef idx="2">
+            <a:schemeClr val="accent1">
+              <a:lumMod val="75000"/>
+            </a:schemeClr>
+          </a:lnRef>
+          <a:fillRef idx="1">
+            <a:schemeClr val="accent1"/>
+          </a:fillRef>
+          <a:effectRef idx="0">
+            <a:srgbClr val="FFFFFF"/>
+          </a:effectRef>
+          <a:fontRef idx="minor">
+            <a:schemeClr val="lt1"/>
+          </a:fontRef>
+        </p:style>
+        <p:txBody>
+          <a:bodyPr rtlCol="0" anchor="ctr"/>
+          <a:p>
+            <a:pPr algn="ctr"/>
+            <a:endParaRPr lang="en-US"/>
+          </a:p>
+        </p:txBody>
+      </p:sp>
+      <p:sp>
+        <p:nvSpPr>
+          <p:cNvPr id="4" name="Rectangles 3"/>
+          <p:cNvSpPr/>
+          <p:nvPr/>
+        </p:nvSpPr>
+        <p:spPr>
+          <a:xfrm>
+            <a:off x="9264650" y="2853055"/>
+            <a:ext cx="2737485" cy="292100"/>
+          </a:xfrm>
+          <a:prstGeom prst="rect">
+            <a:avLst/>
+          </a:prstGeom>
+          <a:noFill/>
+          <a:ln>
+            <a:solidFill>
+              <a:srgbClr val="FF0000"/>
+            </a:solidFill>
+          </a:ln>
+        </p:spPr>
+        <p:style>
+          <a:lnRef idx="2">
+            <a:schemeClr val="accent1">
+              <a:lumMod val="75000"/>
+            </a:schemeClr>
+          </a:lnRef>
+          <a:fillRef idx="1">
+            <a:schemeClr val="accent1"/>
+          </a:fillRef>
+          <a:effectRef idx="0">
+            <a:srgbClr val="FFFFFF"/>
+          </a:effectRef>
+          <a:fontRef idx="minor">
+            <a:schemeClr val="lt1"/>
+          </a:fontRef>
+        </p:style>
+        <p:txBody>
+          <a:bodyPr rtlCol="0" anchor="ctr"/>
+          <a:p>
+            <a:pPr algn="ctr"/>
+            <a:endParaRPr lang="en-US"/>
           </a:p>
         </p:txBody>
       </p:sp>
@@ -9613,7 +10232,7 @@
         </p:nvSpPr>
         <p:spPr>
           <a:xfrm>
-            <a:off x="1016000" y="902970"/>
+            <a:off x="989330" y="134620"/>
             <a:ext cx="6060440" cy="460375"/>
           </a:xfrm>
           <a:prstGeom prst="rect">
@@ -9635,7 +10254,7 @@
                 <a:ea typeface="quote-cjk-patch"/>
                 <a:cs typeface="Microsoft YaHei" charset="0"/>
               </a:rPr>
-              <a:t>Storing Data - Variables &amp; Constants</a:t>
+              <a:t>The Swift Language</a:t>
             </a:r>
             <a:endParaRPr lang="en-US" altLang="en-US" sz="2400" b="0" i="0">
               <a:solidFill>
@@ -9650,14 +10269,14 @@
       </p:sp>
       <p:sp>
         <p:nvSpPr>
-          <p:cNvPr id="2" name="Text Box 1"/>
+          <p:cNvPr id="13" name="Text Box 12"/>
           <p:cNvSpPr txBox="1"/>
           <p:nvPr/>
         </p:nvSpPr>
         <p:spPr>
           <a:xfrm>
-            <a:off x="1016000" y="1916430"/>
-            <a:ext cx="5080000" cy="3025140"/>
+            <a:off x="989330" y="446405"/>
+            <a:ext cx="10929620" cy="6322060"/>
           </a:xfrm>
           <a:prstGeom prst="rect">
             <a:avLst/>
@@ -9668,419 +10287,174 @@
             <a:noAutofit/>
           </a:bodyPr>
           <a:p>
-            <a:pPr marL="285750" lvl="0" indent="-285750" algn="l">
+            <a:pPr marL="285750" indent="-285750">
               <a:lnSpc>
                 <a:spcPct val="200000"/>
               </a:lnSpc>
-              <a:buClrTx/>
-              <a:buSzTx/>
-              <a:buFont typeface="Wingdings" panose="05000000000000000000" charset="0"/>
-              <a:buChar char=""/>
-            </a:pPr>
-            <a:r>
-              <a:rPr lang="en-US" altLang="en-US" sz="1600">
-                <a:solidFill>
-                  <a:srgbClr val="F8FAFF"/>
-                </a:solidFill>
-                <a:latin typeface="quote-cjk-patch"/>
-                <a:ea typeface="quote-cjk-patch"/>
-                <a:sym typeface="+mn-ea"/>
-              </a:rPr>
-              <a:t>We store data in variables (can change) and constants (cannot change).</a:t>
-            </a:r>
-            <a:endParaRPr lang="en-US" altLang="en-US" sz="1600">
-              <a:solidFill>
-                <a:srgbClr val="F8FAFF"/>
-              </a:solidFill>
-              <a:latin typeface="quote-cjk-patch"/>
-              <a:ea typeface="quote-cjk-patch"/>
-              <a:sym typeface="+mn-ea"/>
-            </a:endParaRPr>
-          </a:p>
-          <a:p>
-            <a:pPr marL="285750" lvl="0" indent="-285750" algn="l">
-              <a:lnSpc>
-                <a:spcPct val="200000"/>
-              </a:lnSpc>
-              <a:buClrTx/>
-              <a:buSzTx/>
-              <a:buFont typeface="Wingdings" panose="05000000000000000000" charset="0"/>
-              <a:buChar char=""/>
-            </a:pPr>
-            <a:r>
-              <a:rPr lang="en-US" altLang="en-US" sz="1600">
-                <a:solidFill>
-                  <a:srgbClr val="F8FAFF"/>
-                </a:solidFill>
-                <a:latin typeface="quote-cjk-patch"/>
-                <a:ea typeface="quote-cjk-patch"/>
-                <a:sym typeface="+mn-ea"/>
-              </a:rPr>
-              <a:t>Use </a:t>
-            </a:r>
-            <a:r>
-              <a:rPr lang="en-US" altLang="en-US" sz="1600">
-                <a:solidFill>
-                  <a:srgbClr val="F8FAFF"/>
-                </a:solidFill>
-                <a:latin typeface="quote-cjk-patch"/>
-                <a:ea typeface="quote-cjk-patch"/>
-                <a:sym typeface="+mn-ea"/>
-              </a:rPr>
-              <a:t>var</a:t>
-            </a:r>
-            <a:r>
-              <a:rPr lang="en-US" altLang="en-US" sz="1600">
-                <a:solidFill>
-                  <a:srgbClr val="F8FAFF"/>
-                </a:solidFill>
-                <a:latin typeface="quote-cjk-patch"/>
-                <a:ea typeface="quote-cjk-patch"/>
-                <a:sym typeface="+mn-ea"/>
-              </a:rPr>
-              <a:t> for variables.</a:t>
-            </a:r>
-            <a:endParaRPr lang="en-US" altLang="en-US" sz="1600">
-              <a:solidFill>
-                <a:srgbClr val="F8FAFF"/>
-              </a:solidFill>
-              <a:latin typeface="quote-cjk-patch"/>
-              <a:ea typeface="quote-cjk-patch"/>
-              <a:sym typeface="+mn-ea"/>
-            </a:endParaRPr>
-          </a:p>
-          <a:p>
-            <a:pPr marL="285750" lvl="0" indent="-285750" algn="l">
-              <a:lnSpc>
-                <a:spcPct val="200000"/>
-              </a:lnSpc>
-              <a:buClrTx/>
-              <a:buSzTx/>
-              <a:buFont typeface="Wingdings" panose="05000000000000000000" charset="0"/>
-              <a:buChar char=""/>
-            </a:pPr>
-            <a:r>
-              <a:rPr lang="en-US" altLang="en-US" sz="1600">
-                <a:solidFill>
-                  <a:srgbClr val="F8FAFF"/>
-                </a:solidFill>
-                <a:latin typeface="quote-cjk-patch"/>
-                <a:ea typeface="quote-cjk-patch"/>
-                <a:sym typeface="+mn-ea"/>
-              </a:rPr>
-              <a:t>Use </a:t>
-            </a:r>
-            <a:r>
-              <a:rPr lang="en-US" altLang="en-US" sz="1600">
-                <a:solidFill>
-                  <a:srgbClr val="F8FAFF"/>
-                </a:solidFill>
-                <a:latin typeface="quote-cjk-patch"/>
-                <a:ea typeface="quote-cjk-patch"/>
-                <a:sym typeface="+mn-ea"/>
-              </a:rPr>
-              <a:t>let</a:t>
-            </a:r>
-            <a:r>
-              <a:rPr lang="en-US" altLang="en-US" sz="1600">
-                <a:solidFill>
-                  <a:srgbClr val="F8FAFF"/>
-                </a:solidFill>
-                <a:latin typeface="quote-cjk-patch"/>
-                <a:ea typeface="quote-cjk-patch"/>
-                <a:sym typeface="+mn-ea"/>
-              </a:rPr>
-              <a:t> for constants. (Prefer </a:t>
-            </a:r>
-            <a:r>
-              <a:rPr lang="en-US" altLang="en-US" sz="1600">
-                <a:solidFill>
-                  <a:srgbClr val="F8FAFF"/>
-                </a:solidFill>
-                <a:latin typeface="quote-cjk-patch"/>
-                <a:ea typeface="quote-cjk-patch"/>
-                <a:sym typeface="+mn-ea"/>
-              </a:rPr>
-              <a:t>let</a:t>
-            </a:r>
-            <a:r>
-              <a:rPr lang="en-US" altLang="en-US" sz="1600">
-                <a:solidFill>
-                  <a:srgbClr val="F8FAFF"/>
-                </a:solidFill>
-                <a:latin typeface="quote-cjk-patch"/>
-                <a:ea typeface="quote-cjk-patch"/>
-                <a:sym typeface="+mn-ea"/>
-              </a:rPr>
-              <a:t> whenever possible!)</a:t>
-            </a:r>
-            <a:endParaRPr lang="en-US" altLang="en-US" sz="1600">
-              <a:solidFill>
-                <a:srgbClr val="F8FAFF"/>
-              </a:solidFill>
-              <a:latin typeface="quote-cjk-patch"/>
-              <a:ea typeface="quote-cjk-patch"/>
-              <a:sym typeface="+mn-ea"/>
-            </a:endParaRPr>
-          </a:p>
-        </p:txBody>
-      </p:sp>
-      <p:sp>
-        <p:nvSpPr>
-          <p:cNvPr id="3" name="Text Box 2"/>
-          <p:cNvSpPr txBox="1"/>
-          <p:nvPr/>
-        </p:nvSpPr>
-        <p:spPr>
-          <a:xfrm>
-            <a:off x="6716395" y="1916747"/>
-            <a:ext cx="5080000" cy="2861310"/>
-          </a:xfrm>
-          <a:prstGeom prst="rect">
-            <a:avLst/>
-          </a:prstGeom>
-        </p:spPr>
-        <p:txBody>
-          <a:bodyPr>
-            <a:spAutoFit/>
-          </a:bodyPr>
-          <a:p>
-            <a:pPr marL="0" indent="0">
               <a:spcBef>
                 <a:spcPct val="0"/>
               </a:spcBef>
               <a:spcAft>
                 <a:spcPct val="0"/>
               </a:spcAft>
+              <a:buFont typeface="Wingdings" panose="05000000000000000000" charset="0"/>
+              <a:buChar char=""/>
             </a:pPr>
             <a:r>
-              <a:rPr lang="en-US" altLang="zh-CN" sz="1800">
-                <a:solidFill>
-                  <a:srgbClr val="7CB554"/>
-                </a:solidFill>
-              </a:rPr>
-              <a:t>// This is a comment. The computer ignores it.</a:t>
-            </a:r>
-            <a:endParaRPr lang="en-US" altLang="zh-CN" sz="1800">
-              <a:solidFill>
-                <a:srgbClr val="7CB554"/>
-              </a:solidFill>
-            </a:endParaRPr>
-          </a:p>
-          <a:p>
-            <a:pPr marL="0" indent="0">
+              <a:rPr lang="en-US" altLang="en-US" sz="1600" b="0" i="0">
+                <a:solidFill>
+                  <a:srgbClr val="F8FAFF"/>
+                </a:solidFill>
+                <a:latin typeface="quote-cjk-patch"/>
+                <a:ea typeface="quote-cjk-patch"/>
+              </a:rPr>
+              <a:t>Swift was created by Chris Lattner for Apple in 2010, with the language first introduced at WWDC 2014. While Apple is responsible for its development, the language is now maintained by the open-source community through. </a:t>
+            </a:r>
+            <a:r>
+              <a:rPr lang="en-US" altLang="en-US" sz="1600" b="0" i="0">
+                <a:solidFill>
+                  <a:srgbClr val="F8FAFF"/>
+                </a:solidFill>
+                <a:latin typeface="quote-cjk-patch"/>
+                <a:ea typeface="quote-cjk-patch"/>
+                <a:hlinkClick r:id="rId3" action="ppaction://hlinkfile"/>
+              </a:rPr>
+              <a:t>Swift.org</a:t>
+            </a:r>
+            <a:endParaRPr lang="en-US" altLang="en-US" sz="1600" b="0" i="0">
+              <a:solidFill>
+                <a:srgbClr val="F8FAFF"/>
+              </a:solidFill>
+              <a:latin typeface="quote-cjk-patch"/>
+              <a:ea typeface="quote-cjk-patch"/>
+            </a:endParaRPr>
+          </a:p>
+          <a:p>
+            <a:pPr marL="285750" indent="-285750">
+              <a:lnSpc>
+                <a:spcPct val="200000"/>
+              </a:lnSpc>
               <a:spcBef>
                 <a:spcPct val="0"/>
               </a:spcBef>
               <a:spcAft>
                 <a:spcPct val="0"/>
               </a:spcAft>
+              <a:buFont typeface="Wingdings" panose="05000000000000000000" charset="0"/>
+              <a:buChar char=""/>
             </a:pPr>
             <a:r>
-              <a:rPr lang="en-US" altLang="zh-CN" sz="1800">
-                <a:solidFill>
-                  <a:srgbClr val="7CB554"/>
-                </a:solidFill>
-              </a:rPr>
-              <a:t>// A variable: its value can vary.</a:t>
-            </a:r>
-            <a:endParaRPr lang="en-US" altLang="zh-CN" sz="1800">
-              <a:solidFill>
-                <a:srgbClr val="7CB554"/>
-              </a:solidFill>
-            </a:endParaRPr>
-          </a:p>
-          <a:p>
-            <a:pPr marL="0" indent="0">
+              <a:rPr lang="en-US" altLang="en-US" sz="1600" b="0" i="0">
+                <a:solidFill>
+                  <a:srgbClr val="F8FAFF"/>
+                </a:solidFill>
+                <a:latin typeface="quote-cjk-patch"/>
+                <a:ea typeface="quote-cjk-patch"/>
+              </a:rPr>
+              <a:t>Swift is... a powerful and intuitive programming language created by Apple.</a:t>
+            </a:r>
+            <a:endParaRPr lang="en-US" altLang="en-US" sz="1600" b="0" i="0">
+              <a:solidFill>
+                <a:srgbClr val="F8FAFF"/>
+              </a:solidFill>
+              <a:latin typeface="quote-cjk-patch"/>
+              <a:ea typeface="quote-cjk-patch"/>
+            </a:endParaRPr>
+          </a:p>
+          <a:p>
+            <a:pPr marL="285750" indent="-285750">
+              <a:lnSpc>
+                <a:spcPct val="200000"/>
+              </a:lnSpc>
               <a:spcBef>
                 <a:spcPct val="0"/>
               </a:spcBef>
               <a:spcAft>
                 <a:spcPct val="0"/>
               </a:spcAft>
+              <a:buFont typeface="Wingdings" panose="05000000000000000000" charset="0"/>
+              <a:buChar char=""/>
             </a:pPr>
-            <a:endParaRPr lang="en-US" altLang="zh-CN" sz="1800">
-              <a:solidFill>
-                <a:srgbClr val="7CB554"/>
-              </a:solidFill>
-            </a:endParaRPr>
-          </a:p>
-          <a:p>
-            <a:r>
-              <a:rPr lang="en-US" altLang="zh-CN" sz="1800">
-                <a:solidFill>
-                  <a:srgbClr val="FC6BAA"/>
-                </a:solidFill>
-              </a:rPr>
-              <a:t>var </a:t>
-            </a:r>
-            <a:r>
-              <a:rPr lang="en-US" altLang="zh-CN" sz="1800">
-                <a:solidFill>
-                  <a:srgbClr val="42B8E0"/>
-                </a:solidFill>
-              </a:rPr>
-              <a:t>myName</a:t>
-            </a:r>
-            <a:r>
-              <a:rPr lang="en-US" altLang="zh-CN" sz="1800">
-                <a:solidFill>
-                  <a:srgbClr val="FFFFFF"/>
-                </a:solidFill>
-              </a:rPr>
-              <a:t> = </a:t>
-            </a:r>
-            <a:r>
-              <a:rPr lang="en-US" altLang="zh-CN" sz="1800">
-                <a:solidFill>
-                  <a:srgbClr val="FC7467"/>
-                </a:solidFill>
-              </a:rPr>
-              <a:t>"Pisey"</a:t>
-            </a:r>
-            <a:endParaRPr lang="en-US" altLang="zh-CN" sz="1800">
-              <a:solidFill>
-                <a:srgbClr val="FC7467"/>
-              </a:solidFill>
-            </a:endParaRPr>
-          </a:p>
-          <a:p>
-            <a:r>
-              <a:rPr lang="en-US" altLang="zh-CN" sz="1800">
-                <a:solidFill>
-                  <a:srgbClr val="72BFAE"/>
-                </a:solidFill>
-              </a:rPr>
-              <a:t>myName</a:t>
-            </a:r>
-            <a:r>
-              <a:rPr lang="en-US" altLang="zh-CN" sz="1800">
-                <a:solidFill>
-                  <a:srgbClr val="FFFFFF"/>
-                </a:solidFill>
-              </a:rPr>
-              <a:t> = </a:t>
-            </a:r>
-            <a:r>
-              <a:rPr lang="en-US" altLang="zh-CN" sz="1800">
-                <a:solidFill>
-                  <a:srgbClr val="FC7467"/>
-                </a:solidFill>
-              </a:rPr>
-              <a:t>"Pisey Jo"</a:t>
-            </a:r>
-            <a:r>
-              <a:rPr lang="en-US" altLang="zh-CN" sz="1800">
-                <a:solidFill>
-                  <a:srgbClr val="7CB554"/>
-                </a:solidFill>
-              </a:rPr>
-              <a:t>// This is allowed.</a:t>
-            </a:r>
-            <a:endParaRPr lang="en-US" altLang="zh-CN" sz="1800">
-              <a:solidFill>
-                <a:srgbClr val="7CB554"/>
-              </a:solidFill>
-            </a:endParaRPr>
-          </a:p>
-          <a:p>
-            <a:pPr marL="0" indent="0">
+            <a:r>
+              <a:rPr lang="en-US" altLang="en-US" sz="1600" b="0" i="0">
+                <a:solidFill>
+                  <a:srgbClr val="F8FAFF"/>
+                </a:solidFill>
+                <a:latin typeface="quote-cjk-patch"/>
+                <a:ea typeface="quote-cjk-patch"/>
+              </a:rPr>
+              <a:t>It is: Modern, safe, fast, and easy to read.</a:t>
+            </a:r>
+            <a:endParaRPr lang="en-US" altLang="en-US" sz="1600" b="0" i="0">
+              <a:solidFill>
+                <a:srgbClr val="F8FAFF"/>
+              </a:solidFill>
+              <a:latin typeface="quote-cjk-patch"/>
+              <a:ea typeface="quote-cjk-patch"/>
+            </a:endParaRPr>
+          </a:p>
+          <a:p>
+            <a:pPr marL="285750" indent="-285750">
+              <a:lnSpc>
+                <a:spcPct val="200000"/>
+              </a:lnSpc>
               <a:spcBef>
                 <a:spcPct val="0"/>
               </a:spcBef>
               <a:spcAft>
                 <a:spcPct val="0"/>
               </a:spcAft>
+              <a:buFont typeface="Wingdings" panose="05000000000000000000" charset="0"/>
+              <a:buChar char=""/>
             </a:pPr>
-            <a:endParaRPr lang="en-US" altLang="zh-CN" sz="1800">
-              <a:solidFill>
-                <a:srgbClr val="7CB554"/>
-              </a:solidFill>
-            </a:endParaRPr>
-          </a:p>
-          <a:p>
-            <a:pPr marL="0" indent="0">
+            <a:r>
+              <a:rPr lang="en-US" altLang="en-US" sz="1600" b="0" i="0">
+                <a:solidFill>
+                  <a:srgbClr val="F8FAFF"/>
+                </a:solidFill>
+                <a:latin typeface="quote-cjk-patch"/>
+                <a:ea typeface="quote-cjk-patch"/>
+              </a:rPr>
+              <a:t>Key Concept: Swift is strongly typed and uses type inference. This means it's very careful about what kind of data (text, number, etc.) you're working with.</a:t>
+            </a:r>
+            <a:endParaRPr lang="en-US" altLang="en-US" sz="1600" b="0" i="0">
+              <a:solidFill>
+                <a:srgbClr val="F8FAFF"/>
+              </a:solidFill>
+              <a:latin typeface="quote-cjk-patch"/>
+              <a:ea typeface="quote-cjk-patch"/>
+            </a:endParaRPr>
+          </a:p>
+          <a:p>
+            <a:pPr marL="285750" indent="-285750">
+              <a:lnSpc>
+                <a:spcPct val="200000"/>
+              </a:lnSpc>
               <a:spcBef>
                 <a:spcPct val="0"/>
               </a:spcBef>
               <a:spcAft>
                 <a:spcPct val="0"/>
               </a:spcAft>
+              <a:buFont typeface="Wingdings" panose="05000000000000000000" charset="0"/>
+              <a:buChar char=""/>
             </a:pPr>
             <a:r>
-              <a:rPr lang="en-US" altLang="zh-CN" sz="1800">
-                <a:solidFill>
-                  <a:srgbClr val="7CB554"/>
-                </a:solidFill>
-              </a:rPr>
-              <a:t>// A constant: its value is constant.</a:t>
-            </a:r>
-            <a:endParaRPr lang="en-US" altLang="zh-CN" sz="1800">
-              <a:solidFill>
-                <a:srgbClr val="7CB554"/>
-              </a:solidFill>
-            </a:endParaRPr>
-          </a:p>
-          <a:p>
-            <a:r>
-              <a:rPr lang="en-US" altLang="zh-CN" sz="1800">
-                <a:solidFill>
-                  <a:srgbClr val="FC6BAA"/>
-                </a:solidFill>
-              </a:rPr>
-              <a:t>let </a:t>
-            </a:r>
-            <a:r>
-              <a:rPr lang="en-US" altLang="zh-CN" sz="1800">
-                <a:solidFill>
-                  <a:srgbClr val="42B8E0"/>
-                </a:solidFill>
-              </a:rPr>
-              <a:t>birthYear</a:t>
-            </a:r>
-            <a:r>
-              <a:rPr lang="en-US" altLang="zh-CN" sz="1800">
-                <a:solidFill>
-                  <a:srgbClr val="FFFFFF"/>
-                </a:solidFill>
-              </a:rPr>
-              <a:t> = </a:t>
-            </a:r>
-            <a:r>
-              <a:rPr lang="en-US" altLang="zh-CN" sz="1800">
-                <a:solidFill>
-                  <a:srgbClr val="D0BC56"/>
-                </a:solidFill>
-              </a:rPr>
-              <a:t>2000</a:t>
-            </a:r>
-            <a:endParaRPr lang="en-US" altLang="zh-CN" sz="1800">
-              <a:solidFill>
-                <a:srgbClr val="D0BC56"/>
-              </a:solidFill>
-            </a:endParaRPr>
-          </a:p>
-          <a:p>
-            <a:pPr marL="0" indent="0">
-              <a:spcBef>
-                <a:spcPct val="0"/>
-              </a:spcBef>
-              <a:spcAft>
-                <a:spcPct val="0"/>
-              </a:spcAft>
-            </a:pPr>
-            <a:r>
-              <a:rPr lang="en-US" altLang="zh-CN" sz="1800">
-                <a:solidFill>
-                  <a:srgbClr val="7CB554"/>
-                </a:solidFill>
-              </a:rPr>
-              <a:t>// birthYear = 2001 // This would cause an ERROR!</a:t>
-            </a:r>
-            <a:endParaRPr lang="en-US" altLang="zh-CN" sz="1800">
-              <a:solidFill>
-                <a:srgbClr val="7CB554"/>
-              </a:solidFill>
+              <a:rPr lang="en-US" altLang="en-US" sz="1600" b="0" i="0">
+                <a:solidFill>
+                  <a:srgbClr val="F8FAFF"/>
+                </a:solidFill>
+                <a:latin typeface="quote-cjk-patch"/>
+                <a:ea typeface="quote-cjk-patch"/>
+              </a:rPr>
+              <a:t>Swift has undergone significant versions since its 1.0 release in 2014, with major versions including Swift 1, 2, 3, 4, and 5, followed by the recently released Swift 6 in 2024, each bringing new features and stability improvements. Key milestones include Swift 2.0 in 2015, Swift 3.0 in 2016, Swift 4.0 in 2017, and Swift 5 in 2019, which introduced a stable binary interface on Apple platforms. The most recent version, Swift 6.0, was released in 2024, and further development continues with Swift 6.2 released in 2025. </a:t>
+            </a:r>
+            <a:endParaRPr lang="en-US" altLang="en-US" sz="1600" b="0" i="0">
+              <a:solidFill>
+                <a:srgbClr val="F8FAFF"/>
+              </a:solidFill>
+              <a:latin typeface="quote-cjk-patch"/>
+              <a:ea typeface="quote-cjk-patch"/>
             </a:endParaRPr>
           </a:p>
         </p:txBody>
@@ -10175,7 +10549,7 @@
                 <a:ea typeface="quote-cjk-patch"/>
                 <a:cs typeface="Microsoft YaHei" charset="0"/>
               </a:rPr>
-              <a:t>Data Types</a:t>
+              <a:t>Storing Data - Variables &amp; Constants</a:t>
             </a:r>
             <a:endParaRPr lang="en-US" altLang="en-US" sz="2400" b="0" i="0">
               <a:solidFill>
@@ -10226,7 +10600,7 @@
                 <a:ea typeface="quote-cjk-patch"/>
                 <a:sym typeface="+mn-ea"/>
               </a:rPr>
-              <a:t>Swift has many built-in types. The compiler infers the type from the value you assign.</a:t>
+              <a:t>We store data in variables (can change) and constants (cannot change).</a:t>
             </a:r>
             <a:endParaRPr lang="en-US" altLang="en-US" sz="1600">
               <a:solidFill>
@@ -10256,7 +10630,29 @@
                 <a:ea typeface="quote-cjk-patch"/>
                 <a:sym typeface="+mn-ea"/>
               </a:rPr>
-              <a:t>String: Text, surrounded by double quotes. "Hello"</a:t>
+              <a:t>Use </a:t>
+            </a:r>
+            <a:r>
+              <a:rPr lang="en-US" altLang="en-US" sz="1600">
+                <a:solidFill>
+                  <a:srgbClr val="F8FAFF"/>
+                </a:solidFill>
+                <a:latin typeface="quote-cjk-patch"/>
+                <a:ea typeface="quote-cjk-patch"/>
+                <a:sym typeface="+mn-ea"/>
+              </a:rPr>
+              <a:t>var</a:t>
+            </a:r>
+            <a:r>
+              <a:rPr lang="en-US" altLang="en-US" sz="1600">
+                <a:solidFill>
+                  <a:srgbClr val="F8FAFF"/>
+                </a:solidFill>
+                <a:latin typeface="quote-cjk-patch"/>
+                <a:ea typeface="quote-cjk-patch"/>
+                <a:sym typeface="+mn-ea"/>
+              </a:rPr>
+              <a:t> for variables.</a:t>
             </a:r>
             <a:endParaRPr lang="en-US" altLang="en-US" sz="1600">
               <a:solidFill>
@@ -10286,27 +10682,8 @@
                 <a:ea typeface="quote-cjk-patch"/>
                 <a:sym typeface="+mn-ea"/>
               </a:rPr>
-              <a:t>Int: Whole numbers. 42, -7</a:t>
-            </a:r>
-            <a:endParaRPr lang="en-US" altLang="en-US" sz="1600">
-              <a:solidFill>
-                <a:srgbClr val="F8FAFF"/>
-              </a:solidFill>
-              <a:latin typeface="quote-cjk-patch"/>
-              <a:ea typeface="quote-cjk-patch"/>
-              <a:sym typeface="+mn-ea"/>
-            </a:endParaRPr>
-          </a:p>
-          <a:p>
-            <a:pPr marL="285750" lvl="0" indent="-285750" algn="l">
-              <a:lnSpc>
-                <a:spcPct val="200000"/>
-              </a:lnSpc>
-              <a:buClrTx/>
-              <a:buSzTx/>
-              <a:buFont typeface="Wingdings" panose="05000000000000000000" charset="0"/>
-              <a:buChar char=""/>
-            </a:pPr>
+              <a:t>Use </a:t>
+            </a:r>
             <a:r>
               <a:rPr lang="en-US" altLang="en-US" sz="1600">
                 <a:solidFill>
@@ -10316,27 +10693,8 @@
                 <a:ea typeface="quote-cjk-patch"/>
                 <a:sym typeface="+mn-ea"/>
               </a:rPr>
-              <a:t>Double: Decimal numbers. 3.14159</a:t>
-            </a:r>
-            <a:endParaRPr lang="en-US" altLang="en-US" sz="1600">
-              <a:solidFill>
-                <a:srgbClr val="F8FAFF"/>
-              </a:solidFill>
-              <a:latin typeface="quote-cjk-patch"/>
-              <a:ea typeface="quote-cjk-patch"/>
-              <a:sym typeface="+mn-ea"/>
-            </a:endParaRPr>
-          </a:p>
-          <a:p>
-            <a:pPr marL="285750" lvl="0" indent="-285750" algn="l">
-              <a:lnSpc>
-                <a:spcPct val="200000"/>
-              </a:lnSpc>
-              <a:buClrTx/>
-              <a:buSzTx/>
-              <a:buFont typeface="Wingdings" panose="05000000000000000000" charset="0"/>
-              <a:buChar char=""/>
-            </a:pPr>
+              <a:t>let</a:t>
+            </a:r>
             <a:r>
               <a:rPr lang="en-US" altLang="en-US" sz="1600">
                 <a:solidFill>
@@ -10346,7 +10704,29 @@
                 <a:ea typeface="quote-cjk-patch"/>
                 <a:sym typeface="+mn-ea"/>
               </a:rPr>
-              <a:t>Bool: true or false</a:t>
+              <a:t> for constants. (Prefer </a:t>
+            </a:r>
+            <a:r>
+              <a:rPr lang="en-US" altLang="en-US" sz="1600">
+                <a:solidFill>
+                  <a:srgbClr val="F8FAFF"/>
+                </a:solidFill>
+                <a:latin typeface="quote-cjk-patch"/>
+                <a:ea typeface="quote-cjk-patch"/>
+                <a:sym typeface="+mn-ea"/>
+              </a:rPr>
+              <a:t>let</a:t>
+            </a:r>
+            <a:r>
+              <a:rPr lang="en-US" altLang="en-US" sz="1600">
+                <a:solidFill>
+                  <a:srgbClr val="F8FAFF"/>
+                </a:solidFill>
+                <a:latin typeface="quote-cjk-patch"/>
+                <a:ea typeface="quote-cjk-patch"/>
+                <a:sym typeface="+mn-ea"/>
+              </a:rPr>
+              <a:t> whenever possible!)</a:t>
             </a:r>
             <a:endParaRPr lang="en-US" altLang="en-US" sz="1600">
               <a:solidFill>
@@ -10361,14 +10741,14 @@
       </p:sp>
       <p:sp>
         <p:nvSpPr>
-          <p:cNvPr id="4" name="Text Box 3"/>
+          <p:cNvPr id="3" name="Text Box 2"/>
           <p:cNvSpPr txBox="1"/>
           <p:nvPr/>
         </p:nvSpPr>
         <p:spPr>
           <a:xfrm>
-            <a:off x="6656070" y="2616835"/>
-            <a:ext cx="5080000" cy="1753235"/>
+            <a:off x="6716395" y="1916747"/>
+            <a:ext cx="5080000" cy="2861310"/>
           </a:xfrm>
           <a:prstGeom prst="rect">
             <a:avLst/>
@@ -10379,12 +10759,189 @@
             <a:spAutoFit/>
           </a:bodyPr>
           <a:p>
+            <a:pPr marL="0" indent="0">
+              <a:spcBef>
+                <a:spcPct val="0"/>
+              </a:spcBef>
+              <a:spcAft>
+                <a:spcPct val="0"/>
+              </a:spcAft>
+            </a:pPr>
+            <a:r>
+              <a:rPr lang="en-US" altLang="zh-CN" sz="1800">
+                <a:solidFill>
+                  <a:srgbClr val="7CB554"/>
+                </a:solidFill>
+              </a:rPr>
+              <a:t>// This is a comment. The computer ignores it.</a:t>
+            </a:r>
+            <a:endParaRPr lang="en-US" altLang="zh-CN" sz="1800">
+              <a:solidFill>
+                <a:srgbClr val="7CB554"/>
+              </a:solidFill>
+            </a:endParaRPr>
+          </a:p>
+          <a:p>
+            <a:pPr marL="0" indent="0">
+              <a:spcBef>
+                <a:spcPct val="0"/>
+              </a:spcBef>
+              <a:spcAft>
+                <a:spcPct val="0"/>
+              </a:spcAft>
+            </a:pPr>
+            <a:r>
+              <a:rPr lang="en-US" altLang="zh-CN" sz="1800">
+                <a:solidFill>
+                  <a:srgbClr val="7CB554"/>
+                </a:solidFill>
+              </a:rPr>
+              <a:t>// A variable: its value can vary.</a:t>
+            </a:r>
+            <a:endParaRPr lang="en-US" altLang="zh-CN" sz="1800">
+              <a:solidFill>
+                <a:srgbClr val="7CB554"/>
+              </a:solidFill>
+            </a:endParaRPr>
+          </a:p>
+          <a:p>
+            <a:pPr marL="0" indent="0">
+              <a:spcBef>
+                <a:spcPct val="0"/>
+              </a:spcBef>
+              <a:spcAft>
+                <a:spcPct val="0"/>
+              </a:spcAft>
+            </a:pPr>
+            <a:endParaRPr lang="en-US" altLang="zh-CN" sz="1800">
+              <a:solidFill>
+                <a:srgbClr val="7CB554"/>
+              </a:solidFill>
+            </a:endParaRPr>
+          </a:p>
+          <a:p>
             <a:r>
               <a:rPr lang="en-US" altLang="zh-CN" sz="1800">
                 <a:solidFill>
                   <a:srgbClr val="FC6BAA"/>
                 </a:solidFill>
               </a:rPr>
+              <a:t>var </a:t>
+            </a:r>
+            <a:r>
+              <a:rPr lang="en-US" altLang="zh-CN" sz="1800">
+                <a:solidFill>
+                  <a:srgbClr val="42B8E0"/>
+                </a:solidFill>
+              </a:rPr>
+              <a:t>myName</a:t>
+            </a:r>
+            <a:r>
+              <a:rPr lang="en-US" altLang="zh-CN" sz="1800">
+                <a:solidFill>
+                  <a:srgbClr val="FFFFFF"/>
+                </a:solidFill>
+              </a:rPr>
+              <a:t> = </a:t>
+            </a:r>
+            <a:r>
+              <a:rPr lang="en-US" altLang="zh-CN" sz="1800">
+                <a:solidFill>
+                  <a:srgbClr val="FC7467"/>
+                </a:solidFill>
+              </a:rPr>
+              <a:t>"Pisey"</a:t>
+            </a:r>
+            <a:endParaRPr lang="en-US" altLang="zh-CN" sz="1800">
+              <a:solidFill>
+                <a:srgbClr val="FC7467"/>
+              </a:solidFill>
+            </a:endParaRPr>
+          </a:p>
+          <a:p>
+            <a:r>
+              <a:rPr lang="en-US" altLang="zh-CN" sz="1800">
+                <a:solidFill>
+                  <a:srgbClr val="72BFAE"/>
+                </a:solidFill>
+              </a:rPr>
+              <a:t>myName</a:t>
+            </a:r>
+            <a:r>
+              <a:rPr lang="en-US" altLang="zh-CN" sz="1800">
+                <a:solidFill>
+                  <a:srgbClr val="FFFFFF"/>
+                </a:solidFill>
+              </a:rPr>
+              <a:t> = </a:t>
+            </a:r>
+            <a:r>
+              <a:rPr lang="en-US" altLang="zh-CN" sz="1800">
+                <a:solidFill>
+                  <a:srgbClr val="FC7467"/>
+                </a:solidFill>
+              </a:rPr>
+              <a:t>"Pisey Jo"</a:t>
+            </a:r>
+            <a:r>
+              <a:rPr lang="en-US" altLang="zh-CN" sz="1800">
+                <a:solidFill>
+                  <a:srgbClr val="7CB554"/>
+                </a:solidFill>
+              </a:rPr>
+              <a:t>// This is allowed.</a:t>
+            </a:r>
+            <a:endParaRPr lang="en-US" altLang="zh-CN" sz="1800">
+              <a:solidFill>
+                <a:srgbClr val="7CB554"/>
+              </a:solidFill>
+            </a:endParaRPr>
+          </a:p>
+          <a:p>
+            <a:pPr marL="0" indent="0">
+              <a:spcBef>
+                <a:spcPct val="0"/>
+              </a:spcBef>
+              <a:spcAft>
+                <a:spcPct val="0"/>
+              </a:spcAft>
+            </a:pPr>
+            <a:endParaRPr lang="en-US" altLang="zh-CN" sz="1800">
+              <a:solidFill>
+                <a:srgbClr val="7CB554"/>
+              </a:solidFill>
+            </a:endParaRPr>
+          </a:p>
+          <a:p>
+            <a:pPr marL="0" indent="0">
+              <a:spcBef>
+                <a:spcPct val="0"/>
+              </a:spcBef>
+              <a:spcAft>
+                <a:spcPct val="0"/>
+              </a:spcAft>
+            </a:pPr>
+            <a:r>
+              <a:rPr lang="en-US" altLang="zh-CN" sz="1800">
+                <a:solidFill>
+                  <a:srgbClr val="7CB554"/>
+                </a:solidFill>
+              </a:rPr>
+              <a:t>// A constant: its value is constant.</a:t>
+            </a:r>
+            <a:endParaRPr lang="en-US" altLang="zh-CN" sz="1800">
+              <a:solidFill>
+                <a:srgbClr val="7CB554"/>
+              </a:solidFill>
+            </a:endParaRPr>
+          </a:p>
+          <a:p>
+            <a:r>
+              <a:rPr lang="en-US" altLang="zh-CN" sz="1800">
+                <a:solidFill>
+                  <a:srgbClr val="FC6BAA"/>
+                </a:solidFill>
+              </a:rPr>
               <a:t>let </a:t>
             </a:r>
             <a:r>
@@ -10393,7 +10950,7 @@
                   <a:srgbClr val="42B8E0"/>
                 </a:solidFill>
               </a:rPr>
-              <a:t>message</a:t>
+              <a:t>birthYear</a:t>
             </a:r>
             <a:r>
               <a:rPr lang="en-US" altLang="zh-CN" sz="1800">
@@ -10401,187 +10958,38 @@
                   <a:srgbClr val="FFFFFF"/>
                 </a:solidFill>
               </a:rPr>
-              <a:t>: </a:t>
-            </a:r>
-            <a:r>
-              <a:rPr lang="en-US" altLang="zh-CN" sz="1800">
-                <a:solidFill>
-                  <a:srgbClr val="DEC1FF"/>
-                </a:solidFill>
-              </a:rPr>
-              <a:t>String</a:t>
-            </a:r>
-            <a:r>
-              <a:rPr lang="en-US" altLang="zh-CN" sz="1800">
-                <a:solidFill>
-                  <a:srgbClr val="FFFFFF"/>
-                </a:solidFill>
-              </a:rPr>
               <a:t> = </a:t>
             </a:r>
             <a:r>
               <a:rPr lang="en-US" altLang="zh-CN" sz="1800">
                 <a:solidFill>
-                  <a:srgbClr val="FC7467"/>
-                </a:solidFill>
-              </a:rPr>
-              <a:t>"Hello World"</a:t>
-            </a:r>
+                  <a:srgbClr val="D0BC56"/>
+                </a:solidFill>
+              </a:rPr>
+              <a:t>2000</a:t>
+            </a:r>
+            <a:endParaRPr lang="en-US" altLang="zh-CN" sz="1800">
+              <a:solidFill>
+                <a:srgbClr val="D0BC56"/>
+              </a:solidFill>
+            </a:endParaRPr>
+          </a:p>
+          <a:p>
+            <a:pPr marL="0" indent="0">
+              <a:spcBef>
+                <a:spcPct val="0"/>
+              </a:spcBef>
+              <a:spcAft>
+                <a:spcPct val="0"/>
+              </a:spcAft>
+            </a:pPr>
             <a:r>
               <a:rPr lang="en-US" altLang="zh-CN" sz="1800">
                 <a:solidFill>
                   <a:srgbClr val="7CB554"/>
                 </a:solidFill>
               </a:rPr>
-              <a:t>// Explicit type annotation</a:t>
-            </a:r>
-            <a:endParaRPr lang="en-US" altLang="zh-CN" sz="1800">
-              <a:solidFill>
-                <a:srgbClr val="7CB554"/>
-              </a:solidFill>
-            </a:endParaRPr>
-          </a:p>
-          <a:p>
-            <a:endParaRPr lang="en-US" altLang="zh-CN" sz="1800">
-              <a:solidFill>
-                <a:srgbClr val="7CB554"/>
-              </a:solidFill>
-            </a:endParaRPr>
-          </a:p>
-          <a:p>
-            <a:r>
-              <a:rPr lang="en-US" altLang="zh-CN" sz="1800">
-                <a:solidFill>
-                  <a:srgbClr val="FC6BAA"/>
-                </a:solidFill>
-              </a:rPr>
-              <a:t>let </a:t>
-            </a:r>
-            <a:r>
-              <a:rPr lang="en-US" altLang="zh-CN" sz="1800">
-                <a:solidFill>
-                  <a:srgbClr val="42B8E0"/>
-                </a:solidFill>
-              </a:rPr>
-              <a:t>score</a:t>
-            </a:r>
-            <a:r>
-              <a:rPr lang="en-US" altLang="zh-CN" sz="1800">
-                <a:solidFill>
-                  <a:srgbClr val="FFFFFF"/>
-                </a:solidFill>
-              </a:rPr>
-              <a:t> = </a:t>
-            </a:r>
-            <a:r>
-              <a:rPr lang="en-US" altLang="zh-CN" sz="1800">
-                <a:solidFill>
-                  <a:srgbClr val="D0BC56"/>
-                </a:solidFill>
-              </a:rPr>
-              <a:t>1000 </a:t>
-            </a:r>
-            <a:r>
-              <a:rPr lang="en-US" altLang="zh-CN" sz="1800">
-                <a:solidFill>
-                  <a:srgbClr val="7CB554"/>
-                </a:solidFill>
-              </a:rPr>
-              <a:t>// Inferred as Int</a:t>
-            </a:r>
-            <a:endParaRPr lang="en-US" altLang="zh-CN" sz="1800">
-              <a:solidFill>
-                <a:srgbClr val="7CB554"/>
-              </a:solidFill>
-            </a:endParaRPr>
-          </a:p>
-          <a:p>
-            <a:r>
-              <a:rPr lang="en-US" altLang="zh-CN" sz="1800">
-                <a:solidFill>
-                  <a:srgbClr val="FC6BAA"/>
-                </a:solidFill>
-              </a:rPr>
-              <a:t>let </a:t>
-            </a:r>
-            <a:r>
-              <a:rPr lang="en-US" altLang="zh-CN" sz="1800">
-                <a:solidFill>
-                  <a:srgbClr val="42B8E0"/>
-                </a:solidFill>
-              </a:rPr>
-              <a:t>pi</a:t>
-            </a:r>
-            <a:r>
-              <a:rPr lang="en-US" altLang="zh-CN" sz="1800">
-                <a:solidFill>
-                  <a:srgbClr val="FFFFFF"/>
-                </a:solidFill>
-              </a:rPr>
-              <a:t> = </a:t>
-            </a:r>
-            <a:r>
-              <a:rPr lang="en-US" altLang="zh-CN" sz="1800">
-                <a:solidFill>
-                  <a:srgbClr val="D0BC56"/>
-                </a:solidFill>
-              </a:rPr>
-              <a:t>3.14 </a:t>
-            </a:r>
-            <a:r>
-              <a:rPr lang="en-US" altLang="zh-CN" sz="1800">
-                <a:solidFill>
-                  <a:srgbClr val="7CB554"/>
-                </a:solidFill>
-              </a:rPr>
-              <a:t>// Inferred as Double</a:t>
-            </a:r>
-            <a:endParaRPr lang="en-US" altLang="zh-CN" sz="1800">
-              <a:solidFill>
-                <a:srgbClr val="7CB554"/>
-              </a:solidFill>
-            </a:endParaRPr>
-          </a:p>
-          <a:p>
-            <a:r>
-              <a:rPr lang="en-US" altLang="zh-CN" sz="1800">
-                <a:solidFill>
-                  <a:srgbClr val="FC6BAA"/>
-                </a:solidFill>
-              </a:rPr>
-              <a:t>let </a:t>
-            </a:r>
-            <a:r>
-              <a:rPr lang="en-US" altLang="zh-CN" sz="1800">
-                <a:solidFill>
-                  <a:srgbClr val="42B8E0"/>
-                </a:solidFill>
-              </a:rPr>
-              <a:t>isLoggedIn</a:t>
-            </a:r>
-            <a:r>
-              <a:rPr lang="en-US" altLang="zh-CN" sz="1800">
-                <a:solidFill>
-                  <a:srgbClr val="FFFFFF"/>
-                </a:solidFill>
-              </a:rPr>
-              <a:t> = </a:t>
-            </a:r>
-            <a:r>
-              <a:rPr lang="en-US" altLang="zh-CN" sz="1800">
-                <a:solidFill>
-                  <a:srgbClr val="FC6BAA"/>
-                </a:solidFill>
-              </a:rPr>
-              <a:t>true </a:t>
-            </a:r>
-            <a:r>
-              <a:rPr lang="en-US" altLang="zh-CN" sz="1800">
-                <a:solidFill>
-                  <a:srgbClr val="7CB554"/>
-                </a:solidFill>
-              </a:rPr>
-              <a:t>// Inferred as Bool</a:t>
+              <a:t>// birthYear = 2001 // This would cause an ERROR!</a:t>
             </a:r>
             <a:endParaRPr lang="en-US" altLang="zh-CN" sz="1800">
               <a:solidFill>
@@ -10681,7 +11089,7 @@
                 <a:ea typeface="quote-cjk-patch"/>
                 <a:cs typeface="Microsoft YaHei" charset="0"/>
               </a:rPr>
-              <a:t>Operators</a:t>
+              <a:t>Data Types</a:t>
             </a:r>
             <a:endParaRPr lang="en-US" altLang="en-US" sz="2400" b="0" i="0">
               <a:solidFill>
@@ -10732,7 +11140,7 @@
                 <a:ea typeface="quote-cjk-patch"/>
                 <a:sym typeface="+mn-ea"/>
               </a:rPr>
-              <a:t>Assignment: = (Assigns a value)</a:t>
+              <a:t>Swift has many built-in types. The compiler infers the type from the value you assign.</a:t>
             </a:r>
             <a:endParaRPr lang="en-US" altLang="en-US" sz="1600">
               <a:solidFill>
@@ -10762,7 +11170,7 @@
                 <a:ea typeface="quote-cjk-patch"/>
                 <a:sym typeface="+mn-ea"/>
               </a:rPr>
-              <a:t>Arithmetic: +, -, *, /</a:t>
+              <a:t>String: Text, surrounded by double quotes. "Hello"</a:t>
             </a:r>
             <a:endParaRPr lang="en-US" altLang="en-US" sz="1600">
               <a:solidFill>
@@ -10792,7 +11200,7 @@
                 <a:ea typeface="quote-cjk-patch"/>
                 <a:sym typeface="+mn-ea"/>
               </a:rPr>
-              <a:t>Compound Assignment: +=, -=</a:t>
+              <a:t>Int: Whole numbers. 42, -7</a:t>
             </a:r>
             <a:endParaRPr lang="en-US" altLang="en-US" sz="1600">
               <a:solidFill>
@@ -10822,7 +11230,37 @@
                 <a:ea typeface="quote-cjk-patch"/>
                 <a:sym typeface="+mn-ea"/>
               </a:rPr>
-              <a:t>Comparison: == (equal to), != (not equal to), &gt;, &lt;, &gt;=, &lt;=</a:t>
+              <a:t>Double: Decimal numbers. 3.14159</a:t>
+            </a:r>
+            <a:endParaRPr lang="en-US" altLang="en-US" sz="1600">
+              <a:solidFill>
+                <a:srgbClr val="F8FAFF"/>
+              </a:solidFill>
+              <a:latin typeface="quote-cjk-patch"/>
+              <a:ea typeface="quote-cjk-patch"/>
+              <a:sym typeface="+mn-ea"/>
+            </a:endParaRPr>
+          </a:p>
+          <a:p>
+            <a:pPr marL="285750" lvl="0" indent="-285750" algn="l">
+              <a:lnSpc>
+                <a:spcPct val="200000"/>
+              </a:lnSpc>
+              <a:buClrTx/>
+              <a:buSzTx/>
+              <a:buFont typeface="Wingdings" panose="05000000000000000000" charset="0"/>
+              <a:buChar char=""/>
+            </a:pPr>
+            <a:r>
+              <a:rPr lang="en-US" altLang="en-US" sz="1600">
+                <a:solidFill>
+                  <a:srgbClr val="F8FAFF"/>
+                </a:solidFill>
+                <a:latin typeface="quote-cjk-patch"/>
+                <a:ea typeface="quote-cjk-patch"/>
+                <a:sym typeface="+mn-ea"/>
+              </a:rPr>
+              <a:t>Bool: true or false</a:t>
             </a:r>
             <a:endParaRPr lang="en-US" altLang="en-US" sz="1600">
               <a:solidFill>
@@ -10837,13 +11275,13 @@
       </p:sp>
       <p:sp>
         <p:nvSpPr>
-          <p:cNvPr id="5" name="Text Box 4"/>
+          <p:cNvPr id="4" name="Text Box 3"/>
           <p:cNvSpPr txBox="1"/>
           <p:nvPr/>
         </p:nvSpPr>
         <p:spPr>
           <a:xfrm>
-            <a:off x="6096000" y="2004378"/>
+            <a:off x="6656070" y="2616835"/>
             <a:ext cx="5080000" cy="1753235"/>
           </a:xfrm>
           <a:prstGeom prst="rect">
@@ -10869,7 +11307,7 @@
                   <a:srgbClr val="42B8E0"/>
                 </a:solidFill>
               </a:rPr>
-              <a:t>a</a:t>
+              <a:t>message</a:t>
             </a:r>
             <a:r>
               <a:rPr lang="en-US" altLang="zh-CN" sz="1800">
@@ -10877,19 +11315,97 @@
                   <a:srgbClr val="FFFFFF"/>
                 </a:solidFill>
               </a:rPr>
+              <a:t>: </a:t>
+            </a:r>
+            <a:r>
+              <a:rPr lang="en-US" altLang="zh-CN" sz="1800">
+                <a:solidFill>
+                  <a:srgbClr val="DEC1FF"/>
+                </a:solidFill>
+              </a:rPr>
+              <a:t>String</a:t>
+            </a:r>
+            <a:r>
+              <a:rPr lang="en-US" altLang="zh-CN" sz="1800">
+                <a:solidFill>
+                  <a:srgbClr val="FFFFFF"/>
+                </a:solidFill>
+              </a:rPr>
               <a:t> = </a:t>
             </a:r>
             <a:r>
               <a:rPr lang="en-US" altLang="zh-CN" sz="1800">
                 <a:solidFill>
+                  <a:srgbClr val="FC7467"/>
+                </a:solidFill>
+              </a:rPr>
+              <a:t>"Hello World"</a:t>
+            </a:r>
+            <a:r>
+              <a:rPr lang="en-US" altLang="zh-CN" sz="1800">
+                <a:solidFill>
+                  <a:srgbClr val="7CB554"/>
+                </a:solidFill>
+              </a:rPr>
+              <a:t>// Explicit type annotation</a:t>
+            </a:r>
+            <a:endParaRPr lang="en-US" altLang="zh-CN" sz="1800">
+              <a:solidFill>
+                <a:srgbClr val="7CB554"/>
+              </a:solidFill>
+            </a:endParaRPr>
+          </a:p>
+          <a:p>
+            <a:endParaRPr lang="en-US" altLang="zh-CN" sz="1800">
+              <a:solidFill>
+                <a:srgbClr val="7CB554"/>
+              </a:solidFill>
+            </a:endParaRPr>
+          </a:p>
+          <a:p>
+            <a:r>
+              <a:rPr lang="en-US" altLang="zh-CN" sz="1800">
+                <a:solidFill>
+                  <a:srgbClr val="FC6BAA"/>
+                </a:solidFill>
+              </a:rPr>
+              <a:t>let </a:t>
+            </a:r>
+            <a:r>
+              <a:rPr lang="en-US" altLang="zh-CN" sz="1800">
+                <a:solidFill>
+                  <a:srgbClr val="42B8E0"/>
+                </a:solidFill>
+              </a:rPr>
+              <a:t>score</a:t>
+            </a:r>
+            <a:r>
+              <a:rPr lang="en-US" altLang="zh-CN" sz="1800">
+                <a:solidFill>
+                  <a:srgbClr val="FFFFFF"/>
+                </a:solidFill>
+              </a:rPr>
+              <a:t> = </a:t>
+            </a:r>
+            <a:r>
+              <a:rPr lang="en-US" altLang="zh-CN" sz="1800">
+                <a:solidFill>
                   <a:srgbClr val="D0BC56"/>
                 </a:solidFill>
               </a:rPr>
-              <a:t>10</a:t>
+              <a:t>1000 </a:t>
+            </a:r>
+            <a:r>
+              <a:rPr lang="en-US" altLang="zh-CN" sz="1800">
+                <a:solidFill>
+                  <a:srgbClr val="7CB554"/>
+                </a:solidFill>
+              </a:rPr>
+              <a:t>// Inferred as Int</a:t>
             </a:r>
             <a:endParaRPr lang="en-US" altLang="zh-CN" sz="1800">
               <a:solidFill>
-                <a:srgbClr val="D0BC56"/>
+                <a:srgbClr val="7CB554"/>
               </a:solidFill>
             </a:endParaRPr>
           </a:p>
@@ -10908,7 +11424,7 @@
                   <a:srgbClr val="42B8E0"/>
                 </a:solidFill>
               </a:rPr>
-              <a:t>b</a:t>
+              <a:t>pi</a:t>
             </a:r>
             <a:r>
               <a:rPr lang="en-US" altLang="zh-CN" sz="1800">
@@ -10924,11 +11440,19 @@
                   <a:srgbClr val="D0BC56"/>
                 </a:solidFill>
               </a:rPr>
-              <a:t>3</a:t>
+              <a:t>3.14 </a:t>
+            </a:r>
+            <a:r>
+              <a:rPr lang="en-US" altLang="zh-CN" sz="1800">
+                <a:solidFill>
+                  <a:srgbClr val="7CB554"/>
+                </a:solidFill>
+              </a:rPr>
+              <a:t>// Inferred as Double</a:t>
             </a:r>
             <a:endParaRPr lang="en-US" altLang="zh-CN" sz="1800">
               <a:solidFill>
-                <a:srgbClr val="D0BC56"/>
+                <a:srgbClr val="7CB554"/>
               </a:solidFill>
             </a:endParaRPr>
           </a:p>
@@ -10947,7 +11471,7 @@
                   <a:srgbClr val="42B8E0"/>
                 </a:solidFill>
               </a:rPr>
-              <a:t>sum</a:t>
+              <a:t>isLoggedIn</a:t>
             </a:r>
             <a:r>
               <a:rPr lang="en-US" altLang="zh-CN" sz="1800">
@@ -10960,26 +11484,10 @@
             <a:r>
               <a:rPr lang="en-US" altLang="zh-CN" sz="1800">
                 <a:solidFill>
-                  <a:srgbClr val="72BFAE"/>
-                </a:solidFill>
-              </a:rPr>
-              <a:t>a</a:t>
-            </a:r>
-            <a:r>
-              <a:rPr lang="en-US" altLang="zh-CN" sz="1800">
-                <a:solidFill>
-                  <a:srgbClr val="FFFFFF"/>
-                </a:solidFill>
-              </a:rPr>
-              <a:t> + </a:t>
-            </a:r>
-            <a:r>
-              <a:rPr lang="en-US" altLang="zh-CN" sz="1800">
-                <a:solidFill>
-                  <a:srgbClr val="72BFAE"/>
-                </a:solidFill>
-              </a:rPr>
-              <a:t>b</a:t>
+                  <a:srgbClr val="FC6BAA"/>
+                </a:solidFill>
+              </a:rPr>
+              <a:t>true </a:t>
             </a:r>
             <a:r>
               <a:rPr lang="en-US" altLang="zh-CN" sz="1800">
@@ -10987,148 +11495,7 @@
                   <a:srgbClr val="7CB554"/>
                 </a:solidFill>
               </a:rPr>
-              <a:t>// 13</a:t>
-            </a:r>
-            <a:endParaRPr lang="en-US" altLang="zh-CN" sz="1800">
-              <a:solidFill>
-                <a:srgbClr val="7CB554"/>
-              </a:solidFill>
-            </a:endParaRPr>
-          </a:p>
-          <a:p>
-            <a:r>
-              <a:rPr lang="en-US" altLang="zh-CN" sz="1800">
-                <a:solidFill>
-                  <a:srgbClr val="FC6BAA"/>
-                </a:solidFill>
-              </a:rPr>
-              <a:t>let </a:t>
-            </a:r>
-            <a:r>
-              <a:rPr lang="en-US" altLang="zh-CN" sz="1800">
-                <a:solidFill>
-                  <a:srgbClr val="42B8E0"/>
-                </a:solidFill>
-              </a:rPr>
-              <a:t>isGreater</a:t>
-            </a:r>
-            <a:r>
-              <a:rPr lang="en-US" altLang="zh-CN" sz="1800">
-                <a:solidFill>
-                  <a:srgbClr val="FFFFFF"/>
-                </a:solidFill>
-              </a:rPr>
-              <a:t> = </a:t>
-            </a:r>
-            <a:r>
-              <a:rPr lang="en-US" altLang="zh-CN" sz="1800">
-                <a:solidFill>
-                  <a:srgbClr val="72BFAE"/>
-                </a:solidFill>
-              </a:rPr>
-              <a:t>a</a:t>
-            </a:r>
-            <a:r>
-              <a:rPr lang="en-US" altLang="zh-CN" sz="1800">
-                <a:solidFill>
-                  <a:srgbClr val="FFFFFF"/>
-                </a:solidFill>
-              </a:rPr>
-              <a:t> &gt; </a:t>
-            </a:r>
-            <a:r>
-              <a:rPr lang="en-US" altLang="zh-CN" sz="1800">
-                <a:solidFill>
-                  <a:srgbClr val="72BFAE"/>
-                </a:solidFill>
-              </a:rPr>
-              <a:t>b</a:t>
-            </a:r>
-            <a:r>
-              <a:rPr lang="en-US" altLang="zh-CN" sz="1800">
-                <a:solidFill>
-                  <a:srgbClr val="7CB554"/>
-                </a:solidFill>
-              </a:rPr>
-              <a:t>// true</a:t>
-            </a:r>
-            <a:endParaRPr lang="en-US" altLang="zh-CN" sz="1800">
-              <a:solidFill>
-                <a:srgbClr val="7CB554"/>
-              </a:solidFill>
-            </a:endParaRPr>
-          </a:p>
-          <a:p>
-            <a:r>
-              <a:rPr lang="en-US" altLang="zh-CN" sz="1800">
-                <a:solidFill>
-                  <a:srgbClr val="FC6BAA"/>
-                </a:solidFill>
-              </a:rPr>
-              <a:t>var </a:t>
-            </a:r>
-            <a:r>
-              <a:rPr lang="en-US" altLang="zh-CN" sz="1800">
-                <a:solidFill>
-                  <a:srgbClr val="42B8E0"/>
-                </a:solidFill>
-              </a:rPr>
-              <a:t>counter</a:t>
-            </a:r>
-            <a:r>
-              <a:rPr lang="en-US" altLang="zh-CN" sz="1800">
-                <a:solidFill>
-                  <a:srgbClr val="FFFFFF"/>
-                </a:solidFill>
-              </a:rPr>
-              <a:t> = </a:t>
-            </a:r>
-            <a:r>
-              <a:rPr lang="en-US" altLang="zh-CN" sz="1800">
-                <a:solidFill>
-                  <a:srgbClr val="D0BC56"/>
-                </a:solidFill>
-              </a:rPr>
-              <a:t>0</a:t>
-            </a:r>
-            <a:endParaRPr lang="en-US" altLang="zh-CN" sz="1800">
-              <a:solidFill>
-                <a:srgbClr val="D0BC56"/>
-              </a:solidFill>
-            </a:endParaRPr>
-          </a:p>
-          <a:p>
-            <a:r>
-              <a:rPr lang="en-US" altLang="zh-CN" sz="1800">
-                <a:solidFill>
-                  <a:srgbClr val="72BFAE"/>
-                </a:solidFill>
-              </a:rPr>
-              <a:t>counter</a:t>
-            </a:r>
-            <a:r>
-              <a:rPr lang="en-US" altLang="zh-CN" sz="1800">
-                <a:solidFill>
-                  <a:srgbClr val="FFFFFF"/>
-                </a:solidFill>
-              </a:rPr>
-              <a:t> += </a:t>
-            </a:r>
-            <a:r>
-              <a:rPr lang="en-US" altLang="zh-CN" sz="1800">
-                <a:solidFill>
-                  <a:srgbClr val="D0BC56"/>
-                </a:solidFill>
-              </a:rPr>
-              <a:t>1</a:t>
-            </a:r>
-            <a:r>
-              <a:rPr lang="en-US" altLang="zh-CN" sz="1800">
-                <a:solidFill>
-                  <a:srgbClr val="7CB554"/>
-                </a:solidFill>
-              </a:rPr>
-              <a:t>// counter is now 1</a:t>
+              <a:t>// Inferred as Bool</a:t>
             </a:r>
             <a:endParaRPr lang="en-US" altLang="zh-CN" sz="1800">
               <a:solidFill>
